--- a/presentation.pptx
+++ b/presentation.pptx
@@ -594,7 +594,7 @@
           <a:p>
             <a:fld id="{241EB5C9-1307-BA42-ABA2-0BC069CD8E7F}" type="datetimeFigureOut">
               <a:rPr lang="en-US" smtClean="0"/>
-              <a:t>10/15/2025</a:t>
+              <a:t>10/17/2025</a:t>
             </a:fld>
             <a:endParaRPr lang="en-US"/>
           </a:p>
@@ -796,7 +796,7 @@
           <a:p>
             <a:fld id="{241EB5C9-1307-BA42-ABA2-0BC069CD8E7F}" type="datetimeFigureOut">
               <a:rPr lang="en-US" smtClean="0"/>
-              <a:t>10/15/2025</a:t>
+              <a:t>10/17/2025</a:t>
             </a:fld>
             <a:endParaRPr lang="en-US"/>
           </a:p>
@@ -976,7 +976,7 @@
           <a:p>
             <a:fld id="{241EB5C9-1307-BA42-ABA2-0BC069CD8E7F}" type="datetimeFigureOut">
               <a:rPr lang="en-US" smtClean="0"/>
-              <a:t>10/15/2025</a:t>
+              <a:t>10/17/2025</a:t>
             </a:fld>
             <a:endParaRPr lang="en-US"/>
           </a:p>
@@ -1146,7 +1146,7 @@
           <a:p>
             <a:fld id="{241EB5C9-1307-BA42-ABA2-0BC069CD8E7F}" type="datetimeFigureOut">
               <a:rPr lang="en-US" smtClean="0"/>
-              <a:t>10/15/2025</a:t>
+              <a:t>10/17/2025</a:t>
             </a:fld>
             <a:endParaRPr lang="en-US"/>
           </a:p>
@@ -1717,7 +1717,7 @@
           <a:p>
             <a:fld id="{241EB5C9-1307-BA42-ABA2-0BC069CD8E7F}" type="datetimeFigureOut">
               <a:rPr lang="en-US" smtClean="0"/>
-              <a:t>10/15/2025</a:t>
+              <a:t>10/17/2025</a:t>
             </a:fld>
             <a:endParaRPr lang="en-US"/>
           </a:p>
@@ -2019,7 +2019,7 @@
           <a:p>
             <a:fld id="{241EB5C9-1307-BA42-ABA2-0BC069CD8E7F}" type="datetimeFigureOut">
               <a:rPr lang="en-US" smtClean="0"/>
-              <a:t>10/15/2025</a:t>
+              <a:t>10/17/2025</a:t>
             </a:fld>
             <a:endParaRPr lang="en-US"/>
           </a:p>
@@ -2456,7 +2456,7 @@
           <a:p>
             <a:fld id="{241EB5C9-1307-BA42-ABA2-0BC069CD8E7F}" type="datetimeFigureOut">
               <a:rPr lang="en-US" smtClean="0"/>
-              <a:t>10/15/2025</a:t>
+              <a:t>10/17/2025</a:t>
             </a:fld>
             <a:endParaRPr lang="en-US"/>
           </a:p>
@@ -2574,7 +2574,7 @@
           <a:p>
             <a:fld id="{241EB5C9-1307-BA42-ABA2-0BC069CD8E7F}" type="datetimeFigureOut">
               <a:rPr lang="en-US" smtClean="0"/>
-              <a:t>10/15/2025</a:t>
+              <a:t>10/17/2025</a:t>
             </a:fld>
             <a:endParaRPr lang="en-US"/>
           </a:p>
@@ -2669,7 +2669,7 @@
           <a:p>
             <a:fld id="{241EB5C9-1307-BA42-ABA2-0BC069CD8E7F}" type="datetimeFigureOut">
               <a:rPr lang="en-US" smtClean="0"/>
-              <a:t>10/15/2025</a:t>
+              <a:t>10/17/2025</a:t>
             </a:fld>
             <a:endParaRPr lang="en-US"/>
           </a:p>
@@ -3051,7 +3051,7 @@
           <a:p>
             <a:fld id="{241EB5C9-1307-BA42-ABA2-0BC069CD8E7F}" type="datetimeFigureOut">
               <a:rPr lang="en-US" smtClean="0"/>
-              <a:t>10/15/2025</a:t>
+              <a:t>10/17/2025</a:t>
             </a:fld>
             <a:endParaRPr lang="en-US"/>
           </a:p>
@@ -3445,7 +3445,7 @@
           <a:p>
             <a:fld id="{241EB5C9-1307-BA42-ABA2-0BC069CD8E7F}" type="datetimeFigureOut">
               <a:rPr lang="en-US" smtClean="0"/>
-              <a:t>10/15/2025</a:t>
+              <a:t>10/17/2025</a:t>
             </a:fld>
             <a:endParaRPr lang="en-US"/>
           </a:p>
@@ -3758,7 +3758,7 @@
           <a:p>
             <a:fld id="{241EB5C9-1307-BA42-ABA2-0BC069CD8E7F}" type="datetimeFigureOut">
               <a:rPr lang="en-US" smtClean="0"/>
-              <a:t>10/15/2025</a:t>
+              <a:t>10/17/2025</a:t>
             </a:fld>
             <a:endParaRPr lang="en-US"/>
           </a:p>
@@ -7682,7 +7682,19 @@
               <a:rPr dirty="0">
                 <a:latin typeface="Courier"/>
               </a:rPr>
-              <a:t> age][</a:t>
+              <a:t> </a:t>
+            </a:r>
+            <a:r>
+              <a:rPr lang="fr-FR" dirty="0" err="1">
+                <a:latin typeface="Courier"/>
+              </a:rPr>
+              <a:t>prenom</a:t>
+            </a:r>
+            <a:r>
+              <a:rPr dirty="0">
+                <a:latin typeface="Courier"/>
+              </a:rPr>
+              <a:t>][</a:t>
             </a:r>
             <a:r>
               <a:rPr dirty="0">
@@ -7697,7 +7709,19 @@
               <a:rPr dirty="0">
                 <a:latin typeface="Courier"/>
               </a:rPr>
-              <a:t>(age)]</a:t>
+              <a:t>(</a:t>
+            </a:r>
+            <a:r>
+              <a:rPr lang="fr-FR" dirty="0" err="1">
+                <a:latin typeface="Courier"/>
+              </a:rPr>
+              <a:t>prenom</a:t>
+            </a:r>
+            <a:r>
+              <a:rPr dirty="0">
+                <a:latin typeface="Courier"/>
+              </a:rPr>
+              <a:t>)]</a:t>
             </a:r>
           </a:p>
           <a:p>
@@ -7865,13 +7889,13 @@
               <a:buNone/>
             </a:pPr>
             <a:r>
-              <a:rPr>
+              <a:rPr dirty="0">
                 <a:latin typeface="Courier"/>
               </a:rPr>
               <a:t>query </a:t>
             </a:r>
             <a:r>
-              <a:rPr>
+              <a:rPr dirty="0">
                 <a:solidFill>
                   <a:srgbClr val="007020"/>
                 </a:solidFill>
@@ -7880,13 +7904,13 @@
               <a:t>&lt;-</a:t>
             </a:r>
             <a:r>
-              <a:rPr>
+              <a:rPr dirty="0">
                 <a:latin typeface="Courier"/>
               </a:rPr>
               <a:t> DTPQ </a:t>
             </a:r>
             <a:r>
-              <a:rPr>
+              <a:rPr dirty="0">
                 <a:solidFill>
                   <a:srgbClr val="4070A0"/>
                 </a:solidFill>
@@ -7894,15 +7918,17 @@
               </a:rPr>
               <a:t>%&gt;%</a:t>
             </a:r>
-            <a:br/>
-            <a:r>
-              <a:rPr>
+            <a:br>
+              <a:rPr dirty="0"/>
+            </a:br>
+            <a:r>
+              <a:rPr dirty="0">
                 <a:latin typeface="Courier"/>
               </a:rPr>
               <a:t>  </a:t>
             </a:r>
             <a:r>
-              <a:rPr>
+              <a:rPr dirty="0" err="1">
                 <a:solidFill>
                   <a:srgbClr val="06287E"/>
                 </a:solidFill>
@@ -7911,13 +7937,25 @@
               <a:t>group_by</a:t>
             </a:r>
             <a:r>
-              <a:rPr>
+              <a:rPr dirty="0">
                 <a:latin typeface="Courier"/>
               </a:rPr>
-              <a:t>(age) </a:t>
-            </a:r>
-            <a:r>
-              <a:rPr>
+              <a:t>(</a:t>
+            </a:r>
+            <a:r>
+              <a:rPr lang="fr-FR" dirty="0" err="1">
+                <a:latin typeface="Courier"/>
+              </a:rPr>
+              <a:t>prenom</a:t>
+            </a:r>
+            <a:r>
+              <a:rPr dirty="0">
+                <a:latin typeface="Courier"/>
+              </a:rPr>
+              <a:t>) </a:t>
+            </a:r>
+            <a:r>
+              <a:rPr dirty="0">
                 <a:solidFill>
                   <a:srgbClr val="4070A0"/>
                 </a:solidFill>
@@ -7925,15 +7963,17 @@
               </a:rPr>
               <a:t>%&gt;%</a:t>
             </a:r>
-            <a:br/>
-            <a:r>
-              <a:rPr>
+            <a:br>
+              <a:rPr dirty="0"/>
+            </a:br>
+            <a:r>
+              <a:rPr dirty="0">
                 <a:latin typeface="Courier"/>
               </a:rPr>
               <a:t>  </a:t>
             </a:r>
             <a:r>
-              <a:rPr>
+              <a:rPr dirty="0" err="1">
                 <a:solidFill>
                   <a:srgbClr val="06287E"/>
                 </a:solidFill>
@@ -7942,20 +7982,22 @@
               <a:t>summarise</a:t>
             </a:r>
             <a:r>
-              <a:rPr>
+              <a:rPr dirty="0">
                 <a:latin typeface="Courier"/>
               </a:rPr>
               <a:t>(</a:t>
             </a:r>
-            <a:br/>
-            <a:r>
-              <a:rPr>
+            <a:br>
+              <a:rPr dirty="0"/>
+            </a:br>
+            <a:r>
+              <a:rPr dirty="0">
                 <a:latin typeface="Courier"/>
               </a:rPr>
               <a:t>    </a:t>
             </a:r>
             <a:r>
-              <a:rPr>
+              <a:rPr dirty="0">
                 <a:solidFill>
                   <a:srgbClr val="7D9029"/>
                 </a:solidFill>
@@ -7964,13 +8006,13 @@
               <a:t>N          =</a:t>
             </a:r>
             <a:r>
-              <a:rPr>
+              <a:rPr dirty="0">
                 <a:latin typeface="Courier"/>
               </a:rPr>
               <a:t> </a:t>
             </a:r>
             <a:r>
-              <a:rPr>
+              <a:rPr dirty="0">
                 <a:solidFill>
                   <a:srgbClr val="06287E"/>
                 </a:solidFill>
@@ -7979,35 +8021,46 @@
               <a:t>n</a:t>
             </a:r>
             <a:r>
-              <a:rPr>
+              <a:rPr dirty="0">
                 <a:latin typeface="Courier"/>
               </a:rPr>
               <a:t>(),</a:t>
             </a:r>
-            <a:br/>
-            <a:r>
-              <a:rPr>
+            <a:br>
+              <a:rPr dirty="0"/>
+            </a:br>
+            <a:r>
+              <a:rPr dirty="0">
                 <a:latin typeface="Courier"/>
               </a:rPr>
               <a:t>    </a:t>
             </a:r>
             <a:r>
-              <a:rPr>
+              <a:rPr dirty="0" err="1">
                 <a:solidFill>
                   <a:srgbClr val="7D9029"/>
                 </a:solidFill>
                 <a:latin typeface="Courier"/>
               </a:rPr>
-              <a:t>moy_age    =</a:t>
-            </a:r>
-            <a:r>
-              <a:rPr>
+              <a:t>moy_age</a:t>
+            </a:r>
+            <a:r>
+              <a:rPr dirty="0">
+                <a:solidFill>
+                  <a:srgbClr val="7D9029"/>
+                </a:solidFill>
+                <a:latin typeface="Courier"/>
+              </a:rPr>
+              <a:t>    =</a:t>
+            </a:r>
+            <a:r>
+              <a:rPr dirty="0">
                 <a:latin typeface="Courier"/>
               </a:rPr>
               <a:t> </a:t>
             </a:r>
             <a:r>
-              <a:rPr>
+              <a:rPr dirty="0">
                 <a:solidFill>
                   <a:srgbClr val="06287E"/>
                 </a:solidFill>
@@ -8016,20 +8069,22 @@
               <a:t>mean</a:t>
             </a:r>
             <a:r>
-              <a:rPr>
+              <a:rPr dirty="0">
                 <a:latin typeface="Courier"/>
               </a:rPr>
               <a:t>(age),</a:t>
             </a:r>
-            <a:br/>
-            <a:r>
-              <a:rPr>
+            <a:br>
+              <a:rPr dirty="0"/>
+            </a:br>
+            <a:r>
+              <a:rPr dirty="0">
                 <a:latin typeface="Courier"/>
               </a:rPr>
               <a:t>    </a:t>
             </a:r>
             <a:r>
-              <a:rPr>
+              <a:rPr dirty="0">
                 <a:solidFill>
                   <a:srgbClr val="7D9029"/>
                 </a:solidFill>
@@ -8038,13 +8093,13 @@
               <a:t>p95_age    =</a:t>
             </a:r>
             <a:r>
-              <a:rPr>
+              <a:rPr dirty="0">
                 <a:latin typeface="Courier"/>
               </a:rPr>
               <a:t> </a:t>
             </a:r>
             <a:r>
-              <a:rPr>
+              <a:rPr dirty="0">
                 <a:solidFill>
                   <a:srgbClr val="06287E"/>
                 </a:solidFill>
@@ -8053,13 +8108,13 @@
               <a:t>quantile</a:t>
             </a:r>
             <a:r>
-              <a:rPr>
+              <a:rPr dirty="0">
                 <a:latin typeface="Courier"/>
               </a:rPr>
               <a:t>(age, </a:t>
             </a:r>
             <a:r>
-              <a:rPr>
+              <a:rPr dirty="0">
                 <a:solidFill>
                   <a:srgbClr val="40A070"/>
                 </a:solidFill>
@@ -8068,35 +8123,46 @@
               <a:t>0.95</a:t>
             </a:r>
             <a:r>
-              <a:rPr>
+              <a:rPr dirty="0">
                 <a:latin typeface="Courier"/>
               </a:rPr>
               <a:t>),</a:t>
             </a:r>
-            <a:br/>
-            <a:r>
-              <a:rPr>
+            <a:br>
+              <a:rPr dirty="0"/>
+            </a:br>
+            <a:r>
+              <a:rPr dirty="0">
                 <a:latin typeface="Courier"/>
               </a:rPr>
               <a:t>    </a:t>
             </a:r>
             <a:r>
-              <a:rPr>
+              <a:rPr dirty="0" err="1">
                 <a:solidFill>
                   <a:srgbClr val="7D9029"/>
                 </a:solidFill>
                 <a:latin typeface="Courier"/>
               </a:rPr>
-              <a:t>moy_taille =</a:t>
-            </a:r>
-            <a:r>
-              <a:rPr>
+              <a:t>moy_taille</a:t>
+            </a:r>
+            <a:r>
+              <a:rPr dirty="0">
+                <a:solidFill>
+                  <a:srgbClr val="7D9029"/>
+                </a:solidFill>
+                <a:latin typeface="Courier"/>
+              </a:rPr>
+              <a:t> =</a:t>
+            </a:r>
+            <a:r>
+              <a:rPr dirty="0">
                 <a:latin typeface="Courier"/>
               </a:rPr>
               <a:t> </a:t>
             </a:r>
             <a:r>
-              <a:rPr>
+              <a:rPr dirty="0">
                 <a:solidFill>
                   <a:srgbClr val="06287E"/>
                 </a:solidFill>
@@ -8105,35 +8171,46 @@
               <a:t>mean</a:t>
             </a:r>
             <a:r>
-              <a:rPr>
+              <a:rPr dirty="0">
                 <a:latin typeface="Courier"/>
               </a:rPr>
               <a:t>(taille),</a:t>
             </a:r>
-            <a:br/>
-            <a:r>
-              <a:rPr>
+            <a:br>
+              <a:rPr dirty="0"/>
+            </a:br>
+            <a:r>
+              <a:rPr dirty="0">
                 <a:latin typeface="Courier"/>
               </a:rPr>
               <a:t>    </a:t>
             </a:r>
             <a:r>
-              <a:rPr>
+              <a:rPr dirty="0" err="1">
                 <a:solidFill>
                   <a:srgbClr val="7D9029"/>
                 </a:solidFill>
                 <a:latin typeface="Courier"/>
               </a:rPr>
-              <a:t>sd_taille  =</a:t>
-            </a:r>
-            <a:r>
-              <a:rPr>
+              <a:t>sd_taille</a:t>
+            </a:r>
+            <a:r>
+              <a:rPr dirty="0">
+                <a:solidFill>
+                  <a:srgbClr val="7D9029"/>
+                </a:solidFill>
+                <a:latin typeface="Courier"/>
+              </a:rPr>
+              <a:t>  =</a:t>
+            </a:r>
+            <a:r>
+              <a:rPr dirty="0">
                 <a:latin typeface="Courier"/>
               </a:rPr>
               <a:t> </a:t>
             </a:r>
             <a:r>
-              <a:rPr>
+              <a:rPr dirty="0" err="1">
                 <a:solidFill>
                   <a:srgbClr val="06287E"/>
                 </a:solidFill>
@@ -8142,27 +8219,37 @@
               <a:t>sd</a:t>
             </a:r>
             <a:r>
-              <a:rPr>
+              <a:rPr dirty="0">
                 <a:latin typeface="Courier"/>
               </a:rPr>
               <a:t>(taille)</a:t>
             </a:r>
-            <a:br/>
-            <a:r>
-              <a:rPr>
+            <a:br>
+              <a:rPr dirty="0"/>
+            </a:br>
+            <a:r>
+              <a:rPr dirty="0">
                 <a:latin typeface="Courier"/>
               </a:rPr>
               <a:t>  )</a:t>
             </a:r>
-            <a:br/>
-            <a:r>
-              <a:rPr>
+            <a:br>
+              <a:rPr dirty="0"/>
+            </a:br>
+            <a:r>
+              <a:rPr dirty="0" err="1">
                 <a:latin typeface="Courier"/>
               </a:rPr>
-              <a:t>Results_Parquet </a:t>
-            </a:r>
-            <a:r>
-              <a:rPr>
+              <a:t>Results_Parquet</a:t>
+            </a:r>
+            <a:r>
+              <a:rPr dirty="0">
+                <a:latin typeface="Courier"/>
+              </a:rPr>
+              <a:t> </a:t>
+            </a:r>
+            <a:r>
+              <a:rPr dirty="0">
                 <a:solidFill>
                   <a:srgbClr val="007020"/>
                 </a:solidFill>
@@ -8171,13 +8258,13 @@
               <a:t>&lt;-</a:t>
             </a:r>
             <a:r>
-              <a:rPr>
+              <a:rPr dirty="0">
                 <a:latin typeface="Courier"/>
               </a:rPr>
               <a:t> query </a:t>
             </a:r>
             <a:r>
-              <a:rPr>
+              <a:rPr dirty="0">
                 <a:solidFill>
                   <a:srgbClr val="4070A0"/>
                 </a:solidFill>
@@ -8186,13 +8273,13 @@
               <a:t>|&gt;</a:t>
             </a:r>
             <a:r>
-              <a:rPr>
+              <a:rPr dirty="0">
                 <a:latin typeface="Courier"/>
               </a:rPr>
               <a:t> </a:t>
             </a:r>
             <a:r>
-              <a:rPr>
+              <a:rPr dirty="0">
                 <a:solidFill>
                   <a:srgbClr val="06287E"/>
                 </a:solidFill>
@@ -8201,7 +8288,7 @@
               <a:t>collect</a:t>
             </a:r>
             <a:r>
-              <a:rPr>
+              <a:rPr dirty="0">
                 <a:latin typeface="Courier"/>
               </a:rPr>
               <a:t>()</a:t>
@@ -8210,32 +8297,48 @@
           <a:p>
             <a:pPr lvl="0"/>
             <a:r>
+              <a:rPr dirty="0"/>
               <a:t>Lecture </a:t>
             </a:r>
             <a:r>
-              <a:rPr b="1"/>
+              <a:rPr b="1" dirty="0"/>
               <a:t>lazy</a:t>
             </a:r>
             <a:r>
-              <a:t> (à la demande)</a:t>
+              <a:rPr dirty="0"/>
+              <a:t> (à la </a:t>
+            </a:r>
+            <a:r>
+              <a:rPr dirty="0" err="1"/>
+              <a:t>demande</a:t>
+            </a:r>
+            <a:r>
+              <a:rPr dirty="0"/>
+              <a:t>)</a:t>
             </a:r>
           </a:p>
           <a:p>
             <a:pPr lvl="0"/>
             <a:r>
-              <a:t>Colonnes lues : </a:t>
-            </a:r>
-            <a:r>
-              <a:rPr>
+              <a:rPr dirty="0" err="1"/>
+              <a:t>Colonnes</a:t>
+            </a:r>
+            <a:r>
+              <a:rPr dirty="0"/>
+              <a:t> lues : </a:t>
+            </a:r>
+            <a:r>
+              <a:rPr dirty="0">
                 <a:latin typeface="Courier"/>
               </a:rPr>
               <a:t>age</a:t>
             </a:r>
             <a:r>
+              <a:rPr dirty="0"/>
               <a:t>, </a:t>
             </a:r>
             <a:r>
-              <a:rPr>
+              <a:rPr dirty="0">
                 <a:latin typeface="Courier"/>
               </a:rPr>
               <a:t>taille</a:t>
@@ -8244,21 +8347,37 @@
           <a:p>
             <a:pPr lvl="0"/>
             <a:r>
-              <a:t>Calcul </a:t>
-            </a:r>
-            <a:r>
-              <a:rPr b="1"/>
+              <a:rPr dirty="0" err="1"/>
+              <a:t>Calcul</a:t>
+            </a:r>
+            <a:r>
+              <a:rPr dirty="0"/>
+              <a:t> </a:t>
+            </a:r>
+            <a:r>
+              <a:rPr b="1" dirty="0" err="1"/>
               <a:t>déporté</a:t>
             </a:r>
             <a:r>
+              <a:rPr dirty="0"/>
               <a:t> dans Arrow</a:t>
             </a:r>
           </a:p>
           <a:p>
             <a:pPr lvl="0"/>
             <a:r>
-              <a:t>Idéal pour données massives</a:t>
-            </a:r>
+              <a:rPr dirty="0" err="1"/>
+              <a:t>Idéal</a:t>
+            </a:r>
+            <a:r>
+              <a:rPr dirty="0"/>
+              <a:t> pour données </a:t>
+            </a:r>
+            <a:r>
+              <a:rPr dirty="0" err="1"/>
+              <a:t>massives</a:t>
+            </a:r>
+            <a:endParaRPr dirty="0"/>
           </a:p>
         </p:txBody>
       </p:sp>

--- a/presentation.pptx
+++ b/presentation.pptx
@@ -7,14 +7,19 @@
   <p:sldIdLst>
     <p:sldId id="256" r:id="rId2"/>
     <p:sldId id="258" r:id="rId3"/>
-    <p:sldId id="259" r:id="rId4"/>
-    <p:sldId id="260" r:id="rId5"/>
-    <p:sldId id="261" r:id="rId6"/>
-    <p:sldId id="263" r:id="rId7"/>
-    <p:sldId id="264" r:id="rId8"/>
-    <p:sldId id="265" r:id="rId9"/>
-    <p:sldId id="266" r:id="rId10"/>
-    <p:sldId id="269" r:id="rId11"/>
+    <p:sldId id="271" r:id="rId4"/>
+    <p:sldId id="257" r:id="rId5"/>
+    <p:sldId id="273" r:id="rId6"/>
+    <p:sldId id="275" r:id="rId7"/>
+    <p:sldId id="276" r:id="rId8"/>
+    <p:sldId id="259" r:id="rId9"/>
+    <p:sldId id="260" r:id="rId10"/>
+    <p:sldId id="261" r:id="rId11"/>
+    <p:sldId id="263" r:id="rId12"/>
+    <p:sldId id="264" r:id="rId13"/>
+    <p:sldId id="265" r:id="rId14"/>
+    <p:sldId id="266" r:id="rId15"/>
+    <p:sldId id="269" r:id="rId16"/>
   </p:sldIdLst>
   <p:sldSz cx="9144000" cy="5143500" type="screen16x9"/>
   <p:notesSz cx="6858000" cy="9144000"/>
@@ -594,7 +599,7 @@
           <a:p>
             <a:fld id="{241EB5C9-1307-BA42-ABA2-0BC069CD8E7F}" type="datetimeFigureOut">
               <a:rPr lang="en-US" smtClean="0"/>
-              <a:t>10/17/2025</a:t>
+              <a:t>10/20/2025</a:t>
             </a:fld>
             <a:endParaRPr lang="en-US"/>
           </a:p>
@@ -796,7 +801,7 @@
           <a:p>
             <a:fld id="{241EB5C9-1307-BA42-ABA2-0BC069CD8E7F}" type="datetimeFigureOut">
               <a:rPr lang="en-US" smtClean="0"/>
-              <a:t>10/17/2025</a:t>
+              <a:t>10/20/2025</a:t>
             </a:fld>
             <a:endParaRPr lang="en-US"/>
           </a:p>
@@ -976,7 +981,7 @@
           <a:p>
             <a:fld id="{241EB5C9-1307-BA42-ABA2-0BC069CD8E7F}" type="datetimeFigureOut">
               <a:rPr lang="en-US" smtClean="0"/>
-              <a:t>10/17/2025</a:t>
+              <a:t>10/20/2025</a:t>
             </a:fld>
             <a:endParaRPr lang="en-US"/>
           </a:p>
@@ -1146,7 +1151,7 @@
           <a:p>
             <a:fld id="{241EB5C9-1307-BA42-ABA2-0BC069CD8E7F}" type="datetimeFigureOut">
               <a:rPr lang="en-US" smtClean="0"/>
-              <a:t>10/17/2025</a:t>
+              <a:t>10/20/2025</a:t>
             </a:fld>
             <a:endParaRPr lang="en-US"/>
           </a:p>
@@ -1717,7 +1722,7 @@
           <a:p>
             <a:fld id="{241EB5C9-1307-BA42-ABA2-0BC069CD8E7F}" type="datetimeFigureOut">
               <a:rPr lang="en-US" smtClean="0"/>
-              <a:t>10/17/2025</a:t>
+              <a:t>10/20/2025</a:t>
             </a:fld>
             <a:endParaRPr lang="en-US"/>
           </a:p>
@@ -2019,7 +2024,7 @@
           <a:p>
             <a:fld id="{241EB5C9-1307-BA42-ABA2-0BC069CD8E7F}" type="datetimeFigureOut">
               <a:rPr lang="en-US" smtClean="0"/>
-              <a:t>10/17/2025</a:t>
+              <a:t>10/20/2025</a:t>
             </a:fld>
             <a:endParaRPr lang="en-US"/>
           </a:p>
@@ -2456,7 +2461,7 @@
           <a:p>
             <a:fld id="{241EB5C9-1307-BA42-ABA2-0BC069CD8E7F}" type="datetimeFigureOut">
               <a:rPr lang="en-US" smtClean="0"/>
-              <a:t>10/17/2025</a:t>
+              <a:t>10/20/2025</a:t>
             </a:fld>
             <a:endParaRPr lang="en-US"/>
           </a:p>
@@ -2574,7 +2579,7 @@
           <a:p>
             <a:fld id="{241EB5C9-1307-BA42-ABA2-0BC069CD8E7F}" type="datetimeFigureOut">
               <a:rPr lang="en-US" smtClean="0"/>
-              <a:t>10/17/2025</a:t>
+              <a:t>10/20/2025</a:t>
             </a:fld>
             <a:endParaRPr lang="en-US"/>
           </a:p>
@@ -2669,7 +2674,7 @@
           <a:p>
             <a:fld id="{241EB5C9-1307-BA42-ABA2-0BC069CD8E7F}" type="datetimeFigureOut">
               <a:rPr lang="en-US" smtClean="0"/>
-              <a:t>10/17/2025</a:t>
+              <a:t>10/20/2025</a:t>
             </a:fld>
             <a:endParaRPr lang="en-US"/>
           </a:p>
@@ -3051,7 +3056,7 @@
           <a:p>
             <a:fld id="{241EB5C9-1307-BA42-ABA2-0BC069CD8E7F}" type="datetimeFigureOut">
               <a:rPr lang="en-US" smtClean="0"/>
-              <a:t>10/17/2025</a:t>
+              <a:t>10/20/2025</a:t>
             </a:fld>
             <a:endParaRPr lang="en-US"/>
           </a:p>
@@ -3445,7 +3450,7 @@
           <a:p>
             <a:fld id="{241EB5C9-1307-BA42-ABA2-0BC069CD8E7F}" type="datetimeFigureOut">
               <a:rPr lang="en-US" smtClean="0"/>
-              <a:t>10/17/2025</a:t>
+              <a:t>10/20/2025</a:t>
             </a:fld>
             <a:endParaRPr lang="en-US"/>
           </a:p>
@@ -3758,7 +3763,7 @@
           <a:p>
             <a:fld id="{241EB5C9-1307-BA42-ABA2-0BC069CD8E7F}" type="datetimeFigureOut">
               <a:rPr lang="en-US" smtClean="0"/>
-              <a:t>10/17/2025</a:t>
+              <a:t>10/20/2025</a:t>
             </a:fld>
             <a:endParaRPr lang="en-US"/>
           </a:p>
@@ -4466,1841 +4471,6 @@
             </a:pPr>
             <a:r>
               <a:rPr dirty="0"/>
-              <a:t>En résumé</a:t>
-            </a:r>
-          </a:p>
-        </p:txBody>
-      </p:sp>
-      <p:sp>
-        <p:nvSpPr>
-          <p:cNvPr id="3" name="Content Placeholder 2"/>
-          <p:cNvSpPr>
-            <a:spLocks noGrp="1"/>
-          </p:cNvSpPr>
-          <p:nvPr>
-            <p:ph idx="1"/>
-          </p:nvPr>
-        </p:nvSpPr>
-        <p:spPr/>
-        <p:txBody>
-          <a:bodyPr/>
-          <a:lstStyle/>
-          <a:p>
-            <a:pPr lvl="0"/>
-            <a:r>
-              <a:rPr b="1"/>
-              <a:t>Arrow + Parquet</a:t>
-            </a:r>
-            <a:r>
-              <a:t> : pour lire et agréger rapidement d’énormes volumes sans les charger intégralement.</a:t>
-            </a:r>
-          </a:p>
-          <a:p>
-            <a:pPr lvl="0"/>
-            <a:r>
-              <a:rPr b="1"/>
-              <a:t>data.table + CSV</a:t>
-            </a:r>
-            <a:r>
-              <a:t> : pour des analyses rapides en RAM.</a:t>
-            </a:r>
-          </a:p>
-        </p:txBody>
-      </p:sp>
-    </p:spTree>
-  </p:cSld>
-  <p:clrMapOvr>
-    <a:masterClrMapping/>
-  </p:clrMapOvr>
-</p:sld>
-</file>
-
-<file path=ppt/slides/slide2.xml><?xml version="1.0" encoding="utf-8"?>
-<p:sld xmlns:a="http://schemas.openxmlformats.org/drawingml/2006/main" xmlns:r="http://schemas.openxmlformats.org/officeDocument/2006/relationships" xmlns:p="http://schemas.openxmlformats.org/presentationml/2006/main">
-  <p:cSld>
-    <p:spTree>
-      <p:nvGrpSpPr>
-        <p:cNvPr id="1" name=""/>
-        <p:cNvGrpSpPr/>
-        <p:nvPr/>
-      </p:nvGrpSpPr>
-      <p:grpSpPr>
-        <a:xfrm>
-          <a:off x="0" y="0"/>
-          <a:ext cx="0" cy="0"/>
-          <a:chOff x="0" y="0"/>
-          <a:chExt cx="0" cy="0"/>
-        </a:xfrm>
-      </p:grpSpPr>
-      <p:sp>
-        <p:nvSpPr>
-          <p:cNvPr id="2" name="Title 1"/>
-          <p:cNvSpPr>
-            <a:spLocks noGrp="1"/>
-          </p:cNvSpPr>
-          <p:nvPr>
-            <p:ph type="title"/>
-          </p:nvPr>
-        </p:nvSpPr>
-        <p:spPr>
-          <a:xfrm>
-            <a:off x="800100" y="1681403"/>
-            <a:ext cx="7543800" cy="1028700"/>
-          </a:xfrm>
-        </p:spPr>
-        <p:txBody>
-          <a:bodyPr/>
-          <a:lstStyle/>
-          <a:p>
-            <a:pPr marL="0" lvl="0" indent="0">
-              <a:buNone/>
-            </a:pPr>
-            <a:r>
-              <a:rPr dirty="0"/>
-              <a:t>Objectif du </a:t>
-            </a:r>
-            <a:r>
-              <a:rPr dirty="0" err="1"/>
-              <a:t>projet</a:t>
-            </a:r>
-            <a:endParaRPr dirty="0"/>
-          </a:p>
-        </p:txBody>
-      </p:sp>
-      <p:sp>
-        <p:nvSpPr>
-          <p:cNvPr id="3" name="Content Placeholder 2"/>
-          <p:cNvSpPr>
-            <a:spLocks noGrp="1"/>
-          </p:cNvSpPr>
-          <p:nvPr>
-            <p:ph idx="1"/>
-          </p:nvPr>
-        </p:nvSpPr>
-        <p:spPr>
-          <a:xfrm>
-            <a:off x="800100" y="2812472"/>
-            <a:ext cx="7543800" cy="1713807"/>
-          </a:xfrm>
-        </p:spPr>
-        <p:txBody>
-          <a:bodyPr/>
-          <a:lstStyle/>
-          <a:p>
-            <a:pPr lvl="0"/>
-            <a:r>
-              <a:rPr dirty="0" err="1"/>
-              <a:t>Générer</a:t>
-            </a:r>
-            <a:r>
-              <a:rPr dirty="0"/>
-              <a:t> </a:t>
-            </a:r>
-            <a:r>
-              <a:rPr dirty="0" err="1"/>
-              <a:t>une</a:t>
-            </a:r>
-            <a:r>
-              <a:rPr dirty="0"/>
-              <a:t> </a:t>
-            </a:r>
-            <a:r>
-              <a:rPr b="1" dirty="0"/>
-              <a:t>population fictive </a:t>
-            </a:r>
-            <a:r>
-              <a:rPr b="1" dirty="0" err="1"/>
-              <a:t>réaliste</a:t>
-            </a:r>
-            <a:r>
-              <a:rPr dirty="0"/>
-              <a:t> </a:t>
-            </a:r>
-            <a:r>
-              <a:rPr dirty="0" err="1"/>
-              <a:t>composée</a:t>
-            </a:r>
-            <a:r>
-              <a:rPr dirty="0"/>
-              <a:t> de millions </a:t>
-            </a:r>
-            <a:r>
-              <a:rPr dirty="0" err="1"/>
-              <a:t>d’individus</a:t>
-            </a:r>
-            <a:r>
-              <a:rPr dirty="0"/>
-              <a:t>, </a:t>
-            </a:r>
-            <a:r>
-              <a:rPr dirty="0" err="1"/>
-              <a:t>dotés</a:t>
-            </a:r>
-            <a:r>
-              <a:rPr dirty="0"/>
-              <a:t> de </a:t>
-            </a:r>
-            <a:r>
-              <a:rPr dirty="0" err="1"/>
-              <a:t>caractéristiques</a:t>
-            </a:r>
-            <a:r>
-              <a:rPr dirty="0"/>
-              <a:t> </a:t>
-            </a:r>
-            <a:r>
-              <a:rPr dirty="0" err="1"/>
-              <a:t>cohérentes</a:t>
-            </a:r>
-            <a:r>
-              <a:rPr dirty="0"/>
-              <a:t>.</a:t>
-            </a:r>
-          </a:p>
-          <a:p>
-            <a:pPr lvl="0"/>
-            <a:r>
-              <a:rPr dirty="0" err="1"/>
-              <a:t>L’analyser</a:t>
-            </a:r>
-            <a:r>
-              <a:rPr dirty="0"/>
-              <a:t> </a:t>
-            </a:r>
-            <a:r>
-              <a:rPr dirty="0" err="1"/>
-              <a:t>rapidement</a:t>
-            </a:r>
-            <a:r>
-              <a:rPr dirty="0"/>
-              <a:t> </a:t>
-            </a:r>
-            <a:r>
-              <a:rPr dirty="0" err="1"/>
-              <a:t>en</a:t>
-            </a:r>
-            <a:r>
-              <a:rPr dirty="0"/>
-              <a:t> </a:t>
-            </a:r>
-            <a:r>
-              <a:rPr dirty="0" err="1"/>
-              <a:t>utilisant</a:t>
-            </a:r>
-            <a:r>
-              <a:rPr dirty="0"/>
-              <a:t> deux </a:t>
-            </a:r>
-            <a:r>
-              <a:rPr dirty="0" err="1"/>
-              <a:t>méthodes</a:t>
-            </a:r>
-            <a:endParaRPr dirty="0"/>
-          </a:p>
-          <a:p>
-            <a:pPr lvl="1"/>
-            <a:r>
-              <a:rPr dirty="0" err="1">
-                <a:hlinkClick r:id="rId2"/>
-              </a:rPr>
-              <a:t>data.table</a:t>
-            </a:r>
-            <a:r>
-              <a:rPr dirty="0"/>
-              <a:t> — </a:t>
-            </a:r>
-            <a:r>
-              <a:rPr dirty="0" err="1"/>
-              <a:t>génération</a:t>
-            </a:r>
-            <a:r>
-              <a:rPr dirty="0"/>
-              <a:t> </a:t>
-            </a:r>
-            <a:r>
-              <a:rPr dirty="0" err="1"/>
-              <a:t>vectorisée</a:t>
-            </a:r>
-            <a:r>
-              <a:rPr dirty="0"/>
-              <a:t> ultra-</a:t>
-            </a:r>
-            <a:r>
-              <a:rPr dirty="0" err="1"/>
-              <a:t>rapide</a:t>
-            </a:r>
-            <a:br>
-              <a:rPr dirty="0"/>
-            </a:br>
-            <a:endParaRPr dirty="0"/>
-          </a:p>
-          <a:p>
-            <a:pPr lvl="1"/>
-            <a:r>
-              <a:rPr dirty="0">
-                <a:hlinkClick r:id="rId3"/>
-              </a:rPr>
-              <a:t>arrow</a:t>
-            </a:r>
-            <a:r>
-              <a:rPr dirty="0"/>
-              <a:t> — lecture/</a:t>
-            </a:r>
-            <a:r>
-              <a:rPr dirty="0" err="1"/>
-              <a:t>écriture</a:t>
-            </a:r>
-            <a:r>
-              <a:rPr dirty="0"/>
-              <a:t> </a:t>
-            </a:r>
-            <a:r>
-              <a:rPr dirty="0" err="1"/>
-              <a:t>en</a:t>
-            </a:r>
-            <a:r>
-              <a:rPr dirty="0"/>
-              <a:t> format </a:t>
-            </a:r>
-            <a:r>
-              <a:rPr b="1" dirty="0"/>
-              <a:t>Parquet</a:t>
-            </a:r>
-          </a:p>
-        </p:txBody>
-      </p:sp>
-      <p:sp>
-        <p:nvSpPr>
-          <p:cNvPr id="4" name="Content Placeholder 2"/>
-          <p:cNvSpPr txBox="1">
-            <a:spLocks/>
-          </p:cNvSpPr>
-          <p:nvPr/>
-        </p:nvSpPr>
-        <p:spPr>
-          <a:xfrm>
-            <a:off x="800100" y="672754"/>
-            <a:ext cx="7543800" cy="994410"/>
-          </a:xfrm>
-          <a:prstGeom prst="rect">
-            <a:avLst/>
-          </a:prstGeom>
-        </p:spPr>
-        <p:txBody>
-          <a:bodyPr vert="horz" lIns="91440" tIns="45720" rIns="91440" bIns="45720" rtlCol="0">
-            <a:normAutofit/>
-          </a:bodyPr>
-          <a:lstStyle>
-            <a:lvl1pPr marL="137160" indent="-137160" algn="l" defTabSz="685800" rtl="0" eaLnBrk="1" latinLnBrk="0" hangingPunct="1">
-              <a:lnSpc>
-                <a:spcPct val="100000"/>
-              </a:lnSpc>
-              <a:spcBef>
-                <a:spcPts val="675"/>
-              </a:spcBef>
-              <a:spcAft>
-                <a:spcPts val="0"/>
-              </a:spcAft>
-              <a:buClr>
-                <a:schemeClr val="tx1">
-                  <a:lumMod val="85000"/>
-                  <a:lumOff val="15000"/>
-                </a:schemeClr>
-              </a:buClr>
-              <a:buFont typeface="Garamond" pitchFamily="18" charset="0"/>
-              <a:buChar char="◦"/>
-              <a:defRPr sz="1350" kern="1200">
-                <a:solidFill>
-                  <a:schemeClr val="tx1"/>
-                </a:solidFill>
-                <a:latin typeface="+mn-lt"/>
-                <a:ea typeface="+mn-ea"/>
-                <a:cs typeface="+mn-cs"/>
-              </a:defRPr>
-            </a:lvl1pPr>
-            <a:lvl2pPr marL="342900" indent="-137160" algn="l" defTabSz="685800" rtl="0" eaLnBrk="1" latinLnBrk="0" hangingPunct="1">
-              <a:lnSpc>
-                <a:spcPct val="100000"/>
-              </a:lnSpc>
-              <a:spcBef>
-                <a:spcPts val="375"/>
-              </a:spcBef>
-              <a:buClr>
-                <a:schemeClr val="tx1">
-                  <a:lumMod val="85000"/>
-                  <a:lumOff val="15000"/>
-                </a:schemeClr>
-              </a:buClr>
-              <a:buFont typeface="Garamond" pitchFamily="18" charset="0"/>
-              <a:buChar char="◦"/>
-              <a:defRPr sz="1200" kern="1200">
-                <a:solidFill>
-                  <a:schemeClr val="tx1"/>
-                </a:solidFill>
-                <a:latin typeface="+mn-lt"/>
-                <a:ea typeface="+mn-ea"/>
-                <a:cs typeface="+mn-cs"/>
-              </a:defRPr>
-            </a:lvl2pPr>
-            <a:lvl3pPr marL="548640" indent="-137160" algn="l" defTabSz="685800" rtl="0" eaLnBrk="1" latinLnBrk="0" hangingPunct="1">
-              <a:lnSpc>
-                <a:spcPct val="100000"/>
-              </a:lnSpc>
-              <a:spcBef>
-                <a:spcPts val="375"/>
-              </a:spcBef>
-              <a:buClr>
-                <a:schemeClr val="tx1">
-                  <a:lumMod val="85000"/>
-                  <a:lumOff val="15000"/>
-                </a:schemeClr>
-              </a:buClr>
-              <a:buFont typeface="Garamond" pitchFamily="18" charset="0"/>
-              <a:buChar char="◦"/>
-              <a:defRPr sz="1050" kern="1200">
-                <a:solidFill>
-                  <a:schemeClr val="tx1"/>
-                </a:solidFill>
-                <a:latin typeface="+mn-lt"/>
-                <a:ea typeface="+mn-ea"/>
-                <a:cs typeface="+mn-cs"/>
-              </a:defRPr>
-            </a:lvl3pPr>
-            <a:lvl4pPr marL="754380" indent="-137160" algn="l" defTabSz="685800" rtl="0" eaLnBrk="1" latinLnBrk="0" hangingPunct="1">
-              <a:lnSpc>
-                <a:spcPct val="100000"/>
-              </a:lnSpc>
-              <a:spcBef>
-                <a:spcPts val="375"/>
-              </a:spcBef>
-              <a:buClr>
-                <a:schemeClr val="tx1">
-                  <a:lumMod val="85000"/>
-                  <a:lumOff val="15000"/>
-                </a:schemeClr>
-              </a:buClr>
-              <a:buFont typeface="Garamond" pitchFamily="18" charset="0"/>
-              <a:buChar char="◦"/>
-              <a:defRPr sz="1050" kern="1200">
-                <a:solidFill>
-                  <a:schemeClr val="tx1"/>
-                </a:solidFill>
-                <a:latin typeface="+mn-lt"/>
-                <a:ea typeface="+mn-ea"/>
-                <a:cs typeface="+mn-cs"/>
-              </a:defRPr>
-            </a:lvl4pPr>
-            <a:lvl5pPr marL="960120" indent="-137160" algn="l" defTabSz="685800" rtl="0" eaLnBrk="1" latinLnBrk="0" hangingPunct="1">
-              <a:lnSpc>
-                <a:spcPct val="100000"/>
-              </a:lnSpc>
-              <a:spcBef>
-                <a:spcPts val="375"/>
-              </a:spcBef>
-              <a:buClr>
-                <a:schemeClr val="tx1">
-                  <a:lumMod val="85000"/>
-                  <a:lumOff val="15000"/>
-                </a:schemeClr>
-              </a:buClr>
-              <a:buFont typeface="Garamond" pitchFamily="18" charset="0"/>
-              <a:buChar char="◦"/>
-              <a:defRPr sz="1050" kern="1200">
-                <a:solidFill>
-                  <a:schemeClr val="tx1"/>
-                </a:solidFill>
-                <a:latin typeface="+mn-lt"/>
-                <a:ea typeface="+mn-ea"/>
-                <a:cs typeface="+mn-cs"/>
-              </a:defRPr>
-            </a:lvl5pPr>
-            <a:lvl6pPr marL="1200000" indent="-171450" algn="l" defTabSz="685800" rtl="0" eaLnBrk="1" latinLnBrk="0" hangingPunct="1">
-              <a:lnSpc>
-                <a:spcPct val="100000"/>
-              </a:lnSpc>
-              <a:spcBef>
-                <a:spcPts val="375"/>
-              </a:spcBef>
-              <a:buClr>
-                <a:schemeClr val="tx1">
-                  <a:lumMod val="85000"/>
-                  <a:lumOff val="15000"/>
-                </a:schemeClr>
-              </a:buClr>
-              <a:buFont typeface="Garamond" pitchFamily="18" charset="0"/>
-              <a:buChar char="◦"/>
-              <a:defRPr sz="1050" kern="1200">
-                <a:solidFill>
-                  <a:schemeClr val="tx1"/>
-                </a:solidFill>
-                <a:latin typeface="+mn-lt"/>
-                <a:ea typeface="+mn-ea"/>
-                <a:cs typeface="+mn-cs"/>
-              </a:defRPr>
-            </a:lvl6pPr>
-            <a:lvl7pPr marL="1425000" indent="-171450" algn="l" defTabSz="685800" rtl="0" eaLnBrk="1" latinLnBrk="0" hangingPunct="1">
-              <a:lnSpc>
-                <a:spcPct val="100000"/>
-              </a:lnSpc>
-              <a:spcBef>
-                <a:spcPts val="375"/>
-              </a:spcBef>
-              <a:buClr>
-                <a:schemeClr val="tx1">
-                  <a:lumMod val="85000"/>
-                  <a:lumOff val="15000"/>
-                </a:schemeClr>
-              </a:buClr>
-              <a:buFont typeface="Garamond" pitchFamily="18" charset="0"/>
-              <a:buChar char="◦"/>
-              <a:defRPr sz="1050" kern="1200">
-                <a:solidFill>
-                  <a:schemeClr val="tx1"/>
-                </a:solidFill>
-                <a:latin typeface="+mn-lt"/>
-                <a:ea typeface="+mn-ea"/>
-                <a:cs typeface="+mn-cs"/>
-              </a:defRPr>
-            </a:lvl7pPr>
-            <a:lvl8pPr marL="1650000" indent="-171450" algn="l" defTabSz="685800" rtl="0" eaLnBrk="1" latinLnBrk="0" hangingPunct="1">
-              <a:lnSpc>
-                <a:spcPct val="100000"/>
-              </a:lnSpc>
-              <a:spcBef>
-                <a:spcPts val="375"/>
-              </a:spcBef>
-              <a:buClr>
-                <a:schemeClr val="tx1">
-                  <a:lumMod val="85000"/>
-                  <a:lumOff val="15000"/>
-                </a:schemeClr>
-              </a:buClr>
-              <a:buFont typeface="Garamond" pitchFamily="18" charset="0"/>
-              <a:buChar char="◦"/>
-              <a:defRPr sz="1050" kern="1200">
-                <a:solidFill>
-                  <a:schemeClr val="tx1"/>
-                </a:solidFill>
-                <a:latin typeface="+mn-lt"/>
-                <a:ea typeface="+mn-ea"/>
-                <a:cs typeface="+mn-cs"/>
-              </a:defRPr>
-            </a:lvl8pPr>
-            <a:lvl9pPr marL="1875000" indent="-171450" algn="l" defTabSz="685800" rtl="0" eaLnBrk="1" latinLnBrk="0" hangingPunct="1">
-              <a:lnSpc>
-                <a:spcPct val="100000"/>
-              </a:lnSpc>
-              <a:spcBef>
-                <a:spcPts val="375"/>
-              </a:spcBef>
-              <a:buClr>
-                <a:schemeClr val="tx1">
-                  <a:lumMod val="85000"/>
-                  <a:lumOff val="15000"/>
-                </a:schemeClr>
-              </a:buClr>
-              <a:buFont typeface="Garamond" pitchFamily="18" charset="0"/>
-              <a:buChar char="◦"/>
-              <a:defRPr sz="1050" kern="1200">
-                <a:solidFill>
-                  <a:schemeClr val="tx1"/>
-                </a:solidFill>
-                <a:latin typeface="+mn-lt"/>
-                <a:ea typeface="+mn-ea"/>
-                <a:cs typeface="+mn-cs"/>
-              </a:defRPr>
-            </a:lvl9pPr>
-          </a:lstStyle>
-          <a:p>
-            <a:pPr marL="0" indent="0">
-              <a:buFont typeface="Garamond" pitchFamily="18" charset="0"/>
-              <a:buNone/>
-            </a:pPr>
-            <a:r>
-              <a:rPr lang="fr-FR" dirty="0"/>
-              <a:t>La statistique n’est pas réservée aux supercalculateurs ni aux logiciels coûteux.</a:t>
-            </a:r>
-          </a:p>
-          <a:p>
-            <a:pPr marL="0" indent="0">
-              <a:buFont typeface="Garamond" pitchFamily="18" charset="0"/>
-              <a:buNone/>
-            </a:pPr>
-            <a:r>
-              <a:rPr lang="fr-FR" dirty="0"/>
-              <a:t>Avec </a:t>
-            </a:r>
-            <a:r>
-              <a:rPr lang="fr-FR" b="1" dirty="0"/>
-              <a:t>R</a:t>
-            </a:r>
-            <a:r>
-              <a:rPr lang="fr-FR" dirty="0"/>
-              <a:t> et quelques packages libres, il est possible de manipuler et d’analyser </a:t>
-            </a:r>
-            <a:r>
-              <a:rPr lang="fr-FR" b="1" dirty="0"/>
-              <a:t>des centaines de millions d’individus</a:t>
-            </a:r>
-            <a:r>
-              <a:rPr lang="fr-FR" dirty="0"/>
-              <a:t> sur un simple ordinateur.</a:t>
-            </a:r>
-          </a:p>
-        </p:txBody>
-      </p:sp>
-    </p:spTree>
-  </p:cSld>
-  <p:clrMapOvr>
-    <a:masterClrMapping/>
-  </p:clrMapOvr>
-</p:sld>
-</file>
-
-<file path=ppt/slides/slide3.xml><?xml version="1.0" encoding="utf-8"?>
-<p:sld xmlns:a="http://schemas.openxmlformats.org/drawingml/2006/main" xmlns:r="http://schemas.openxmlformats.org/officeDocument/2006/relationships" xmlns:p="http://schemas.openxmlformats.org/presentationml/2006/main">
-  <p:cSld>
-    <p:spTree>
-      <p:nvGrpSpPr>
-        <p:cNvPr id="1" name=""/>
-        <p:cNvGrpSpPr/>
-        <p:nvPr/>
-      </p:nvGrpSpPr>
-      <p:grpSpPr>
-        <a:xfrm>
-          <a:off x="0" y="0"/>
-          <a:ext cx="0" cy="0"/>
-          <a:chOff x="0" y="0"/>
-          <a:chExt cx="0" cy="0"/>
-        </a:xfrm>
-      </p:grpSpPr>
-      <p:sp>
-        <p:nvSpPr>
-          <p:cNvPr id="2" name="Title 1"/>
-          <p:cNvSpPr>
-            <a:spLocks noGrp="1"/>
-          </p:cNvSpPr>
-          <p:nvPr>
-            <p:ph type="title"/>
-          </p:nvPr>
-        </p:nvSpPr>
-        <p:spPr/>
-        <p:txBody>
-          <a:bodyPr/>
-          <a:lstStyle/>
-          <a:p>
-            <a:pPr marL="0" lvl="0" indent="0">
-              <a:buNone/>
-            </a:pPr>
-            <a:r>
-              <a:rPr dirty="0"/>
-              <a:t>Structure du jeu de données</a:t>
-            </a:r>
-          </a:p>
-        </p:txBody>
-      </p:sp>
-      <p:graphicFrame>
-        <p:nvGraphicFramePr>
-          <p:cNvPr id="6" name="Content Placeholder 5"/>
-          <p:cNvGraphicFramePr>
-            <a:graphicFrameLocks noGrp="1"/>
-          </p:cNvGraphicFramePr>
-          <p:nvPr>
-            <p:ph idx="1"/>
-            <p:extLst>
-              <p:ext uri="{D42A27DB-BD31-4B8C-83A1-F6EECF244321}">
-                <p14:modId xmlns:p14="http://schemas.microsoft.com/office/powerpoint/2010/main" val="3523936077"/>
-              </p:ext>
-            </p:extLst>
-          </p:nvPr>
-        </p:nvGraphicFramePr>
-        <p:xfrm>
-          <a:off x="457200" y="1506028"/>
-          <a:ext cx="8229600" cy="2080260"/>
-        </p:xfrm>
-        <a:graphic>
-          <a:graphicData uri="http://schemas.openxmlformats.org/drawingml/2006/table">
-            <a:tbl>
-              <a:tblPr firstRow="1" bandRow="1">
-                <a:tableStyleId>{5C22544A-7EE6-4342-B048-85BDC9FD1C3A}</a:tableStyleId>
-              </a:tblPr>
-              <a:tblGrid>
-                <a:gridCol w="4114800">
-                  <a:extLst>
-                    <a:ext uri="{9D8B030D-6E8A-4147-A177-3AD203B41FA5}">
-                      <a16:colId xmlns:a16="http://schemas.microsoft.com/office/drawing/2014/main" val="20000"/>
-                    </a:ext>
-                  </a:extLst>
-                </a:gridCol>
-                <a:gridCol w="4114800">
-                  <a:extLst>
-                    <a:ext uri="{9D8B030D-6E8A-4147-A177-3AD203B41FA5}">
-                      <a16:colId xmlns:a16="http://schemas.microsoft.com/office/drawing/2014/main" val="20001"/>
-                    </a:ext>
-                  </a:extLst>
-                </a:gridCol>
-              </a:tblGrid>
-              <a:tr h="0">
-                <a:tc>
-                  <a:txBody>
-                    <a:bodyPr/>
-                    <a:lstStyle/>
-                    <a:p>
-                      <a:pPr marL="0" lvl="0" indent="0">
-                        <a:buNone/>
-                      </a:pPr>
-                      <a:r>
-                        <a:rPr dirty="0" err="1"/>
-                        <a:t>Colonne</a:t>
-                      </a:r>
-                      <a:endParaRPr dirty="0"/>
-                    </a:p>
-                  </a:txBody>
-                  <a:tcPr/>
-                </a:tc>
-                <a:tc>
-                  <a:txBody>
-                    <a:bodyPr/>
-                    <a:lstStyle/>
-                    <a:p>
-                      <a:pPr marL="0" lvl="0" indent="0">
-                        <a:buNone/>
-                      </a:pPr>
-                      <a:r>
-                        <a:t>Description</a:t>
-                      </a:r>
-                    </a:p>
-                  </a:txBody>
-                  <a:tcPr/>
-                </a:tc>
-                <a:extLst>
-                  <a:ext uri="{0D108BD9-81ED-4DB2-BD59-A6C34878D82A}">
-                    <a16:rowId xmlns:a16="http://schemas.microsoft.com/office/drawing/2014/main" val="10000"/>
-                  </a:ext>
-                </a:extLst>
-              </a:tr>
-              <a:tr h="0">
-                <a:tc>
-                  <a:txBody>
-                    <a:bodyPr/>
-                    <a:lstStyle/>
-                    <a:p>
-                      <a:pPr marL="0" lvl="0" indent="0">
-                        <a:buNone/>
-                      </a:pPr>
-                      <a:r>
-                        <a:rPr dirty="0" err="1">
-                          <a:latin typeface="Courier"/>
-                        </a:rPr>
-                        <a:t>prenom</a:t>
-                      </a:r>
-                      <a:endParaRPr dirty="0">
-                        <a:latin typeface="Courier"/>
-                      </a:endParaRPr>
-                    </a:p>
-                  </a:txBody>
-                  <a:tcPr/>
-                </a:tc>
-                <a:tc>
-                  <a:txBody>
-                    <a:bodyPr/>
-                    <a:lstStyle/>
-                    <a:p>
-                      <a:pPr marL="0" lvl="0" indent="0">
-                        <a:buNone/>
-                      </a:pPr>
-                      <a:r>
-                        <a:t>Prénom simulé selon le sexe</a:t>
-                      </a:r>
-                    </a:p>
-                  </a:txBody>
-                  <a:tcPr/>
-                </a:tc>
-                <a:extLst>
-                  <a:ext uri="{0D108BD9-81ED-4DB2-BD59-A6C34878D82A}">
-                    <a16:rowId xmlns:a16="http://schemas.microsoft.com/office/drawing/2014/main" val="10001"/>
-                  </a:ext>
-                </a:extLst>
-              </a:tr>
-              <a:tr h="0">
-                <a:tc>
-                  <a:txBody>
-                    <a:bodyPr/>
-                    <a:lstStyle/>
-                    <a:p>
-                      <a:pPr marL="0" lvl="0" indent="0">
-                        <a:buNone/>
-                      </a:pPr>
-                      <a:r>
-                        <a:rPr>
-                          <a:latin typeface="Courier"/>
-                        </a:rPr>
-                        <a:t>age</a:t>
-                      </a:r>
-                    </a:p>
-                  </a:txBody>
-                  <a:tcPr/>
-                </a:tc>
-                <a:tc>
-                  <a:txBody>
-                    <a:bodyPr/>
-                    <a:lstStyle/>
-                    <a:p>
-                      <a:pPr marL="0" lvl="0" indent="0">
-                        <a:buNone/>
-                      </a:pPr>
-                      <a:r>
-                        <a:t>Âge recalculé à partir de la date de naissance</a:t>
-                      </a:r>
-                    </a:p>
-                  </a:txBody>
-                  <a:tcPr/>
-                </a:tc>
-                <a:extLst>
-                  <a:ext uri="{0D108BD9-81ED-4DB2-BD59-A6C34878D82A}">
-                    <a16:rowId xmlns:a16="http://schemas.microsoft.com/office/drawing/2014/main" val="10002"/>
-                  </a:ext>
-                </a:extLst>
-              </a:tr>
-              <a:tr h="0">
-                <a:tc>
-                  <a:txBody>
-                    <a:bodyPr/>
-                    <a:lstStyle/>
-                    <a:p>
-                      <a:pPr marL="0" lvl="0" indent="0">
-                        <a:buNone/>
-                      </a:pPr>
-                      <a:r>
-                        <a:rPr>
-                          <a:latin typeface="Courier"/>
-                        </a:rPr>
-                        <a:t>date_naissance</a:t>
-                      </a:r>
-                    </a:p>
-                  </a:txBody>
-                  <a:tcPr/>
-                </a:tc>
-                <a:tc>
-                  <a:txBody>
-                    <a:bodyPr/>
-                    <a:lstStyle/>
-                    <a:p>
-                      <a:pPr marL="0" lvl="0" indent="0">
-                        <a:buNone/>
-                      </a:pPr>
-                      <a:r>
-                        <a:t>Date de naissance cohérente avec l’âge</a:t>
-                      </a:r>
-                    </a:p>
-                  </a:txBody>
-                  <a:tcPr/>
-                </a:tc>
-                <a:extLst>
-                  <a:ext uri="{0D108BD9-81ED-4DB2-BD59-A6C34878D82A}">
-                    <a16:rowId xmlns:a16="http://schemas.microsoft.com/office/drawing/2014/main" val="10003"/>
-                  </a:ext>
-                </a:extLst>
-              </a:tr>
-              <a:tr h="0">
-                <a:tc>
-                  <a:txBody>
-                    <a:bodyPr/>
-                    <a:lstStyle/>
-                    <a:p>
-                      <a:pPr marL="0" lvl="0" indent="0">
-                        <a:buNone/>
-                      </a:pPr>
-                      <a:r>
-                        <a:rPr>
-                          <a:latin typeface="Courier"/>
-                        </a:rPr>
-                        <a:t>sexe</a:t>
-                      </a:r>
-                    </a:p>
-                  </a:txBody>
-                  <a:tcPr/>
-                </a:tc>
-                <a:tc>
-                  <a:txBody>
-                    <a:bodyPr/>
-                    <a:lstStyle/>
-                    <a:p>
-                      <a:pPr marL="0" lvl="0" indent="0">
-                        <a:buNone/>
-                      </a:pPr>
-                      <a:r>
-                        <a:t>Sexe biologique simulé (“Homme” / “Femme”)</a:t>
-                      </a:r>
-                    </a:p>
-                  </a:txBody>
-                  <a:tcPr/>
-                </a:tc>
-                <a:extLst>
-                  <a:ext uri="{0D108BD9-81ED-4DB2-BD59-A6C34878D82A}">
-                    <a16:rowId xmlns:a16="http://schemas.microsoft.com/office/drawing/2014/main" val="10004"/>
-                  </a:ext>
-                </a:extLst>
-              </a:tr>
-              <a:tr h="0">
-                <a:tc>
-                  <a:txBody>
-                    <a:bodyPr/>
-                    <a:lstStyle/>
-                    <a:p>
-                      <a:pPr marL="0" lvl="0" indent="0">
-                        <a:buNone/>
-                      </a:pPr>
-                      <a:r>
-                        <a:rPr>
-                          <a:latin typeface="Courier"/>
-                        </a:rPr>
-                        <a:t>taille</a:t>
-                      </a:r>
-                    </a:p>
-                  </a:txBody>
-                  <a:tcPr/>
-                </a:tc>
-                <a:tc>
-                  <a:txBody>
-                    <a:bodyPr/>
-                    <a:lstStyle/>
-                    <a:p>
-                      <a:pPr marL="0" lvl="0" indent="0">
-                        <a:buNone/>
-                      </a:pPr>
-                      <a:r>
-                        <a:t>Taille en cm, distribuée selon le sexe</a:t>
-                      </a:r>
-                    </a:p>
-                  </a:txBody>
-                  <a:tcPr/>
-                </a:tc>
-                <a:extLst>
-                  <a:ext uri="{0D108BD9-81ED-4DB2-BD59-A6C34878D82A}">
-                    <a16:rowId xmlns:a16="http://schemas.microsoft.com/office/drawing/2014/main" val="10005"/>
-                  </a:ext>
-                </a:extLst>
-              </a:tr>
-              <a:tr h="0">
-                <a:tc>
-                  <a:txBody>
-                    <a:bodyPr/>
-                    <a:lstStyle/>
-                    <a:p>
-                      <a:pPr marL="0" lvl="0" indent="0">
-                        <a:buNone/>
-                      </a:pPr>
-                      <a:r>
-                        <a:rPr>
-                          <a:latin typeface="Courier"/>
-                        </a:rPr>
-                        <a:t>niveau_etudes</a:t>
-                      </a:r>
-                    </a:p>
-                  </a:txBody>
-                  <a:tcPr/>
-                </a:tc>
-                <a:tc>
-                  <a:txBody>
-                    <a:bodyPr/>
-                    <a:lstStyle/>
-                    <a:p>
-                      <a:pPr marL="0" lvl="0" indent="0">
-                        <a:buNone/>
-                      </a:pPr>
-                      <a:r>
-                        <a:rPr dirty="0" err="1"/>
-                        <a:t>Niveau</a:t>
-                      </a:r>
-                      <a:r>
-                        <a:rPr dirty="0"/>
-                        <a:t> </a:t>
-                      </a:r>
-                      <a:r>
-                        <a:rPr dirty="0" err="1"/>
-                        <a:t>d’études</a:t>
-                      </a:r>
-                      <a:r>
-                        <a:rPr dirty="0"/>
-                        <a:t> </a:t>
-                      </a:r>
-                      <a:r>
-                        <a:rPr dirty="0" err="1"/>
-                        <a:t>selon</a:t>
-                      </a:r>
-                      <a:r>
-                        <a:rPr dirty="0"/>
-                        <a:t> </a:t>
-                      </a:r>
-                      <a:r>
-                        <a:rPr dirty="0" err="1"/>
-                        <a:t>l’âge</a:t>
-                      </a:r>
-                      <a:endParaRPr dirty="0"/>
-                    </a:p>
-                  </a:txBody>
-                  <a:tcPr/>
-                </a:tc>
-                <a:extLst>
-                  <a:ext uri="{0D108BD9-81ED-4DB2-BD59-A6C34878D82A}">
-                    <a16:rowId xmlns:a16="http://schemas.microsoft.com/office/drawing/2014/main" val="10006"/>
-                  </a:ext>
-                </a:extLst>
-              </a:tr>
-            </a:tbl>
-          </a:graphicData>
-        </a:graphic>
-      </p:graphicFrame>
-    </p:spTree>
-  </p:cSld>
-  <p:clrMapOvr>
-    <a:masterClrMapping/>
-  </p:clrMapOvr>
-</p:sld>
-</file>
-
-<file path=ppt/slides/slide4.xml><?xml version="1.0" encoding="utf-8"?>
-<p:sld xmlns:a="http://schemas.openxmlformats.org/drawingml/2006/main" xmlns:r="http://schemas.openxmlformats.org/officeDocument/2006/relationships" xmlns:p="http://schemas.openxmlformats.org/presentationml/2006/main">
-  <p:cSld>
-    <p:spTree>
-      <p:nvGrpSpPr>
-        <p:cNvPr id="1" name=""/>
-        <p:cNvGrpSpPr/>
-        <p:nvPr/>
-      </p:nvGrpSpPr>
-      <p:grpSpPr>
-        <a:xfrm>
-          <a:off x="0" y="0"/>
-          <a:ext cx="0" cy="0"/>
-          <a:chOff x="0" y="0"/>
-          <a:chExt cx="0" cy="0"/>
-        </a:xfrm>
-      </p:grpSpPr>
-      <p:sp>
-        <p:nvSpPr>
-          <p:cNvPr id="2" name="Title 1"/>
-          <p:cNvSpPr>
-            <a:spLocks noGrp="1"/>
-          </p:cNvSpPr>
-          <p:nvPr>
-            <p:ph type="title"/>
-          </p:nvPr>
-        </p:nvSpPr>
-        <p:spPr/>
-        <p:txBody>
-          <a:bodyPr/>
-          <a:lstStyle/>
-          <a:p>
-            <a:pPr marL="0" lvl="0" indent="0">
-              <a:buNone/>
-            </a:pPr>
-            <a:r>
-              <a:t>Aperçu des données</a:t>
-            </a:r>
-          </a:p>
-        </p:txBody>
-      </p:sp>
-      <p:graphicFrame>
-        <p:nvGraphicFramePr>
-          <p:cNvPr id="6" name="Content Placeholder 5"/>
-          <p:cNvGraphicFramePr>
-            <a:graphicFrameLocks noGrp="1"/>
-          </p:cNvGraphicFramePr>
-          <p:nvPr>
-            <p:ph idx="1"/>
-            <p:extLst>
-              <p:ext uri="{D42A27DB-BD31-4B8C-83A1-F6EECF244321}">
-                <p14:modId xmlns:p14="http://schemas.microsoft.com/office/powerpoint/2010/main" val="1215154136"/>
-              </p:ext>
-            </p:extLst>
-          </p:nvPr>
-        </p:nvGraphicFramePr>
-        <p:xfrm>
-          <a:off x="457200" y="1533737"/>
-          <a:ext cx="8229600" cy="2080260"/>
-        </p:xfrm>
-        <a:graphic>
-          <a:graphicData uri="http://schemas.openxmlformats.org/drawingml/2006/table">
-            <a:tbl>
-              <a:tblPr firstRow="1" bandRow="1">
-                <a:tableStyleId>{5C22544A-7EE6-4342-B048-85BDC9FD1C3A}</a:tableStyleId>
-              </a:tblPr>
-              <a:tblGrid>
-                <a:gridCol w="1371600">
-                  <a:extLst>
-                    <a:ext uri="{9D8B030D-6E8A-4147-A177-3AD203B41FA5}">
-                      <a16:colId xmlns:a16="http://schemas.microsoft.com/office/drawing/2014/main" val="20000"/>
-                    </a:ext>
-                  </a:extLst>
-                </a:gridCol>
-                <a:gridCol w="1371600">
-                  <a:extLst>
-                    <a:ext uri="{9D8B030D-6E8A-4147-A177-3AD203B41FA5}">
-                      <a16:colId xmlns:a16="http://schemas.microsoft.com/office/drawing/2014/main" val="20001"/>
-                    </a:ext>
-                  </a:extLst>
-                </a:gridCol>
-                <a:gridCol w="1371600">
-                  <a:extLst>
-                    <a:ext uri="{9D8B030D-6E8A-4147-A177-3AD203B41FA5}">
-                      <a16:colId xmlns:a16="http://schemas.microsoft.com/office/drawing/2014/main" val="20002"/>
-                    </a:ext>
-                  </a:extLst>
-                </a:gridCol>
-                <a:gridCol w="1371600">
-                  <a:extLst>
-                    <a:ext uri="{9D8B030D-6E8A-4147-A177-3AD203B41FA5}">
-                      <a16:colId xmlns:a16="http://schemas.microsoft.com/office/drawing/2014/main" val="20003"/>
-                    </a:ext>
-                  </a:extLst>
-                </a:gridCol>
-                <a:gridCol w="1371600">
-                  <a:extLst>
-                    <a:ext uri="{9D8B030D-6E8A-4147-A177-3AD203B41FA5}">
-                      <a16:colId xmlns:a16="http://schemas.microsoft.com/office/drawing/2014/main" val="20004"/>
-                    </a:ext>
-                  </a:extLst>
-                </a:gridCol>
-                <a:gridCol w="1371600">
-                  <a:extLst>
-                    <a:ext uri="{9D8B030D-6E8A-4147-A177-3AD203B41FA5}">
-                      <a16:colId xmlns:a16="http://schemas.microsoft.com/office/drawing/2014/main" val="20005"/>
-                    </a:ext>
-                  </a:extLst>
-                </a:gridCol>
-              </a:tblGrid>
-              <a:tr h="0">
-                <a:tc>
-                  <a:txBody>
-                    <a:bodyPr/>
-                    <a:lstStyle/>
-                    <a:p>
-                      <a:pPr marL="0" lvl="0" indent="0">
-                        <a:buNone/>
-                      </a:pPr>
-                      <a:r>
-                        <a:rPr dirty="0" err="1"/>
-                        <a:t>prenom</a:t>
-                      </a:r>
-                      <a:endParaRPr dirty="0"/>
-                    </a:p>
-                  </a:txBody>
-                  <a:tcPr/>
-                </a:tc>
-                <a:tc>
-                  <a:txBody>
-                    <a:bodyPr/>
-                    <a:lstStyle/>
-                    <a:p>
-                      <a:pPr marL="0" lvl="0" indent="0">
-                        <a:buNone/>
-                      </a:pPr>
-                      <a:r>
-                        <a:t>age</a:t>
-                      </a:r>
-                    </a:p>
-                  </a:txBody>
-                  <a:tcPr/>
-                </a:tc>
-                <a:tc>
-                  <a:txBody>
-                    <a:bodyPr/>
-                    <a:lstStyle/>
-                    <a:p>
-                      <a:pPr marL="0" lvl="0" indent="0">
-                        <a:buNone/>
-                      </a:pPr>
-                      <a:r>
-                        <a:t>date_naissance</a:t>
-                      </a:r>
-                    </a:p>
-                  </a:txBody>
-                  <a:tcPr/>
-                </a:tc>
-                <a:tc>
-                  <a:txBody>
-                    <a:bodyPr/>
-                    <a:lstStyle/>
-                    <a:p>
-                      <a:pPr marL="0" lvl="0" indent="0">
-                        <a:buNone/>
-                      </a:pPr>
-                      <a:r>
-                        <a:t>sexe</a:t>
-                      </a:r>
-                    </a:p>
-                  </a:txBody>
-                  <a:tcPr/>
-                </a:tc>
-                <a:tc>
-                  <a:txBody>
-                    <a:bodyPr/>
-                    <a:lstStyle/>
-                    <a:p>
-                      <a:pPr marL="0" lvl="0" indent="0">
-                        <a:buNone/>
-                      </a:pPr>
-                      <a:r>
-                        <a:t>taille</a:t>
-                      </a:r>
-                    </a:p>
-                  </a:txBody>
-                  <a:tcPr/>
-                </a:tc>
-                <a:tc>
-                  <a:txBody>
-                    <a:bodyPr/>
-                    <a:lstStyle/>
-                    <a:p>
-                      <a:pPr marL="0" lvl="0" indent="0">
-                        <a:buNone/>
-                      </a:pPr>
-                      <a:r>
-                        <a:t>niveau_etudes</a:t>
-                      </a:r>
-                    </a:p>
-                  </a:txBody>
-                  <a:tcPr/>
-                </a:tc>
-                <a:extLst>
-                  <a:ext uri="{0D108BD9-81ED-4DB2-BD59-A6C34878D82A}">
-                    <a16:rowId xmlns:a16="http://schemas.microsoft.com/office/drawing/2014/main" val="10000"/>
-                  </a:ext>
-                </a:extLst>
-              </a:tr>
-              <a:tr h="0">
-                <a:tc>
-                  <a:txBody>
-                    <a:bodyPr/>
-                    <a:lstStyle/>
-                    <a:p>
-                      <a:pPr marL="0" lvl="0" indent="0">
-                        <a:buNone/>
-                      </a:pPr>
-                      <a:r>
-                        <a:t>Sacha</a:t>
-                      </a:r>
-                    </a:p>
-                  </a:txBody>
-                  <a:tcPr/>
-                </a:tc>
-                <a:tc>
-                  <a:txBody>
-                    <a:bodyPr/>
-                    <a:lstStyle/>
-                    <a:p>
-                      <a:pPr marL="0" lvl="0" indent="0">
-                        <a:buNone/>
-                      </a:pPr>
-                      <a:r>
-                        <a:t>23</a:t>
-                      </a:r>
-                    </a:p>
-                  </a:txBody>
-                  <a:tcPr/>
-                </a:tc>
-                <a:tc>
-                  <a:txBody>
-                    <a:bodyPr/>
-                    <a:lstStyle/>
-                    <a:p>
-                      <a:pPr marL="0" lvl="0" indent="0">
-                        <a:buNone/>
-                      </a:pPr>
-                      <a:r>
-                        <a:t>2002-05-27</a:t>
-                      </a:r>
-                    </a:p>
-                  </a:txBody>
-                  <a:tcPr/>
-                </a:tc>
-                <a:tc>
-                  <a:txBody>
-                    <a:bodyPr/>
-                    <a:lstStyle/>
-                    <a:p>
-                      <a:pPr marL="0" lvl="0" indent="0">
-                        <a:buNone/>
-                      </a:pPr>
-                      <a:r>
-                        <a:t>Homme</a:t>
-                      </a:r>
-                    </a:p>
-                  </a:txBody>
-                  <a:tcPr/>
-                </a:tc>
-                <a:tc>
-                  <a:txBody>
-                    <a:bodyPr/>
-                    <a:lstStyle/>
-                    <a:p>
-                      <a:pPr marL="0" lvl="0" indent="0">
-                        <a:buNone/>
-                      </a:pPr>
-                      <a:r>
-                        <a:t>186.3</a:t>
-                      </a:r>
-                    </a:p>
-                  </a:txBody>
-                  <a:tcPr/>
-                </a:tc>
-                <a:tc>
-                  <a:txBody>
-                    <a:bodyPr/>
-                    <a:lstStyle/>
-                    <a:p>
-                      <a:pPr marL="0" lvl="0" indent="0">
-                        <a:buNone/>
-                      </a:pPr>
-                      <a:r>
-                        <a:t>Bac</a:t>
-                      </a:r>
-                    </a:p>
-                  </a:txBody>
-                  <a:tcPr/>
-                </a:tc>
-                <a:extLst>
-                  <a:ext uri="{0D108BD9-81ED-4DB2-BD59-A6C34878D82A}">
-                    <a16:rowId xmlns:a16="http://schemas.microsoft.com/office/drawing/2014/main" val="10001"/>
-                  </a:ext>
-                </a:extLst>
-              </a:tr>
-              <a:tr h="0">
-                <a:tc>
-                  <a:txBody>
-                    <a:bodyPr/>
-                    <a:lstStyle/>
-                    <a:p>
-                      <a:pPr marL="0" lvl="0" indent="0">
-                        <a:buNone/>
-                      </a:pPr>
-                      <a:r>
-                        <a:t>Simon</a:t>
-                      </a:r>
-                    </a:p>
-                  </a:txBody>
-                  <a:tcPr/>
-                </a:tc>
-                <a:tc>
-                  <a:txBody>
-                    <a:bodyPr/>
-                    <a:lstStyle/>
-                    <a:p>
-                      <a:pPr marL="0" lvl="0" indent="0">
-                        <a:buNone/>
-                      </a:pPr>
-                      <a:r>
-                        <a:t>28</a:t>
-                      </a:r>
-                    </a:p>
-                  </a:txBody>
-                  <a:tcPr/>
-                </a:tc>
-                <a:tc>
-                  <a:txBody>
-                    <a:bodyPr/>
-                    <a:lstStyle/>
-                    <a:p>
-                      <a:pPr marL="0" lvl="0" indent="0">
-                        <a:buNone/>
-                      </a:pPr>
-                      <a:r>
-                        <a:t>1997-05-24</a:t>
-                      </a:r>
-                    </a:p>
-                  </a:txBody>
-                  <a:tcPr/>
-                </a:tc>
-                <a:tc>
-                  <a:txBody>
-                    <a:bodyPr/>
-                    <a:lstStyle/>
-                    <a:p>
-                      <a:pPr marL="0" lvl="0" indent="0">
-                        <a:buNone/>
-                      </a:pPr>
-                      <a:r>
-                        <a:t>Homme</a:t>
-                      </a:r>
-                    </a:p>
-                  </a:txBody>
-                  <a:tcPr/>
-                </a:tc>
-                <a:tc>
-                  <a:txBody>
-                    <a:bodyPr/>
-                    <a:lstStyle/>
-                    <a:p>
-                      <a:pPr marL="0" lvl="0" indent="0">
-                        <a:buNone/>
-                      </a:pPr>
-                      <a:r>
-                        <a:t>183.1</a:t>
-                      </a:r>
-                    </a:p>
-                  </a:txBody>
-                  <a:tcPr/>
-                </a:tc>
-                <a:tc>
-                  <a:txBody>
-                    <a:bodyPr/>
-                    <a:lstStyle/>
-                    <a:p>
-                      <a:pPr marL="0" lvl="0" indent="0">
-                        <a:buNone/>
-                      </a:pPr>
-                      <a:r>
-                        <a:t>CAP/BEP</a:t>
-                      </a:r>
-                    </a:p>
-                  </a:txBody>
-                  <a:tcPr/>
-                </a:tc>
-                <a:extLst>
-                  <a:ext uri="{0D108BD9-81ED-4DB2-BD59-A6C34878D82A}">
-                    <a16:rowId xmlns:a16="http://schemas.microsoft.com/office/drawing/2014/main" val="10002"/>
-                  </a:ext>
-                </a:extLst>
-              </a:tr>
-              <a:tr h="0">
-                <a:tc>
-                  <a:txBody>
-                    <a:bodyPr/>
-                    <a:lstStyle/>
-                    <a:p>
-                      <a:pPr marL="0" lvl="0" indent="0">
-                        <a:buNone/>
-                      </a:pPr>
-                      <a:r>
-                        <a:t>Louna</a:t>
-                      </a:r>
-                    </a:p>
-                  </a:txBody>
-                  <a:tcPr/>
-                </a:tc>
-                <a:tc>
-                  <a:txBody>
-                    <a:bodyPr/>
-                    <a:lstStyle/>
-                    <a:p>
-                      <a:pPr marL="0" lvl="0" indent="0">
-                        <a:buNone/>
-                      </a:pPr>
-                      <a:r>
-                        <a:t>30</a:t>
-                      </a:r>
-                    </a:p>
-                  </a:txBody>
-                  <a:tcPr/>
-                </a:tc>
-                <a:tc>
-                  <a:txBody>
-                    <a:bodyPr/>
-                    <a:lstStyle/>
-                    <a:p>
-                      <a:pPr marL="0" lvl="0" indent="0">
-                        <a:buNone/>
-                      </a:pPr>
-                      <a:r>
-                        <a:t>1995-07-05</a:t>
-                      </a:r>
-                    </a:p>
-                  </a:txBody>
-                  <a:tcPr/>
-                </a:tc>
-                <a:tc>
-                  <a:txBody>
-                    <a:bodyPr/>
-                    <a:lstStyle/>
-                    <a:p>
-                      <a:pPr marL="0" lvl="0" indent="0">
-                        <a:buNone/>
-                      </a:pPr>
-                      <a:r>
-                        <a:t>Femme</a:t>
-                      </a:r>
-                    </a:p>
-                  </a:txBody>
-                  <a:tcPr/>
-                </a:tc>
-                <a:tc>
-                  <a:txBody>
-                    <a:bodyPr/>
-                    <a:lstStyle/>
-                    <a:p>
-                      <a:pPr marL="0" lvl="0" indent="0">
-                        <a:buNone/>
-                      </a:pPr>
-                      <a:r>
-                        <a:t>164.4</a:t>
-                      </a:r>
-                    </a:p>
-                  </a:txBody>
-                  <a:tcPr/>
-                </a:tc>
-                <a:tc>
-                  <a:txBody>
-                    <a:bodyPr/>
-                    <a:lstStyle/>
-                    <a:p>
-                      <a:pPr marL="0" lvl="0" indent="0">
-                        <a:buNone/>
-                      </a:pPr>
-                      <a:r>
-                        <a:t>Master</a:t>
-                      </a:r>
-                    </a:p>
-                  </a:txBody>
-                  <a:tcPr/>
-                </a:tc>
-                <a:extLst>
-                  <a:ext uri="{0D108BD9-81ED-4DB2-BD59-A6C34878D82A}">
-                    <a16:rowId xmlns:a16="http://schemas.microsoft.com/office/drawing/2014/main" val="10003"/>
-                  </a:ext>
-                </a:extLst>
-              </a:tr>
-              <a:tr h="0">
-                <a:tc>
-                  <a:txBody>
-                    <a:bodyPr/>
-                    <a:lstStyle/>
-                    <a:p>
-                      <a:pPr marL="0" lvl="0" indent="0">
-                        <a:buNone/>
-                      </a:pPr>
-                      <a:r>
-                        <a:t>Charles</a:t>
-                      </a:r>
-                    </a:p>
-                  </a:txBody>
-                  <a:tcPr/>
-                </a:tc>
-                <a:tc>
-                  <a:txBody>
-                    <a:bodyPr/>
-                    <a:lstStyle/>
-                    <a:p>
-                      <a:pPr marL="0" lvl="0" indent="0">
-                        <a:buNone/>
-                      </a:pPr>
-                      <a:r>
-                        <a:t>27</a:t>
-                      </a:r>
-                    </a:p>
-                  </a:txBody>
-                  <a:tcPr/>
-                </a:tc>
-                <a:tc>
-                  <a:txBody>
-                    <a:bodyPr/>
-                    <a:lstStyle/>
-                    <a:p>
-                      <a:pPr marL="0" lvl="0" indent="0">
-                        <a:buNone/>
-                      </a:pPr>
-                      <a:r>
-                        <a:t>1998-10-09</a:t>
-                      </a:r>
-                    </a:p>
-                  </a:txBody>
-                  <a:tcPr/>
-                </a:tc>
-                <a:tc>
-                  <a:txBody>
-                    <a:bodyPr/>
-                    <a:lstStyle/>
-                    <a:p>
-                      <a:pPr marL="0" lvl="0" indent="0">
-                        <a:buNone/>
-                      </a:pPr>
-                      <a:r>
-                        <a:t>Homme</a:t>
-                      </a:r>
-                    </a:p>
-                  </a:txBody>
-                  <a:tcPr/>
-                </a:tc>
-                <a:tc>
-                  <a:txBody>
-                    <a:bodyPr/>
-                    <a:lstStyle/>
-                    <a:p>
-                      <a:pPr marL="0" lvl="0" indent="0">
-                        <a:buNone/>
-                      </a:pPr>
-                      <a:r>
-                        <a:t>166.0</a:t>
-                      </a:r>
-                    </a:p>
-                  </a:txBody>
-                  <a:tcPr/>
-                </a:tc>
-                <a:tc>
-                  <a:txBody>
-                    <a:bodyPr/>
-                    <a:lstStyle/>
-                    <a:p>
-                      <a:pPr marL="0" lvl="0" indent="0">
-                        <a:buNone/>
-                      </a:pPr>
-                      <a:r>
-                        <a:t>CAP/BEP</a:t>
-                      </a:r>
-                    </a:p>
-                  </a:txBody>
-                  <a:tcPr/>
-                </a:tc>
-                <a:extLst>
-                  <a:ext uri="{0D108BD9-81ED-4DB2-BD59-A6C34878D82A}">
-                    <a16:rowId xmlns:a16="http://schemas.microsoft.com/office/drawing/2014/main" val="10004"/>
-                  </a:ext>
-                </a:extLst>
-              </a:tr>
-              <a:tr h="0">
-                <a:tc>
-                  <a:txBody>
-                    <a:bodyPr/>
-                    <a:lstStyle/>
-                    <a:p>
-                      <a:pPr marL="0" lvl="0" indent="0">
-                        <a:buNone/>
-                      </a:pPr>
-                      <a:r>
-                        <a:t>Simon</a:t>
-                      </a:r>
-                    </a:p>
-                  </a:txBody>
-                  <a:tcPr/>
-                </a:tc>
-                <a:tc>
-                  <a:txBody>
-                    <a:bodyPr/>
-                    <a:lstStyle/>
-                    <a:p>
-                      <a:pPr marL="0" lvl="0" indent="0">
-                        <a:buNone/>
-                      </a:pPr>
-                      <a:r>
-                        <a:t>52</a:t>
-                      </a:r>
-                    </a:p>
-                  </a:txBody>
-                  <a:tcPr/>
-                </a:tc>
-                <a:tc>
-                  <a:txBody>
-                    <a:bodyPr/>
-                    <a:lstStyle/>
-                    <a:p>
-                      <a:pPr marL="0" lvl="0" indent="0">
-                        <a:buNone/>
-                      </a:pPr>
-                      <a:r>
-                        <a:t>1973-06-17</a:t>
-                      </a:r>
-                    </a:p>
-                  </a:txBody>
-                  <a:tcPr/>
-                </a:tc>
-                <a:tc>
-                  <a:txBody>
-                    <a:bodyPr/>
-                    <a:lstStyle/>
-                    <a:p>
-                      <a:pPr marL="0" lvl="0" indent="0">
-                        <a:buNone/>
-                      </a:pPr>
-                      <a:r>
-                        <a:t>Homme</a:t>
-                      </a:r>
-                    </a:p>
-                  </a:txBody>
-                  <a:tcPr/>
-                </a:tc>
-                <a:tc>
-                  <a:txBody>
-                    <a:bodyPr/>
-                    <a:lstStyle/>
-                    <a:p>
-                      <a:pPr marL="0" lvl="0" indent="0">
-                        <a:buNone/>
-                      </a:pPr>
-                      <a:r>
-                        <a:t>177.8</a:t>
-                      </a:r>
-                    </a:p>
-                  </a:txBody>
-                  <a:tcPr/>
-                </a:tc>
-                <a:tc>
-                  <a:txBody>
-                    <a:bodyPr/>
-                    <a:lstStyle/>
-                    <a:p>
-                      <a:pPr marL="0" lvl="0" indent="0">
-                        <a:buNone/>
-                      </a:pPr>
-                      <a:r>
-                        <a:t>Licence</a:t>
-                      </a:r>
-                    </a:p>
-                  </a:txBody>
-                  <a:tcPr/>
-                </a:tc>
-                <a:extLst>
-                  <a:ext uri="{0D108BD9-81ED-4DB2-BD59-A6C34878D82A}">
-                    <a16:rowId xmlns:a16="http://schemas.microsoft.com/office/drawing/2014/main" val="10005"/>
-                  </a:ext>
-                </a:extLst>
-              </a:tr>
-              <a:tr h="0">
-                <a:tc>
-                  <a:txBody>
-                    <a:bodyPr/>
-                    <a:lstStyle/>
-                    <a:p>
-                      <a:pPr marL="0" lvl="0" indent="0">
-                        <a:buNone/>
-                      </a:pPr>
-                      <a:r>
-                        <a:t>Robin</a:t>
-                      </a:r>
-                    </a:p>
-                  </a:txBody>
-                  <a:tcPr/>
-                </a:tc>
-                <a:tc>
-                  <a:txBody>
-                    <a:bodyPr/>
-                    <a:lstStyle/>
-                    <a:p>
-                      <a:pPr marL="0" lvl="0" indent="0">
-                        <a:buNone/>
-                      </a:pPr>
-                      <a:r>
-                        <a:t>77</a:t>
-                      </a:r>
-                    </a:p>
-                  </a:txBody>
-                  <a:tcPr/>
-                </a:tc>
-                <a:tc>
-                  <a:txBody>
-                    <a:bodyPr/>
-                    <a:lstStyle/>
-                    <a:p>
-                      <a:pPr marL="0" lvl="0" indent="0">
-                        <a:buNone/>
-                      </a:pPr>
-                      <a:r>
-                        <a:t>1948-05-29</a:t>
-                      </a:r>
-                    </a:p>
-                  </a:txBody>
-                  <a:tcPr/>
-                </a:tc>
-                <a:tc>
-                  <a:txBody>
-                    <a:bodyPr/>
-                    <a:lstStyle/>
-                    <a:p>
-                      <a:pPr marL="0" lvl="0" indent="0">
-                        <a:buNone/>
-                      </a:pPr>
-                      <a:r>
-                        <a:t>Homme</a:t>
-                      </a:r>
-                    </a:p>
-                  </a:txBody>
-                  <a:tcPr/>
-                </a:tc>
-                <a:tc>
-                  <a:txBody>
-                    <a:bodyPr/>
-                    <a:lstStyle/>
-                    <a:p>
-                      <a:pPr marL="0" lvl="0" indent="0">
-                        <a:buNone/>
-                      </a:pPr>
-                      <a:r>
-                        <a:t>178.6</a:t>
-                      </a:r>
-                    </a:p>
-                  </a:txBody>
-                  <a:tcPr/>
-                </a:tc>
-                <a:tc>
-                  <a:txBody>
-                    <a:bodyPr/>
-                    <a:lstStyle/>
-                    <a:p>
-                      <a:pPr marL="0" lvl="0" indent="0">
-                        <a:buNone/>
-                      </a:pPr>
-                      <a:r>
-                        <a:rPr dirty="0"/>
-                        <a:t>Collège</a:t>
-                      </a:r>
-                    </a:p>
-                  </a:txBody>
-                  <a:tcPr/>
-                </a:tc>
-                <a:extLst>
-                  <a:ext uri="{0D108BD9-81ED-4DB2-BD59-A6C34878D82A}">
-                    <a16:rowId xmlns:a16="http://schemas.microsoft.com/office/drawing/2014/main" val="10006"/>
-                  </a:ext>
-                </a:extLst>
-              </a:tr>
-            </a:tbl>
-          </a:graphicData>
-        </a:graphic>
-      </p:graphicFrame>
-    </p:spTree>
-  </p:cSld>
-  <p:clrMapOvr>
-    <a:masterClrMapping/>
-  </p:clrMapOvr>
-</p:sld>
-</file>
-
-<file path=ppt/slides/slide5.xml><?xml version="1.0" encoding="utf-8"?>
-<p:sld xmlns:a="http://schemas.openxmlformats.org/drawingml/2006/main" xmlns:r="http://schemas.openxmlformats.org/officeDocument/2006/relationships" xmlns:p="http://schemas.openxmlformats.org/presentationml/2006/main">
-  <p:cSld>
-    <p:spTree>
-      <p:nvGrpSpPr>
-        <p:cNvPr id="1" name=""/>
-        <p:cNvGrpSpPr/>
-        <p:nvPr/>
-      </p:nvGrpSpPr>
-      <p:grpSpPr>
-        <a:xfrm>
-          <a:off x="0" y="0"/>
-          <a:ext cx="0" cy="0"/>
-          <a:chOff x="0" y="0"/>
-          <a:chExt cx="0" cy="0"/>
-        </a:xfrm>
-      </p:grpSpPr>
-      <p:sp>
-        <p:nvSpPr>
-          <p:cNvPr id="2" name="Title 1"/>
-          <p:cNvSpPr>
-            <a:spLocks noGrp="1"/>
-          </p:cNvSpPr>
-          <p:nvPr>
-            <p:ph type="title"/>
-          </p:nvPr>
-        </p:nvSpPr>
-        <p:spPr/>
-        <p:txBody>
-          <a:bodyPr/>
-          <a:lstStyle/>
-          <a:p>
-            <a:pPr marL="0" lvl="0" indent="0">
-              <a:buNone/>
-            </a:pPr>
-            <a:r>
-              <a:rPr dirty="0"/>
               <a:t>Formats </a:t>
             </a:r>
             <a:r>
@@ -6868,7 +5038,7 @@
 </p:sld>
 </file>
 
-<file path=ppt/slides/slide6.xml><?xml version="1.0" encoding="utf-8"?>
+<file path=ppt/slides/slide11.xml><?xml version="1.0" encoding="utf-8"?>
 <p:sld xmlns:a="http://schemas.openxmlformats.org/drawingml/2006/main" xmlns:r="http://schemas.openxmlformats.org/officeDocument/2006/relationships" xmlns:p="http://schemas.openxmlformats.org/presentationml/2006/main">
   <p:cSld>
     <p:spTree>
@@ -7337,7 +5507,7 @@
 </p:sld>
 </file>
 
-<file path=ppt/slides/slide7.xml><?xml version="1.0" encoding="utf-8"?>
+<file path=ppt/slides/slide12.xml><?xml version="1.0" encoding="utf-8"?>
 <p:sld xmlns:a="http://schemas.openxmlformats.org/drawingml/2006/main" xmlns:r="http://schemas.openxmlformats.org/officeDocument/2006/relationships" xmlns:p="http://schemas.openxmlformats.org/presentationml/2006/main">
   <p:cSld>
     <p:spTree>
@@ -7827,7 +5997,7 @@
 </p:sld>
 </file>
 
-<file path=ppt/slides/slide8.xml><?xml version="1.0" encoding="utf-8"?>
+<file path=ppt/slides/slide13.xml><?xml version="1.0" encoding="utf-8"?>
 <p:sld xmlns:a="http://schemas.openxmlformats.org/drawingml/2006/main" xmlns:r="http://schemas.openxmlformats.org/officeDocument/2006/relationships" xmlns:p="http://schemas.openxmlformats.org/presentationml/2006/main">
   <p:cSld>
     <p:spTree>
@@ -8389,7 +6559,7 @@
 </p:sld>
 </file>
 
-<file path=ppt/slides/slide9.xml><?xml version="1.0" encoding="utf-8"?>
+<file path=ppt/slides/slide14.xml><?xml version="1.0" encoding="utf-8"?>
 <p:sld xmlns:a="http://schemas.openxmlformats.org/drawingml/2006/main" xmlns:r="http://schemas.openxmlformats.org/officeDocument/2006/relationships" xmlns:p="http://schemas.openxmlformats.org/presentationml/2006/main">
   <p:cSld>
     <p:spTree>
@@ -9459,6 +7629,3652 @@
           </a:p>
         </p:txBody>
       </p:sp>
+    </p:spTree>
+  </p:cSld>
+  <p:clrMapOvr>
+    <a:masterClrMapping/>
+  </p:clrMapOvr>
+</p:sld>
+</file>
+
+<file path=ppt/slides/slide15.xml><?xml version="1.0" encoding="utf-8"?>
+<p:sld xmlns:a="http://schemas.openxmlformats.org/drawingml/2006/main" xmlns:r="http://schemas.openxmlformats.org/officeDocument/2006/relationships" xmlns:p="http://schemas.openxmlformats.org/presentationml/2006/main">
+  <p:cSld>
+    <p:spTree>
+      <p:nvGrpSpPr>
+        <p:cNvPr id="1" name=""/>
+        <p:cNvGrpSpPr/>
+        <p:nvPr/>
+      </p:nvGrpSpPr>
+      <p:grpSpPr>
+        <a:xfrm>
+          <a:off x="0" y="0"/>
+          <a:ext cx="0" cy="0"/>
+          <a:chOff x="0" y="0"/>
+          <a:chExt cx="0" cy="0"/>
+        </a:xfrm>
+      </p:grpSpPr>
+      <p:sp>
+        <p:nvSpPr>
+          <p:cNvPr id="2" name="Title 1"/>
+          <p:cNvSpPr>
+            <a:spLocks noGrp="1"/>
+          </p:cNvSpPr>
+          <p:nvPr>
+            <p:ph type="title"/>
+          </p:nvPr>
+        </p:nvSpPr>
+        <p:spPr/>
+        <p:txBody>
+          <a:bodyPr/>
+          <a:lstStyle/>
+          <a:p>
+            <a:pPr marL="0" lvl="0" indent="0">
+              <a:buNone/>
+            </a:pPr>
+            <a:r>
+              <a:rPr dirty="0"/>
+              <a:t>En résumé</a:t>
+            </a:r>
+          </a:p>
+        </p:txBody>
+      </p:sp>
+      <p:sp>
+        <p:nvSpPr>
+          <p:cNvPr id="3" name="Content Placeholder 2"/>
+          <p:cNvSpPr>
+            <a:spLocks noGrp="1"/>
+          </p:cNvSpPr>
+          <p:nvPr>
+            <p:ph idx="1"/>
+          </p:nvPr>
+        </p:nvSpPr>
+        <p:spPr/>
+        <p:txBody>
+          <a:bodyPr/>
+          <a:lstStyle/>
+          <a:p>
+            <a:pPr lvl="0"/>
+            <a:r>
+              <a:rPr b="1"/>
+              <a:t>Arrow + Parquet</a:t>
+            </a:r>
+            <a:r>
+              <a:t> : pour lire et agréger rapidement d’énormes volumes sans les charger intégralement.</a:t>
+            </a:r>
+          </a:p>
+          <a:p>
+            <a:pPr lvl="0"/>
+            <a:r>
+              <a:rPr b="1"/>
+              <a:t>data.table + CSV</a:t>
+            </a:r>
+            <a:r>
+              <a:t> : pour des analyses rapides en RAM.</a:t>
+            </a:r>
+          </a:p>
+        </p:txBody>
+      </p:sp>
+    </p:spTree>
+  </p:cSld>
+  <p:clrMapOvr>
+    <a:masterClrMapping/>
+  </p:clrMapOvr>
+</p:sld>
+</file>
+
+<file path=ppt/slides/slide2.xml><?xml version="1.0" encoding="utf-8"?>
+<p:sld xmlns:a="http://schemas.openxmlformats.org/drawingml/2006/main" xmlns:r="http://schemas.openxmlformats.org/officeDocument/2006/relationships" xmlns:p="http://schemas.openxmlformats.org/presentationml/2006/main">
+  <p:cSld>
+    <p:spTree>
+      <p:nvGrpSpPr>
+        <p:cNvPr id="1" name=""/>
+        <p:cNvGrpSpPr/>
+        <p:nvPr/>
+      </p:nvGrpSpPr>
+      <p:grpSpPr>
+        <a:xfrm>
+          <a:off x="0" y="0"/>
+          <a:ext cx="0" cy="0"/>
+          <a:chOff x="0" y="0"/>
+          <a:chExt cx="0" cy="0"/>
+        </a:xfrm>
+      </p:grpSpPr>
+      <p:sp>
+        <p:nvSpPr>
+          <p:cNvPr id="2" name="Title 1"/>
+          <p:cNvSpPr>
+            <a:spLocks noGrp="1"/>
+          </p:cNvSpPr>
+          <p:nvPr>
+            <p:ph type="title"/>
+          </p:nvPr>
+        </p:nvSpPr>
+        <p:spPr>
+          <a:xfrm>
+            <a:off x="800100" y="1681403"/>
+            <a:ext cx="7543800" cy="1028700"/>
+          </a:xfrm>
+        </p:spPr>
+        <p:txBody>
+          <a:bodyPr/>
+          <a:lstStyle/>
+          <a:p>
+            <a:pPr marL="0" lvl="0" indent="0">
+              <a:buNone/>
+            </a:pPr>
+            <a:r>
+              <a:rPr dirty="0"/>
+              <a:t>Objectif du </a:t>
+            </a:r>
+            <a:r>
+              <a:rPr dirty="0" err="1"/>
+              <a:t>projet</a:t>
+            </a:r>
+            <a:endParaRPr dirty="0"/>
+          </a:p>
+        </p:txBody>
+      </p:sp>
+      <p:sp>
+        <p:nvSpPr>
+          <p:cNvPr id="3" name="Content Placeholder 2"/>
+          <p:cNvSpPr>
+            <a:spLocks noGrp="1"/>
+          </p:cNvSpPr>
+          <p:nvPr>
+            <p:ph idx="1"/>
+          </p:nvPr>
+        </p:nvSpPr>
+        <p:spPr>
+          <a:xfrm>
+            <a:off x="800100" y="2812472"/>
+            <a:ext cx="7543800" cy="1713807"/>
+          </a:xfrm>
+        </p:spPr>
+        <p:txBody>
+          <a:bodyPr/>
+          <a:lstStyle/>
+          <a:p>
+            <a:pPr lvl="0"/>
+            <a:r>
+              <a:rPr dirty="0" err="1"/>
+              <a:t>Générer</a:t>
+            </a:r>
+            <a:r>
+              <a:rPr dirty="0"/>
+              <a:t> </a:t>
+            </a:r>
+            <a:r>
+              <a:rPr dirty="0" err="1"/>
+              <a:t>une</a:t>
+            </a:r>
+            <a:r>
+              <a:rPr dirty="0"/>
+              <a:t> </a:t>
+            </a:r>
+            <a:r>
+              <a:rPr b="1" dirty="0"/>
+              <a:t>population fictive </a:t>
+            </a:r>
+            <a:r>
+              <a:rPr b="1" dirty="0" err="1"/>
+              <a:t>réaliste</a:t>
+            </a:r>
+            <a:r>
+              <a:rPr dirty="0"/>
+              <a:t> </a:t>
+            </a:r>
+            <a:r>
+              <a:rPr dirty="0" err="1"/>
+              <a:t>composée</a:t>
+            </a:r>
+            <a:r>
+              <a:rPr dirty="0"/>
+              <a:t> de millions </a:t>
+            </a:r>
+            <a:r>
+              <a:rPr dirty="0" err="1"/>
+              <a:t>d’individus</a:t>
+            </a:r>
+            <a:r>
+              <a:rPr dirty="0"/>
+              <a:t>, </a:t>
+            </a:r>
+            <a:r>
+              <a:rPr dirty="0" err="1"/>
+              <a:t>dotés</a:t>
+            </a:r>
+            <a:r>
+              <a:rPr dirty="0"/>
+              <a:t> de </a:t>
+            </a:r>
+            <a:r>
+              <a:rPr dirty="0" err="1"/>
+              <a:t>caractéristiques</a:t>
+            </a:r>
+            <a:r>
+              <a:rPr dirty="0"/>
+              <a:t> </a:t>
+            </a:r>
+            <a:r>
+              <a:rPr dirty="0" err="1"/>
+              <a:t>cohérentes</a:t>
+            </a:r>
+            <a:r>
+              <a:rPr dirty="0"/>
+              <a:t>.</a:t>
+            </a:r>
+          </a:p>
+          <a:p>
+            <a:pPr lvl="0"/>
+            <a:r>
+              <a:rPr dirty="0" err="1"/>
+              <a:t>L’analyser</a:t>
+            </a:r>
+            <a:r>
+              <a:rPr dirty="0"/>
+              <a:t> </a:t>
+            </a:r>
+            <a:r>
+              <a:rPr dirty="0" err="1"/>
+              <a:t>rapidement</a:t>
+            </a:r>
+            <a:r>
+              <a:rPr dirty="0"/>
+              <a:t> </a:t>
+            </a:r>
+            <a:r>
+              <a:rPr dirty="0" err="1"/>
+              <a:t>en</a:t>
+            </a:r>
+            <a:r>
+              <a:rPr dirty="0"/>
+              <a:t> </a:t>
+            </a:r>
+            <a:r>
+              <a:rPr dirty="0" err="1"/>
+              <a:t>utilisant</a:t>
+            </a:r>
+            <a:r>
+              <a:rPr dirty="0"/>
+              <a:t> deux </a:t>
+            </a:r>
+            <a:r>
+              <a:rPr dirty="0" err="1"/>
+              <a:t>méthodes</a:t>
+            </a:r>
+            <a:endParaRPr dirty="0"/>
+          </a:p>
+          <a:p>
+            <a:pPr lvl="1"/>
+            <a:r>
+              <a:rPr dirty="0" err="1">
+                <a:hlinkClick r:id="rId2"/>
+              </a:rPr>
+              <a:t>data.table</a:t>
+            </a:r>
+            <a:r>
+              <a:rPr dirty="0"/>
+              <a:t> — </a:t>
+            </a:r>
+            <a:r>
+              <a:rPr dirty="0" err="1"/>
+              <a:t>génération</a:t>
+            </a:r>
+            <a:r>
+              <a:rPr dirty="0"/>
+              <a:t> </a:t>
+            </a:r>
+            <a:r>
+              <a:rPr dirty="0" err="1"/>
+              <a:t>vectorisée</a:t>
+            </a:r>
+            <a:r>
+              <a:rPr dirty="0"/>
+              <a:t> ultra-</a:t>
+            </a:r>
+            <a:r>
+              <a:rPr dirty="0" err="1"/>
+              <a:t>rapide</a:t>
+            </a:r>
+            <a:br>
+              <a:rPr dirty="0"/>
+            </a:br>
+            <a:endParaRPr dirty="0"/>
+          </a:p>
+          <a:p>
+            <a:pPr lvl="1"/>
+            <a:r>
+              <a:rPr dirty="0">
+                <a:hlinkClick r:id="rId3"/>
+              </a:rPr>
+              <a:t>arrow</a:t>
+            </a:r>
+            <a:r>
+              <a:rPr dirty="0"/>
+              <a:t> — lecture/</a:t>
+            </a:r>
+            <a:r>
+              <a:rPr dirty="0" err="1"/>
+              <a:t>écriture</a:t>
+            </a:r>
+            <a:r>
+              <a:rPr dirty="0"/>
+              <a:t> </a:t>
+            </a:r>
+            <a:r>
+              <a:rPr dirty="0" err="1"/>
+              <a:t>en</a:t>
+            </a:r>
+            <a:r>
+              <a:rPr dirty="0"/>
+              <a:t> format </a:t>
+            </a:r>
+            <a:r>
+              <a:rPr b="1" dirty="0"/>
+              <a:t>Parquet</a:t>
+            </a:r>
+          </a:p>
+        </p:txBody>
+      </p:sp>
+      <p:sp>
+        <p:nvSpPr>
+          <p:cNvPr id="4" name="Content Placeholder 2"/>
+          <p:cNvSpPr txBox="1">
+            <a:spLocks/>
+          </p:cNvSpPr>
+          <p:nvPr/>
+        </p:nvSpPr>
+        <p:spPr>
+          <a:xfrm>
+            <a:off x="800100" y="672754"/>
+            <a:ext cx="7543800" cy="994410"/>
+          </a:xfrm>
+          <a:prstGeom prst="rect">
+            <a:avLst/>
+          </a:prstGeom>
+        </p:spPr>
+        <p:txBody>
+          <a:bodyPr vert="horz" lIns="91440" tIns="45720" rIns="91440" bIns="45720" rtlCol="0">
+            <a:normAutofit/>
+          </a:bodyPr>
+          <a:lstStyle>
+            <a:lvl1pPr marL="137160" indent="-137160" algn="l" defTabSz="685800" rtl="0" eaLnBrk="1" latinLnBrk="0" hangingPunct="1">
+              <a:lnSpc>
+                <a:spcPct val="100000"/>
+              </a:lnSpc>
+              <a:spcBef>
+                <a:spcPts val="675"/>
+              </a:spcBef>
+              <a:spcAft>
+                <a:spcPts val="0"/>
+              </a:spcAft>
+              <a:buClr>
+                <a:schemeClr val="tx1">
+                  <a:lumMod val="85000"/>
+                  <a:lumOff val="15000"/>
+                </a:schemeClr>
+              </a:buClr>
+              <a:buFont typeface="Garamond" pitchFamily="18" charset="0"/>
+              <a:buChar char="◦"/>
+              <a:defRPr sz="1350" kern="1200">
+                <a:solidFill>
+                  <a:schemeClr val="tx1"/>
+                </a:solidFill>
+                <a:latin typeface="+mn-lt"/>
+                <a:ea typeface="+mn-ea"/>
+                <a:cs typeface="+mn-cs"/>
+              </a:defRPr>
+            </a:lvl1pPr>
+            <a:lvl2pPr marL="342900" indent="-137160" algn="l" defTabSz="685800" rtl="0" eaLnBrk="1" latinLnBrk="0" hangingPunct="1">
+              <a:lnSpc>
+                <a:spcPct val="100000"/>
+              </a:lnSpc>
+              <a:spcBef>
+                <a:spcPts val="375"/>
+              </a:spcBef>
+              <a:buClr>
+                <a:schemeClr val="tx1">
+                  <a:lumMod val="85000"/>
+                  <a:lumOff val="15000"/>
+                </a:schemeClr>
+              </a:buClr>
+              <a:buFont typeface="Garamond" pitchFamily="18" charset="0"/>
+              <a:buChar char="◦"/>
+              <a:defRPr sz="1200" kern="1200">
+                <a:solidFill>
+                  <a:schemeClr val="tx1"/>
+                </a:solidFill>
+                <a:latin typeface="+mn-lt"/>
+                <a:ea typeface="+mn-ea"/>
+                <a:cs typeface="+mn-cs"/>
+              </a:defRPr>
+            </a:lvl2pPr>
+            <a:lvl3pPr marL="548640" indent="-137160" algn="l" defTabSz="685800" rtl="0" eaLnBrk="1" latinLnBrk="0" hangingPunct="1">
+              <a:lnSpc>
+                <a:spcPct val="100000"/>
+              </a:lnSpc>
+              <a:spcBef>
+                <a:spcPts val="375"/>
+              </a:spcBef>
+              <a:buClr>
+                <a:schemeClr val="tx1">
+                  <a:lumMod val="85000"/>
+                  <a:lumOff val="15000"/>
+                </a:schemeClr>
+              </a:buClr>
+              <a:buFont typeface="Garamond" pitchFamily="18" charset="0"/>
+              <a:buChar char="◦"/>
+              <a:defRPr sz="1050" kern="1200">
+                <a:solidFill>
+                  <a:schemeClr val="tx1"/>
+                </a:solidFill>
+                <a:latin typeface="+mn-lt"/>
+                <a:ea typeface="+mn-ea"/>
+                <a:cs typeface="+mn-cs"/>
+              </a:defRPr>
+            </a:lvl3pPr>
+            <a:lvl4pPr marL="754380" indent="-137160" algn="l" defTabSz="685800" rtl="0" eaLnBrk="1" latinLnBrk="0" hangingPunct="1">
+              <a:lnSpc>
+                <a:spcPct val="100000"/>
+              </a:lnSpc>
+              <a:spcBef>
+                <a:spcPts val="375"/>
+              </a:spcBef>
+              <a:buClr>
+                <a:schemeClr val="tx1">
+                  <a:lumMod val="85000"/>
+                  <a:lumOff val="15000"/>
+                </a:schemeClr>
+              </a:buClr>
+              <a:buFont typeface="Garamond" pitchFamily="18" charset="0"/>
+              <a:buChar char="◦"/>
+              <a:defRPr sz="1050" kern="1200">
+                <a:solidFill>
+                  <a:schemeClr val="tx1"/>
+                </a:solidFill>
+                <a:latin typeface="+mn-lt"/>
+                <a:ea typeface="+mn-ea"/>
+                <a:cs typeface="+mn-cs"/>
+              </a:defRPr>
+            </a:lvl4pPr>
+            <a:lvl5pPr marL="960120" indent="-137160" algn="l" defTabSz="685800" rtl="0" eaLnBrk="1" latinLnBrk="0" hangingPunct="1">
+              <a:lnSpc>
+                <a:spcPct val="100000"/>
+              </a:lnSpc>
+              <a:spcBef>
+                <a:spcPts val="375"/>
+              </a:spcBef>
+              <a:buClr>
+                <a:schemeClr val="tx1">
+                  <a:lumMod val="85000"/>
+                  <a:lumOff val="15000"/>
+                </a:schemeClr>
+              </a:buClr>
+              <a:buFont typeface="Garamond" pitchFamily="18" charset="0"/>
+              <a:buChar char="◦"/>
+              <a:defRPr sz="1050" kern="1200">
+                <a:solidFill>
+                  <a:schemeClr val="tx1"/>
+                </a:solidFill>
+                <a:latin typeface="+mn-lt"/>
+                <a:ea typeface="+mn-ea"/>
+                <a:cs typeface="+mn-cs"/>
+              </a:defRPr>
+            </a:lvl5pPr>
+            <a:lvl6pPr marL="1200000" indent="-171450" algn="l" defTabSz="685800" rtl="0" eaLnBrk="1" latinLnBrk="0" hangingPunct="1">
+              <a:lnSpc>
+                <a:spcPct val="100000"/>
+              </a:lnSpc>
+              <a:spcBef>
+                <a:spcPts val="375"/>
+              </a:spcBef>
+              <a:buClr>
+                <a:schemeClr val="tx1">
+                  <a:lumMod val="85000"/>
+                  <a:lumOff val="15000"/>
+                </a:schemeClr>
+              </a:buClr>
+              <a:buFont typeface="Garamond" pitchFamily="18" charset="0"/>
+              <a:buChar char="◦"/>
+              <a:defRPr sz="1050" kern="1200">
+                <a:solidFill>
+                  <a:schemeClr val="tx1"/>
+                </a:solidFill>
+                <a:latin typeface="+mn-lt"/>
+                <a:ea typeface="+mn-ea"/>
+                <a:cs typeface="+mn-cs"/>
+              </a:defRPr>
+            </a:lvl6pPr>
+            <a:lvl7pPr marL="1425000" indent="-171450" algn="l" defTabSz="685800" rtl="0" eaLnBrk="1" latinLnBrk="0" hangingPunct="1">
+              <a:lnSpc>
+                <a:spcPct val="100000"/>
+              </a:lnSpc>
+              <a:spcBef>
+                <a:spcPts val="375"/>
+              </a:spcBef>
+              <a:buClr>
+                <a:schemeClr val="tx1">
+                  <a:lumMod val="85000"/>
+                  <a:lumOff val="15000"/>
+                </a:schemeClr>
+              </a:buClr>
+              <a:buFont typeface="Garamond" pitchFamily="18" charset="0"/>
+              <a:buChar char="◦"/>
+              <a:defRPr sz="1050" kern="1200">
+                <a:solidFill>
+                  <a:schemeClr val="tx1"/>
+                </a:solidFill>
+                <a:latin typeface="+mn-lt"/>
+                <a:ea typeface="+mn-ea"/>
+                <a:cs typeface="+mn-cs"/>
+              </a:defRPr>
+            </a:lvl7pPr>
+            <a:lvl8pPr marL="1650000" indent="-171450" algn="l" defTabSz="685800" rtl="0" eaLnBrk="1" latinLnBrk="0" hangingPunct="1">
+              <a:lnSpc>
+                <a:spcPct val="100000"/>
+              </a:lnSpc>
+              <a:spcBef>
+                <a:spcPts val="375"/>
+              </a:spcBef>
+              <a:buClr>
+                <a:schemeClr val="tx1">
+                  <a:lumMod val="85000"/>
+                  <a:lumOff val="15000"/>
+                </a:schemeClr>
+              </a:buClr>
+              <a:buFont typeface="Garamond" pitchFamily="18" charset="0"/>
+              <a:buChar char="◦"/>
+              <a:defRPr sz="1050" kern="1200">
+                <a:solidFill>
+                  <a:schemeClr val="tx1"/>
+                </a:solidFill>
+                <a:latin typeface="+mn-lt"/>
+                <a:ea typeface="+mn-ea"/>
+                <a:cs typeface="+mn-cs"/>
+              </a:defRPr>
+            </a:lvl8pPr>
+            <a:lvl9pPr marL="1875000" indent="-171450" algn="l" defTabSz="685800" rtl="0" eaLnBrk="1" latinLnBrk="0" hangingPunct="1">
+              <a:lnSpc>
+                <a:spcPct val="100000"/>
+              </a:lnSpc>
+              <a:spcBef>
+                <a:spcPts val="375"/>
+              </a:spcBef>
+              <a:buClr>
+                <a:schemeClr val="tx1">
+                  <a:lumMod val="85000"/>
+                  <a:lumOff val="15000"/>
+                </a:schemeClr>
+              </a:buClr>
+              <a:buFont typeface="Garamond" pitchFamily="18" charset="0"/>
+              <a:buChar char="◦"/>
+              <a:defRPr sz="1050" kern="1200">
+                <a:solidFill>
+                  <a:schemeClr val="tx1"/>
+                </a:solidFill>
+                <a:latin typeface="+mn-lt"/>
+                <a:ea typeface="+mn-ea"/>
+                <a:cs typeface="+mn-cs"/>
+              </a:defRPr>
+            </a:lvl9pPr>
+          </a:lstStyle>
+          <a:p>
+            <a:pPr marL="0" indent="0">
+              <a:buFont typeface="Garamond" pitchFamily="18" charset="0"/>
+              <a:buNone/>
+            </a:pPr>
+            <a:r>
+              <a:rPr lang="fr-FR" dirty="0"/>
+              <a:t>La statistique n’est pas réservée aux supercalculateurs ni aux logiciels coûteux.</a:t>
+            </a:r>
+          </a:p>
+          <a:p>
+            <a:pPr marL="0" indent="0">
+              <a:buFont typeface="Garamond" pitchFamily="18" charset="0"/>
+              <a:buNone/>
+            </a:pPr>
+            <a:r>
+              <a:rPr lang="fr-FR" dirty="0"/>
+              <a:t>Avec </a:t>
+            </a:r>
+            <a:r>
+              <a:rPr lang="fr-FR" b="1" dirty="0"/>
+              <a:t>R</a:t>
+            </a:r>
+            <a:r>
+              <a:rPr lang="fr-FR" dirty="0"/>
+              <a:t> et quelques packages libres, il est possible de manipuler et d’analyser </a:t>
+            </a:r>
+            <a:r>
+              <a:rPr lang="fr-FR" b="1" dirty="0"/>
+              <a:t>des centaines de millions d’individus</a:t>
+            </a:r>
+            <a:r>
+              <a:rPr lang="fr-FR" dirty="0"/>
+              <a:t> sur un simple ordinateur.</a:t>
+            </a:r>
+          </a:p>
+        </p:txBody>
+      </p:sp>
+    </p:spTree>
+  </p:cSld>
+  <p:clrMapOvr>
+    <a:masterClrMapping/>
+  </p:clrMapOvr>
+</p:sld>
+</file>
+
+<file path=ppt/slides/slide3.xml><?xml version="1.0" encoding="utf-8"?>
+<p:sld xmlns:a="http://schemas.openxmlformats.org/drawingml/2006/main" xmlns:r="http://schemas.openxmlformats.org/officeDocument/2006/relationships" xmlns:p="http://schemas.openxmlformats.org/presentationml/2006/main">
+  <p:cSld>
+    <p:spTree>
+      <p:nvGrpSpPr>
+        <p:cNvPr id="1" name=""/>
+        <p:cNvGrpSpPr/>
+        <p:nvPr/>
+      </p:nvGrpSpPr>
+      <p:grpSpPr>
+        <a:xfrm>
+          <a:off x="0" y="0"/>
+          <a:ext cx="0" cy="0"/>
+          <a:chOff x="0" y="0"/>
+          <a:chExt cx="0" cy="0"/>
+        </a:xfrm>
+      </p:grpSpPr>
+      <p:sp>
+        <p:nvSpPr>
+          <p:cNvPr id="2" name="Title 1"/>
+          <p:cNvSpPr>
+            <a:spLocks noGrp="1"/>
+          </p:cNvSpPr>
+          <p:nvPr>
+            <p:ph type="ctrTitle"/>
+          </p:nvPr>
+        </p:nvSpPr>
+        <p:spPr>
+          <a:xfrm>
+            <a:off x="685800" y="2394456"/>
+            <a:ext cx="7772400" cy="1102519"/>
+          </a:xfrm>
+        </p:spPr>
+        <p:txBody>
+          <a:bodyPr/>
+          <a:lstStyle/>
+          <a:p>
+            <a:pPr marL="0" lvl="0" indent="0">
+              <a:buNone/>
+            </a:pPr>
+            <a:r>
+              <a:rPr dirty="0"/>
+              <a:t>Ordre</a:t>
+            </a:r>
+            <a:br>
+              <a:rPr dirty="0"/>
+            </a:br>
+            <a:r>
+              <a:rPr dirty="0"/>
+              <a:t>de</a:t>
+            </a:r>
+            <a:br>
+              <a:rPr dirty="0"/>
+            </a:br>
+            <a:r>
+              <a:rPr dirty="0"/>
+              <a:t>grandeur</a:t>
+            </a:r>
+          </a:p>
+        </p:txBody>
+      </p:sp>
+      <p:sp>
+        <p:nvSpPr>
+          <p:cNvPr id="3" name="Subtitle 2"/>
+          <p:cNvSpPr>
+            <a:spLocks noGrp="1"/>
+          </p:cNvSpPr>
+          <p:nvPr>
+            <p:ph type="subTitle" idx="1"/>
+          </p:nvPr>
+        </p:nvSpPr>
+        <p:spPr>
+          <a:xfrm>
+            <a:off x="1371600" y="2914650"/>
+            <a:ext cx="6400800" cy="1314450"/>
+          </a:xfrm>
+        </p:spPr>
+        <p:txBody>
+          <a:bodyPr/>
+          <a:lstStyle/>
+          <a:p>
+            <a:pPr marL="0" lvl="0" indent="0">
+              <a:buNone/>
+            </a:pPr>
+            <a:br>
+              <a:rPr dirty="0"/>
+            </a:br>
+            <a:br>
+              <a:rPr dirty="0"/>
+            </a:br>
+            <a:endParaRPr dirty="0"/>
+          </a:p>
+        </p:txBody>
+      </p:sp>
+    </p:spTree>
+  </p:cSld>
+  <p:clrMapOvr>
+    <a:masterClrMapping/>
+  </p:clrMapOvr>
+</p:sld>
+</file>
+
+<file path=ppt/slides/slide4.xml><?xml version="1.0" encoding="utf-8"?>
+<p:sld xmlns:a="http://schemas.openxmlformats.org/drawingml/2006/main" xmlns:r="http://schemas.openxmlformats.org/officeDocument/2006/relationships" xmlns:p="http://schemas.openxmlformats.org/presentationml/2006/main">
+  <p:cSld>
+    <p:spTree>
+      <p:nvGrpSpPr>
+        <p:cNvPr id="1" name=""/>
+        <p:cNvGrpSpPr/>
+        <p:nvPr/>
+      </p:nvGrpSpPr>
+      <p:grpSpPr>
+        <a:xfrm>
+          <a:off x="0" y="0"/>
+          <a:ext cx="0" cy="0"/>
+          <a:chOff x="0" y="0"/>
+          <a:chExt cx="0" cy="0"/>
+        </a:xfrm>
+      </p:grpSpPr>
+      <p:sp>
+        <p:nvSpPr>
+          <p:cNvPr id="2" name="Title 1"/>
+          <p:cNvSpPr>
+            <a:spLocks noGrp="1"/>
+          </p:cNvSpPr>
+          <p:nvPr>
+            <p:ph type="title"/>
+          </p:nvPr>
+        </p:nvSpPr>
+        <p:spPr>
+          <a:xfrm>
+            <a:off x="730828" y="339956"/>
+            <a:ext cx="7543800" cy="720937"/>
+          </a:xfrm>
+        </p:spPr>
+        <p:txBody>
+          <a:bodyPr/>
+          <a:lstStyle/>
+          <a:p>
+            <a:pPr marL="0" lvl="0" indent="0">
+              <a:buNone/>
+            </a:pPr>
+            <a:r>
+              <a:rPr dirty="0"/>
+              <a:t>💳 </a:t>
+            </a:r>
+            <a:r>
+              <a:rPr b="1" dirty="0"/>
+              <a:t>Transactions &amp; argent</a:t>
+            </a:r>
+          </a:p>
+        </p:txBody>
+      </p:sp>
+      <p:graphicFrame>
+        <p:nvGraphicFramePr>
+          <p:cNvPr id="6" name="Content Placeholder 5"/>
+          <p:cNvGraphicFramePr>
+            <a:graphicFrameLocks noGrp="1"/>
+          </p:cNvGraphicFramePr>
+          <p:nvPr>
+            <p:ph idx="1"/>
+            <p:extLst>
+              <p:ext uri="{D42A27DB-BD31-4B8C-83A1-F6EECF244321}">
+                <p14:modId xmlns:p14="http://schemas.microsoft.com/office/powerpoint/2010/main" val="4008057378"/>
+              </p:ext>
+            </p:extLst>
+          </p:nvPr>
+        </p:nvGraphicFramePr>
+        <p:xfrm>
+          <a:off x="457200" y="1193800"/>
+          <a:ext cx="8216900" cy="594360"/>
+        </p:xfrm>
+        <a:graphic>
+          <a:graphicData uri="http://schemas.openxmlformats.org/drawingml/2006/table">
+            <a:tbl>
+              <a:tblPr firstRow="1" bandRow="1">
+                <a:tableStyleId>{5C22544A-7EE6-4342-B048-85BDC9FD1C3A}</a:tableStyleId>
+              </a:tblPr>
+              <a:tblGrid>
+                <a:gridCol w="3110345">
+                  <a:extLst>
+                    <a:ext uri="{9D8B030D-6E8A-4147-A177-3AD203B41FA5}">
+                      <a16:colId xmlns:a16="http://schemas.microsoft.com/office/drawing/2014/main" val="20000"/>
+                    </a:ext>
+                  </a:extLst>
+                </a:gridCol>
+                <a:gridCol w="1728355">
+                  <a:extLst>
+                    <a:ext uri="{9D8B030D-6E8A-4147-A177-3AD203B41FA5}">
+                      <a16:colId xmlns:a16="http://schemas.microsoft.com/office/drawing/2014/main" val="20001"/>
+                    </a:ext>
+                  </a:extLst>
+                </a:gridCol>
+                <a:gridCol w="3378200">
+                  <a:extLst>
+                    <a:ext uri="{9D8B030D-6E8A-4147-A177-3AD203B41FA5}">
+                      <a16:colId xmlns:a16="http://schemas.microsoft.com/office/drawing/2014/main" val="20002"/>
+                    </a:ext>
+                  </a:extLst>
+                </a:gridCol>
+              </a:tblGrid>
+              <a:tr h="0">
+                <a:tc>
+                  <a:txBody>
+                    <a:bodyPr/>
+                    <a:lstStyle/>
+                    <a:p>
+                      <a:pPr marL="0" lvl="0" indent="0">
+                        <a:buNone/>
+                      </a:pPr>
+                      <a:r>
+                        <a:t>Domaine</a:t>
+                      </a:r>
+                    </a:p>
+                  </a:txBody>
+                  <a:tcPr/>
+                </a:tc>
+                <a:tc>
+                  <a:txBody>
+                    <a:bodyPr/>
+                    <a:lstStyle/>
+                    <a:p>
+                      <a:pPr marL="0" lvl="0" indent="0">
+                        <a:buNone/>
+                      </a:pPr>
+                      <a:r>
+                        <a:t>Volume typique</a:t>
+                      </a:r>
+                    </a:p>
+                  </a:txBody>
+                  <a:tcPr/>
+                </a:tc>
+                <a:tc>
+                  <a:txBody>
+                    <a:bodyPr/>
+                    <a:lstStyle/>
+                    <a:p>
+                      <a:pPr marL="0" lvl="0" indent="0">
+                        <a:buNone/>
+                      </a:pPr>
+                      <a:r>
+                        <a:t>Équivalence avec 100 millions de lignes</a:t>
+                      </a:r>
+                    </a:p>
+                  </a:txBody>
+                  <a:tcPr/>
+                </a:tc>
+                <a:extLst>
+                  <a:ext uri="{0D108BD9-81ED-4DB2-BD59-A6C34878D82A}">
+                    <a16:rowId xmlns:a16="http://schemas.microsoft.com/office/drawing/2014/main" val="10000"/>
+                  </a:ext>
+                </a:extLst>
+              </a:tr>
+              <a:tr h="0">
+                <a:tc>
+                  <a:txBody>
+                    <a:bodyPr/>
+                    <a:lstStyle/>
+                    <a:p>
+                      <a:pPr marL="0" lvl="0" indent="0">
+                        <a:buNone/>
+                      </a:pPr>
+                      <a:r>
+                        <a:t>💳 Transactions carte Visa (monde)</a:t>
+                      </a:r>
+                    </a:p>
+                  </a:txBody>
+                  <a:tcPr/>
+                </a:tc>
+                <a:tc>
+                  <a:txBody>
+                    <a:bodyPr/>
+                    <a:lstStyle/>
+                    <a:p>
+                      <a:pPr marL="0" lvl="0" indent="0">
+                        <a:buNone/>
+                      </a:pPr>
+                      <a:r>
+                        <a:t>~600 millions/jour</a:t>
+                      </a:r>
+                    </a:p>
+                  </a:txBody>
+                  <a:tcPr/>
+                </a:tc>
+                <a:tc>
+                  <a:txBody>
+                    <a:bodyPr/>
+                    <a:lstStyle/>
+                    <a:p>
+                      <a:pPr marL="0" lvl="0" indent="0">
+                        <a:buNone/>
+                      </a:pPr>
+                      <a:r>
+                        <a:rPr dirty="0"/>
+                        <a:t>≈ </a:t>
+                      </a:r>
+                      <a:r>
+                        <a:rPr b="1" dirty="0"/>
+                        <a:t>1/6 de la </a:t>
+                      </a:r>
+                      <a:r>
+                        <a:rPr b="1" dirty="0" err="1"/>
+                        <a:t>journée</a:t>
+                      </a:r>
+                      <a:r>
+                        <a:rPr b="1" dirty="0"/>
+                        <a:t> Visa </a:t>
+                      </a:r>
+                      <a:r>
+                        <a:rPr b="1" dirty="0" err="1"/>
+                        <a:t>mondiale</a:t>
+                      </a:r>
+                      <a:endParaRPr b="1" dirty="0"/>
+                    </a:p>
+                  </a:txBody>
+                  <a:tcPr/>
+                </a:tc>
+                <a:extLst>
+                  <a:ext uri="{0D108BD9-81ED-4DB2-BD59-A6C34878D82A}">
+                    <a16:rowId xmlns:a16="http://schemas.microsoft.com/office/drawing/2014/main" val="10001"/>
+                  </a:ext>
+                </a:extLst>
+              </a:tr>
+            </a:tbl>
+          </a:graphicData>
+        </a:graphic>
+      </p:graphicFrame>
+      <p:sp>
+        <p:nvSpPr>
+          <p:cNvPr id="3" name="Title 1">
+            <a:extLst>
+              <a:ext uri="{FF2B5EF4-FFF2-40B4-BE49-F238E27FC236}">
+                <a16:creationId xmlns:a16="http://schemas.microsoft.com/office/drawing/2014/main" id="{C6C3EC07-AD57-1E7F-4F1E-2A173B8AF88E}"/>
+              </a:ext>
+            </a:extLst>
+          </p:cNvPr>
+          <p:cNvSpPr txBox="1">
+            <a:spLocks/>
+          </p:cNvSpPr>
+          <p:nvPr/>
+        </p:nvSpPr>
+        <p:spPr>
+          <a:xfrm>
+            <a:off x="800100" y="2198004"/>
+            <a:ext cx="7543800" cy="747492"/>
+          </a:xfrm>
+          <a:prstGeom prst="rect">
+            <a:avLst/>
+          </a:prstGeom>
+        </p:spPr>
+        <p:txBody>
+          <a:bodyPr vert="horz" lIns="91440" tIns="45720" rIns="91440" bIns="45720" rtlCol="0" anchor="ctr">
+            <a:normAutofit/>
+          </a:bodyPr>
+          <a:lstStyle>
+            <a:lvl1pPr algn="l" defTabSz="685800" rtl="0" eaLnBrk="1" latinLnBrk="0" hangingPunct="1">
+              <a:lnSpc>
+                <a:spcPct val="90000"/>
+              </a:lnSpc>
+              <a:spcBef>
+                <a:spcPct val="0"/>
+              </a:spcBef>
+              <a:buNone/>
+              <a:defRPr lang="en-US" sz="3600" kern="1200" cap="none" spc="0" baseline="0" dirty="0">
+                <a:solidFill>
+                  <a:schemeClr val="tx1">
+                    <a:lumMod val="85000"/>
+                    <a:lumOff val="15000"/>
+                  </a:schemeClr>
+                </a:solidFill>
+                <a:effectLst/>
+                <a:latin typeface="+mj-lt"/>
+                <a:ea typeface="+mn-ea"/>
+                <a:cs typeface="+mn-cs"/>
+              </a:defRPr>
+            </a:lvl1pPr>
+          </a:lstStyle>
+          <a:p>
+            <a:r>
+              <a:rPr lang="fr-FR" dirty="0"/>
+              <a:t>🌐 </a:t>
+            </a:r>
+            <a:r>
+              <a:rPr lang="fr-FR" b="1" dirty="0"/>
+              <a:t>Réseaux sociaux et web</a:t>
+            </a:r>
+          </a:p>
+        </p:txBody>
+      </p:sp>
+      <p:graphicFrame>
+        <p:nvGraphicFramePr>
+          <p:cNvPr id="4" name="Content Placeholder 5">
+            <a:extLst>
+              <a:ext uri="{FF2B5EF4-FFF2-40B4-BE49-F238E27FC236}">
+                <a16:creationId xmlns:a16="http://schemas.microsoft.com/office/drawing/2014/main" id="{E0A3D340-30E1-0D71-24FD-D793DE2BF40D}"/>
+              </a:ext>
+            </a:extLst>
+          </p:cNvPr>
+          <p:cNvGraphicFramePr>
+            <a:graphicFrameLocks/>
+          </p:cNvGraphicFramePr>
+          <p:nvPr>
+            <p:extLst>
+              <p:ext uri="{D42A27DB-BD31-4B8C-83A1-F6EECF244321}">
+                <p14:modId xmlns:p14="http://schemas.microsoft.com/office/powerpoint/2010/main" val="1686144494"/>
+              </p:ext>
+            </p:extLst>
+          </p:nvPr>
+        </p:nvGraphicFramePr>
+        <p:xfrm>
+          <a:off x="457200" y="2787073"/>
+          <a:ext cx="8229600" cy="1485900"/>
+        </p:xfrm>
+        <a:graphic>
+          <a:graphicData uri="http://schemas.openxmlformats.org/drawingml/2006/table">
+            <a:tbl>
+              <a:tblPr firstRow="1" bandRow="1">
+                <a:tableStyleId>{5C22544A-7EE6-4342-B048-85BDC9FD1C3A}</a:tableStyleId>
+              </a:tblPr>
+              <a:tblGrid>
+                <a:gridCol w="2133600">
+                  <a:extLst>
+                    <a:ext uri="{9D8B030D-6E8A-4147-A177-3AD203B41FA5}">
+                      <a16:colId xmlns:a16="http://schemas.microsoft.com/office/drawing/2014/main" val="20000"/>
+                    </a:ext>
+                  </a:extLst>
+                </a:gridCol>
+                <a:gridCol w="1524000">
+                  <a:extLst>
+                    <a:ext uri="{9D8B030D-6E8A-4147-A177-3AD203B41FA5}">
+                      <a16:colId xmlns:a16="http://schemas.microsoft.com/office/drawing/2014/main" val="20001"/>
+                    </a:ext>
+                  </a:extLst>
+                </a:gridCol>
+                <a:gridCol w="4572000">
+                  <a:extLst>
+                    <a:ext uri="{9D8B030D-6E8A-4147-A177-3AD203B41FA5}">
+                      <a16:colId xmlns:a16="http://schemas.microsoft.com/office/drawing/2014/main" val="20002"/>
+                    </a:ext>
+                  </a:extLst>
+                </a:gridCol>
+              </a:tblGrid>
+              <a:tr h="0">
+                <a:tc>
+                  <a:txBody>
+                    <a:bodyPr/>
+                    <a:lstStyle/>
+                    <a:p>
+                      <a:pPr marL="0" lvl="0" indent="0">
+                        <a:buNone/>
+                      </a:pPr>
+                      <a:r>
+                        <a:t>Domaine</a:t>
+                      </a:r>
+                    </a:p>
+                  </a:txBody>
+                  <a:tcPr/>
+                </a:tc>
+                <a:tc>
+                  <a:txBody>
+                    <a:bodyPr/>
+                    <a:lstStyle/>
+                    <a:p>
+                      <a:pPr marL="0" lvl="0" indent="0">
+                        <a:buNone/>
+                      </a:pPr>
+                      <a:r>
+                        <a:t>Volume typique</a:t>
+                      </a:r>
+                    </a:p>
+                  </a:txBody>
+                  <a:tcPr/>
+                </a:tc>
+                <a:tc>
+                  <a:txBody>
+                    <a:bodyPr/>
+                    <a:lstStyle/>
+                    <a:p>
+                      <a:pPr marL="0" lvl="0" indent="0">
+                        <a:buNone/>
+                      </a:pPr>
+                      <a:r>
+                        <a:t>Équivalence</a:t>
+                      </a:r>
+                    </a:p>
+                  </a:txBody>
+                  <a:tcPr/>
+                </a:tc>
+                <a:extLst>
+                  <a:ext uri="{0D108BD9-81ED-4DB2-BD59-A6C34878D82A}">
+                    <a16:rowId xmlns:a16="http://schemas.microsoft.com/office/drawing/2014/main" val="10000"/>
+                  </a:ext>
+                </a:extLst>
+              </a:tr>
+              <a:tr h="0">
+                <a:tc>
+                  <a:txBody>
+                    <a:bodyPr/>
+                    <a:lstStyle/>
+                    <a:p>
+                      <a:pPr marL="0" lvl="0" indent="0">
+                        <a:buNone/>
+                      </a:pPr>
+                      <a:r>
+                        <a:t>📸 Photos Instagram</a:t>
+                      </a:r>
+                    </a:p>
+                  </a:txBody>
+                  <a:tcPr/>
+                </a:tc>
+                <a:tc>
+                  <a:txBody>
+                    <a:bodyPr/>
+                    <a:lstStyle/>
+                    <a:p>
+                      <a:pPr marL="0" lvl="0" indent="0">
+                        <a:buNone/>
+                      </a:pPr>
+                      <a:r>
+                        <a:t>~95 millions/jour</a:t>
+                      </a:r>
+                    </a:p>
+                  </a:txBody>
+                  <a:tcPr/>
+                </a:tc>
+                <a:tc>
+                  <a:txBody>
+                    <a:bodyPr/>
+                    <a:lstStyle/>
+                    <a:p>
+                      <a:pPr marL="0" lvl="0" indent="0">
+                        <a:buNone/>
+                      </a:pPr>
+                      <a:r>
+                        <a:t>≈ </a:t>
+                      </a:r>
+                      <a:r>
+                        <a:rPr b="1"/>
+                        <a:t>toutes les photos postées chaque jour sur Instagram</a:t>
+                      </a:r>
+                    </a:p>
+                  </a:txBody>
+                  <a:tcPr/>
+                </a:tc>
+                <a:extLst>
+                  <a:ext uri="{0D108BD9-81ED-4DB2-BD59-A6C34878D82A}">
+                    <a16:rowId xmlns:a16="http://schemas.microsoft.com/office/drawing/2014/main" val="10001"/>
+                  </a:ext>
+                </a:extLst>
+              </a:tr>
+              <a:tr h="0">
+                <a:tc>
+                  <a:txBody>
+                    <a:bodyPr/>
+                    <a:lstStyle/>
+                    <a:p>
+                      <a:pPr marL="0" lvl="0" indent="0">
+                        <a:buNone/>
+                      </a:pPr>
+                      <a:r>
+                        <a:t>📷 Photos Facebook</a:t>
+                      </a:r>
+                    </a:p>
+                  </a:txBody>
+                  <a:tcPr/>
+                </a:tc>
+                <a:tc>
+                  <a:txBody>
+                    <a:bodyPr/>
+                    <a:lstStyle/>
+                    <a:p>
+                      <a:pPr marL="0" lvl="0" indent="0">
+                        <a:buNone/>
+                      </a:pPr>
+                      <a:r>
+                        <a:t>~350 millions/jour</a:t>
+                      </a:r>
+                    </a:p>
+                  </a:txBody>
+                  <a:tcPr/>
+                </a:tc>
+                <a:tc>
+                  <a:txBody>
+                    <a:bodyPr/>
+                    <a:lstStyle/>
+                    <a:p>
+                      <a:pPr marL="0" lvl="0" indent="0">
+                        <a:buNone/>
+                      </a:pPr>
+                      <a:r>
+                        <a:t>≈ </a:t>
+                      </a:r>
+                      <a:r>
+                        <a:rPr b="1"/>
+                        <a:t>un tiers des photos postées sur Facebook en une journée</a:t>
+                      </a:r>
+                    </a:p>
+                  </a:txBody>
+                  <a:tcPr/>
+                </a:tc>
+                <a:extLst>
+                  <a:ext uri="{0D108BD9-81ED-4DB2-BD59-A6C34878D82A}">
+                    <a16:rowId xmlns:a16="http://schemas.microsoft.com/office/drawing/2014/main" val="10002"/>
+                  </a:ext>
+                </a:extLst>
+              </a:tr>
+              <a:tr h="0">
+                <a:tc>
+                  <a:txBody>
+                    <a:bodyPr/>
+                    <a:lstStyle/>
+                    <a:p>
+                      <a:pPr marL="0" lvl="0" indent="0">
+                        <a:buNone/>
+                      </a:pPr>
+                      <a:r>
+                        <a:t>🐦 Tweets publiés</a:t>
+                      </a:r>
+                    </a:p>
+                  </a:txBody>
+                  <a:tcPr/>
+                </a:tc>
+                <a:tc>
+                  <a:txBody>
+                    <a:bodyPr/>
+                    <a:lstStyle/>
+                    <a:p>
+                      <a:pPr marL="0" lvl="0" indent="0">
+                        <a:buNone/>
+                      </a:pPr>
+                      <a:r>
+                        <a:t>~500 millions/jour</a:t>
+                      </a:r>
+                    </a:p>
+                  </a:txBody>
+                  <a:tcPr/>
+                </a:tc>
+                <a:tc>
+                  <a:txBody>
+                    <a:bodyPr/>
+                    <a:lstStyle/>
+                    <a:p>
+                      <a:pPr marL="0" lvl="0" indent="0">
+                        <a:buNone/>
+                      </a:pPr>
+                      <a:r>
+                        <a:t>≈ </a:t>
+                      </a:r>
+                      <a:r>
+                        <a:rPr b="1"/>
+                        <a:t>20 % des tweets quotidiens mondiaux</a:t>
+                      </a:r>
+                    </a:p>
+                  </a:txBody>
+                  <a:tcPr/>
+                </a:tc>
+                <a:extLst>
+                  <a:ext uri="{0D108BD9-81ED-4DB2-BD59-A6C34878D82A}">
+                    <a16:rowId xmlns:a16="http://schemas.microsoft.com/office/drawing/2014/main" val="10003"/>
+                  </a:ext>
+                </a:extLst>
+              </a:tr>
+              <a:tr h="0">
+                <a:tc>
+                  <a:txBody>
+                    <a:bodyPr/>
+                    <a:lstStyle/>
+                    <a:p>
+                      <a:pPr marL="0" lvl="0" indent="0">
+                        <a:buNone/>
+                      </a:pPr>
+                      <a:r>
+                        <a:t>💬 Messages WhatsApp</a:t>
+                      </a:r>
+                    </a:p>
+                  </a:txBody>
+                  <a:tcPr/>
+                </a:tc>
+                <a:tc>
+                  <a:txBody>
+                    <a:bodyPr/>
+                    <a:lstStyle/>
+                    <a:p>
+                      <a:pPr marL="0" lvl="0" indent="0">
+                        <a:buNone/>
+                      </a:pPr>
+                      <a:r>
+                        <a:t>~100 milliards/jour</a:t>
+                      </a:r>
+                    </a:p>
+                  </a:txBody>
+                  <a:tcPr/>
+                </a:tc>
+                <a:tc>
+                  <a:txBody>
+                    <a:bodyPr/>
+                    <a:lstStyle/>
+                    <a:p>
+                      <a:pPr marL="0" lvl="0" indent="0">
+                        <a:buNone/>
+                      </a:pPr>
+                      <a:r>
+                        <a:rPr dirty="0"/>
+                        <a:t>≈ </a:t>
+                      </a:r>
+                      <a:r>
+                        <a:rPr b="1" dirty="0"/>
+                        <a:t>0,1 % des messages WhatsApp </a:t>
+                      </a:r>
+                      <a:r>
+                        <a:rPr b="1" dirty="0" err="1"/>
+                        <a:t>quotidiens</a:t>
+                      </a:r>
+                      <a:endParaRPr b="1" dirty="0"/>
+                    </a:p>
+                  </a:txBody>
+                  <a:tcPr/>
+                </a:tc>
+                <a:extLst>
+                  <a:ext uri="{0D108BD9-81ED-4DB2-BD59-A6C34878D82A}">
+                    <a16:rowId xmlns:a16="http://schemas.microsoft.com/office/drawing/2014/main" val="10004"/>
+                  </a:ext>
+                </a:extLst>
+              </a:tr>
+            </a:tbl>
+          </a:graphicData>
+        </a:graphic>
+      </p:graphicFrame>
+    </p:spTree>
+  </p:cSld>
+  <p:clrMapOvr>
+    <a:masterClrMapping/>
+  </p:clrMapOvr>
+</p:sld>
+</file>
+
+<file path=ppt/slides/slide5.xml><?xml version="1.0" encoding="utf-8"?>
+<p:sld xmlns:a="http://schemas.openxmlformats.org/drawingml/2006/main" xmlns:r="http://schemas.openxmlformats.org/officeDocument/2006/relationships" xmlns:p="http://schemas.openxmlformats.org/presentationml/2006/main">
+  <p:cSld>
+    <p:spTree>
+      <p:nvGrpSpPr>
+        <p:cNvPr id="1" name=""/>
+        <p:cNvGrpSpPr/>
+        <p:nvPr/>
+      </p:nvGrpSpPr>
+      <p:grpSpPr>
+        <a:xfrm>
+          <a:off x="0" y="0"/>
+          <a:ext cx="0" cy="0"/>
+          <a:chOff x="0" y="0"/>
+          <a:chExt cx="0" cy="0"/>
+        </a:xfrm>
+      </p:grpSpPr>
+      <p:sp>
+        <p:nvSpPr>
+          <p:cNvPr id="2" name="Title 1"/>
+          <p:cNvSpPr>
+            <a:spLocks noGrp="1"/>
+          </p:cNvSpPr>
+          <p:nvPr>
+            <p:ph type="title"/>
+          </p:nvPr>
+        </p:nvSpPr>
+        <p:spPr>
+          <a:xfrm>
+            <a:off x="800100" y="267199"/>
+            <a:ext cx="7543800" cy="1028700"/>
+          </a:xfrm>
+        </p:spPr>
+        <p:txBody>
+          <a:bodyPr/>
+          <a:lstStyle/>
+          <a:p>
+            <a:pPr marL="0" lvl="0" indent="0">
+              <a:buNone/>
+            </a:pPr>
+            <a:r>
+              <a:rPr dirty="0"/>
+              <a:t>📦 </a:t>
+            </a:r>
+            <a:r>
+              <a:rPr b="1" dirty="0" err="1"/>
+              <a:t>Industrie</a:t>
+            </a:r>
+            <a:r>
+              <a:rPr b="1" dirty="0"/>
+              <a:t> &amp; </a:t>
+            </a:r>
+            <a:r>
+              <a:rPr b="1" dirty="0" err="1"/>
+              <a:t>logistique</a:t>
+            </a:r>
+            <a:endParaRPr b="1" dirty="0"/>
+          </a:p>
+        </p:txBody>
+      </p:sp>
+      <p:graphicFrame>
+        <p:nvGraphicFramePr>
+          <p:cNvPr id="6" name="Content Placeholder 5"/>
+          <p:cNvGraphicFramePr>
+            <a:graphicFrameLocks noGrp="1"/>
+          </p:cNvGraphicFramePr>
+          <p:nvPr>
+            <p:ph idx="1"/>
+          </p:nvPr>
+        </p:nvGraphicFramePr>
+        <p:xfrm>
+          <a:off x="457200" y="1193800"/>
+          <a:ext cx="8229600" cy="1097280"/>
+        </p:xfrm>
+        <a:graphic>
+          <a:graphicData uri="http://schemas.openxmlformats.org/drawingml/2006/table">
+            <a:tbl>
+              <a:tblPr firstRow="1" bandRow="1">
+                <a:tableStyleId>{5C22544A-7EE6-4342-B048-85BDC9FD1C3A}</a:tableStyleId>
+              </a:tblPr>
+              <a:tblGrid>
+                <a:gridCol w="2743200">
+                  <a:extLst>
+                    <a:ext uri="{9D8B030D-6E8A-4147-A177-3AD203B41FA5}">
+                      <a16:colId xmlns:a16="http://schemas.microsoft.com/office/drawing/2014/main" val="20000"/>
+                    </a:ext>
+                  </a:extLst>
+                </a:gridCol>
+                <a:gridCol w="1943100">
+                  <a:extLst>
+                    <a:ext uri="{9D8B030D-6E8A-4147-A177-3AD203B41FA5}">
+                      <a16:colId xmlns:a16="http://schemas.microsoft.com/office/drawing/2014/main" val="20001"/>
+                    </a:ext>
+                  </a:extLst>
+                </a:gridCol>
+                <a:gridCol w="3543300">
+                  <a:extLst>
+                    <a:ext uri="{9D8B030D-6E8A-4147-A177-3AD203B41FA5}">
+                      <a16:colId xmlns:a16="http://schemas.microsoft.com/office/drawing/2014/main" val="20002"/>
+                    </a:ext>
+                  </a:extLst>
+                </a:gridCol>
+              </a:tblGrid>
+              <a:tr h="0">
+                <a:tc>
+                  <a:txBody>
+                    <a:bodyPr/>
+                    <a:lstStyle/>
+                    <a:p>
+                      <a:pPr marL="0" lvl="0" indent="0">
+                        <a:buNone/>
+                      </a:pPr>
+                      <a:r>
+                        <a:t>Domaine</a:t>
+                      </a:r>
+                    </a:p>
+                  </a:txBody>
+                  <a:tcPr/>
+                </a:tc>
+                <a:tc>
+                  <a:txBody>
+                    <a:bodyPr/>
+                    <a:lstStyle/>
+                    <a:p>
+                      <a:pPr marL="0" lvl="0" indent="0">
+                        <a:buNone/>
+                      </a:pPr>
+                      <a:r>
+                        <a:t>Volume typique</a:t>
+                      </a:r>
+                    </a:p>
+                  </a:txBody>
+                  <a:tcPr/>
+                </a:tc>
+                <a:tc>
+                  <a:txBody>
+                    <a:bodyPr/>
+                    <a:lstStyle/>
+                    <a:p>
+                      <a:pPr marL="0" lvl="0" indent="0">
+                        <a:buNone/>
+                      </a:pPr>
+                      <a:r>
+                        <a:t>Équivalence</a:t>
+                      </a:r>
+                    </a:p>
+                  </a:txBody>
+                  <a:tcPr/>
+                </a:tc>
+                <a:extLst>
+                  <a:ext uri="{0D108BD9-81ED-4DB2-BD59-A6C34878D82A}">
+                    <a16:rowId xmlns:a16="http://schemas.microsoft.com/office/drawing/2014/main" val="10000"/>
+                  </a:ext>
+                </a:extLst>
+              </a:tr>
+              <a:tr h="0">
+                <a:tc>
+                  <a:txBody>
+                    <a:bodyPr/>
+                    <a:lstStyle/>
+                    <a:p>
+                      <a:pPr marL="0" lvl="0" indent="0">
+                        <a:buNone/>
+                      </a:pPr>
+                      <a:r>
+                        <a:t>📦 Colis traités par Amazon</a:t>
+                      </a:r>
+                    </a:p>
+                  </a:txBody>
+                  <a:tcPr/>
+                </a:tc>
+                <a:tc>
+                  <a:txBody>
+                    <a:bodyPr/>
+                    <a:lstStyle/>
+                    <a:p>
+                      <a:pPr marL="0" lvl="0" indent="0">
+                        <a:buNone/>
+                      </a:pPr>
+                      <a:r>
+                        <a:t>~66 millions/jour</a:t>
+                      </a:r>
+                    </a:p>
+                  </a:txBody>
+                  <a:tcPr/>
+                </a:tc>
+                <a:tc>
+                  <a:txBody>
+                    <a:bodyPr/>
+                    <a:lstStyle/>
+                    <a:p>
+                      <a:pPr marL="0" lvl="0" indent="0">
+                        <a:buNone/>
+                      </a:pPr>
+                      <a:r>
+                        <a:t>≈ </a:t>
+                      </a:r>
+                      <a:r>
+                        <a:rPr b="1"/>
+                        <a:t>1,5 jour d’activité Amazon monde</a:t>
+                      </a:r>
+                    </a:p>
+                  </a:txBody>
+                  <a:tcPr/>
+                </a:tc>
+                <a:extLst>
+                  <a:ext uri="{0D108BD9-81ED-4DB2-BD59-A6C34878D82A}">
+                    <a16:rowId xmlns:a16="http://schemas.microsoft.com/office/drawing/2014/main" val="10001"/>
+                  </a:ext>
+                </a:extLst>
+              </a:tr>
+              <a:tr h="0">
+                <a:tc>
+                  <a:txBody>
+                    <a:bodyPr/>
+                    <a:lstStyle/>
+                    <a:p>
+                      <a:pPr marL="0" lvl="0" indent="0">
+                        <a:buNone/>
+                      </a:pPr>
+                      <a:r>
+                        <a:t>🚚 Colis livrés par La Poste/Colissimo (France)</a:t>
+                      </a:r>
+                    </a:p>
+                  </a:txBody>
+                  <a:tcPr/>
+                </a:tc>
+                <a:tc>
+                  <a:txBody>
+                    <a:bodyPr/>
+                    <a:lstStyle/>
+                    <a:p>
+                      <a:pPr marL="0" lvl="0" indent="0">
+                        <a:buNone/>
+                      </a:pPr>
+                      <a:r>
+                        <a:t>~2 millions/jour</a:t>
+                      </a:r>
+                    </a:p>
+                  </a:txBody>
+                  <a:tcPr/>
+                </a:tc>
+                <a:tc>
+                  <a:txBody>
+                    <a:bodyPr/>
+                    <a:lstStyle/>
+                    <a:p>
+                      <a:pPr marL="0" lvl="0" indent="0">
+                        <a:buNone/>
+                      </a:pPr>
+                      <a:r>
+                        <a:t>≈ </a:t>
+                      </a:r>
+                      <a:r>
+                        <a:rPr b="1"/>
+                        <a:t>50 jours d’activité</a:t>
+                      </a:r>
+                    </a:p>
+                  </a:txBody>
+                  <a:tcPr/>
+                </a:tc>
+                <a:extLst>
+                  <a:ext uri="{0D108BD9-81ED-4DB2-BD59-A6C34878D82A}">
+                    <a16:rowId xmlns:a16="http://schemas.microsoft.com/office/drawing/2014/main" val="10002"/>
+                  </a:ext>
+                </a:extLst>
+              </a:tr>
+            </a:tbl>
+          </a:graphicData>
+        </a:graphic>
+      </p:graphicFrame>
+      <p:sp>
+        <p:nvSpPr>
+          <p:cNvPr id="3" name="Title 1"/>
+          <p:cNvSpPr txBox="1">
+            <a:spLocks/>
+          </p:cNvSpPr>
+          <p:nvPr/>
+        </p:nvSpPr>
+        <p:spPr>
+          <a:xfrm>
+            <a:off x="751609" y="2253481"/>
+            <a:ext cx="7543800" cy="1028700"/>
+          </a:xfrm>
+          <a:prstGeom prst="rect">
+            <a:avLst/>
+          </a:prstGeom>
+        </p:spPr>
+        <p:txBody>
+          <a:bodyPr vert="horz" lIns="91440" tIns="45720" rIns="91440" bIns="45720" rtlCol="0" anchor="ctr">
+            <a:normAutofit/>
+          </a:bodyPr>
+          <a:lstStyle>
+            <a:lvl1pPr algn="l" defTabSz="685800" rtl="0" eaLnBrk="1" latinLnBrk="0" hangingPunct="1">
+              <a:lnSpc>
+                <a:spcPct val="90000"/>
+              </a:lnSpc>
+              <a:spcBef>
+                <a:spcPct val="0"/>
+              </a:spcBef>
+              <a:buNone/>
+              <a:defRPr lang="en-US" sz="3600" kern="1200" cap="none" spc="0" baseline="0" dirty="0">
+                <a:solidFill>
+                  <a:schemeClr val="tx1">
+                    <a:lumMod val="85000"/>
+                    <a:lumOff val="15000"/>
+                  </a:schemeClr>
+                </a:solidFill>
+                <a:effectLst/>
+                <a:latin typeface="+mj-lt"/>
+                <a:ea typeface="+mn-ea"/>
+                <a:cs typeface="+mn-cs"/>
+              </a:defRPr>
+            </a:lvl1pPr>
+          </a:lstStyle>
+          <a:p>
+            <a:r>
+              <a:rPr lang="fr-FR"/>
+              <a:t>📞 </a:t>
+            </a:r>
+            <a:r>
+              <a:rPr lang="fr-FR" b="1"/>
+              <a:t>Télécom &amp; numérique</a:t>
+            </a:r>
+          </a:p>
+        </p:txBody>
+      </p:sp>
+      <p:graphicFrame>
+        <p:nvGraphicFramePr>
+          <p:cNvPr id="4" name="Content Placeholder 5"/>
+          <p:cNvGraphicFramePr>
+            <a:graphicFrameLocks/>
+          </p:cNvGraphicFramePr>
+          <p:nvPr>
+            <p:extLst>
+              <p:ext uri="{D42A27DB-BD31-4B8C-83A1-F6EECF244321}">
+                <p14:modId xmlns:p14="http://schemas.microsoft.com/office/powerpoint/2010/main" val="1404350349"/>
+              </p:ext>
+            </p:extLst>
+          </p:nvPr>
+        </p:nvGraphicFramePr>
+        <p:xfrm>
+          <a:off x="408709" y="2965335"/>
+          <a:ext cx="8229600" cy="1394460"/>
+        </p:xfrm>
+        <a:graphic>
+          <a:graphicData uri="http://schemas.openxmlformats.org/drawingml/2006/table">
+            <a:tbl>
+              <a:tblPr firstRow="1" bandRow="1">
+                <a:tableStyleId>{5C22544A-7EE6-4342-B048-85BDC9FD1C3A}</a:tableStyleId>
+              </a:tblPr>
+              <a:tblGrid>
+                <a:gridCol w="2400300">
+                  <a:extLst>
+                    <a:ext uri="{9D8B030D-6E8A-4147-A177-3AD203B41FA5}">
+                      <a16:colId xmlns:a16="http://schemas.microsoft.com/office/drawing/2014/main" val="20000"/>
+                    </a:ext>
+                  </a:extLst>
+                </a:gridCol>
+                <a:gridCol w="1943100">
+                  <a:extLst>
+                    <a:ext uri="{9D8B030D-6E8A-4147-A177-3AD203B41FA5}">
+                      <a16:colId xmlns:a16="http://schemas.microsoft.com/office/drawing/2014/main" val="20001"/>
+                    </a:ext>
+                  </a:extLst>
+                </a:gridCol>
+                <a:gridCol w="3886200">
+                  <a:extLst>
+                    <a:ext uri="{9D8B030D-6E8A-4147-A177-3AD203B41FA5}">
+                      <a16:colId xmlns:a16="http://schemas.microsoft.com/office/drawing/2014/main" val="20002"/>
+                    </a:ext>
+                  </a:extLst>
+                </a:gridCol>
+              </a:tblGrid>
+              <a:tr h="0">
+                <a:tc>
+                  <a:txBody>
+                    <a:bodyPr/>
+                    <a:lstStyle/>
+                    <a:p>
+                      <a:pPr marL="0" lvl="0" indent="0">
+                        <a:buNone/>
+                      </a:pPr>
+                      <a:r>
+                        <a:t>Domaine</a:t>
+                      </a:r>
+                    </a:p>
+                  </a:txBody>
+                  <a:tcPr/>
+                </a:tc>
+                <a:tc>
+                  <a:txBody>
+                    <a:bodyPr/>
+                    <a:lstStyle/>
+                    <a:p>
+                      <a:pPr marL="0" lvl="0" indent="0">
+                        <a:buNone/>
+                      </a:pPr>
+                      <a:r>
+                        <a:t>Volume typique</a:t>
+                      </a:r>
+                    </a:p>
+                  </a:txBody>
+                  <a:tcPr/>
+                </a:tc>
+                <a:tc>
+                  <a:txBody>
+                    <a:bodyPr/>
+                    <a:lstStyle/>
+                    <a:p>
+                      <a:pPr marL="0" lvl="0" indent="0">
+                        <a:buNone/>
+                      </a:pPr>
+                      <a:r>
+                        <a:t>Équivalence</a:t>
+                      </a:r>
+                    </a:p>
+                  </a:txBody>
+                  <a:tcPr/>
+                </a:tc>
+                <a:extLst>
+                  <a:ext uri="{0D108BD9-81ED-4DB2-BD59-A6C34878D82A}">
+                    <a16:rowId xmlns:a16="http://schemas.microsoft.com/office/drawing/2014/main" val="10000"/>
+                  </a:ext>
+                </a:extLst>
+              </a:tr>
+              <a:tr h="0">
+                <a:tc>
+                  <a:txBody>
+                    <a:bodyPr/>
+                    <a:lstStyle/>
+                    <a:p>
+                      <a:pPr marL="0" lvl="0" indent="0">
+                        <a:buNone/>
+                      </a:pPr>
+                      <a:r>
+                        <a:t>📱 SMS envoyés en France</a:t>
+                      </a:r>
+                    </a:p>
+                  </a:txBody>
+                  <a:tcPr/>
+                </a:tc>
+                <a:tc>
+                  <a:txBody>
+                    <a:bodyPr/>
+                    <a:lstStyle/>
+                    <a:p>
+                      <a:pPr marL="0" lvl="0" indent="0">
+                        <a:buNone/>
+                      </a:pPr>
+                      <a:r>
+                        <a:t>~150 millions/jour</a:t>
+                      </a:r>
+                    </a:p>
+                  </a:txBody>
+                  <a:tcPr/>
+                </a:tc>
+                <a:tc>
+                  <a:txBody>
+                    <a:bodyPr/>
+                    <a:lstStyle/>
+                    <a:p>
+                      <a:pPr marL="0" lvl="0" indent="0">
+                        <a:buNone/>
+                      </a:pPr>
+                      <a:r>
+                        <a:t>≈ </a:t>
+                      </a:r>
+                      <a:r>
+                        <a:rPr b="1"/>
+                        <a:t>les SMS envoyés en France en une journée</a:t>
+                      </a:r>
+                    </a:p>
+                  </a:txBody>
+                  <a:tcPr/>
+                </a:tc>
+                <a:extLst>
+                  <a:ext uri="{0D108BD9-81ED-4DB2-BD59-A6C34878D82A}">
+                    <a16:rowId xmlns:a16="http://schemas.microsoft.com/office/drawing/2014/main" val="10001"/>
+                  </a:ext>
+                </a:extLst>
+              </a:tr>
+              <a:tr h="0">
+                <a:tc>
+                  <a:txBody>
+                    <a:bodyPr/>
+                    <a:lstStyle/>
+                    <a:p>
+                      <a:pPr marL="0" lvl="0" indent="0">
+                        <a:buNone/>
+                      </a:pPr>
+                      <a:r>
+                        <a:t>📡 Appels téléphoniques en France</a:t>
+                      </a:r>
+                    </a:p>
+                  </a:txBody>
+                  <a:tcPr/>
+                </a:tc>
+                <a:tc>
+                  <a:txBody>
+                    <a:bodyPr/>
+                    <a:lstStyle/>
+                    <a:p>
+                      <a:pPr marL="0" lvl="0" indent="0">
+                        <a:buNone/>
+                      </a:pPr>
+                      <a:r>
+                        <a:t>~100 millions/jour</a:t>
+                      </a:r>
+                    </a:p>
+                  </a:txBody>
+                  <a:tcPr/>
+                </a:tc>
+                <a:tc>
+                  <a:txBody>
+                    <a:bodyPr/>
+                    <a:lstStyle/>
+                    <a:p>
+                      <a:pPr marL="0" lvl="0" indent="0">
+                        <a:buNone/>
+                      </a:pPr>
+                      <a:r>
+                        <a:t>≈ </a:t>
+                      </a:r>
+                      <a:r>
+                        <a:rPr b="1"/>
+                        <a:t>un jour complet de communications téléphoniques</a:t>
+                      </a:r>
+                    </a:p>
+                  </a:txBody>
+                  <a:tcPr/>
+                </a:tc>
+                <a:extLst>
+                  <a:ext uri="{0D108BD9-81ED-4DB2-BD59-A6C34878D82A}">
+                    <a16:rowId xmlns:a16="http://schemas.microsoft.com/office/drawing/2014/main" val="10002"/>
+                  </a:ext>
+                </a:extLst>
+              </a:tr>
+              <a:tr h="0">
+                <a:tc>
+                  <a:txBody>
+                    <a:bodyPr/>
+                    <a:lstStyle/>
+                    <a:p>
+                      <a:pPr marL="0" lvl="0" indent="0">
+                        <a:buNone/>
+                      </a:pPr>
+                      <a:r>
+                        <a:t>🔌 Requêtes Internet Google</a:t>
+                      </a:r>
+                    </a:p>
+                  </a:txBody>
+                  <a:tcPr/>
+                </a:tc>
+                <a:tc>
+                  <a:txBody>
+                    <a:bodyPr/>
+                    <a:lstStyle/>
+                    <a:p>
+                      <a:pPr marL="0" lvl="0" indent="0">
+                        <a:buNone/>
+                      </a:pPr>
+                      <a:r>
+                        <a:t>~8,5 milliards/jour</a:t>
+                      </a:r>
+                    </a:p>
+                  </a:txBody>
+                  <a:tcPr/>
+                </a:tc>
+                <a:tc>
+                  <a:txBody>
+                    <a:bodyPr/>
+                    <a:lstStyle/>
+                    <a:p>
+                      <a:pPr marL="0" lvl="0" indent="0">
+                        <a:buNone/>
+                      </a:pPr>
+                      <a:r>
+                        <a:t>100 millions ≈ </a:t>
+                      </a:r>
+                      <a:r>
+                        <a:rPr b="1"/>
+                        <a:t>15 minutes de recherches Google</a:t>
+                      </a:r>
+                    </a:p>
+                  </a:txBody>
+                  <a:tcPr/>
+                </a:tc>
+                <a:extLst>
+                  <a:ext uri="{0D108BD9-81ED-4DB2-BD59-A6C34878D82A}">
+                    <a16:rowId xmlns:a16="http://schemas.microsoft.com/office/drawing/2014/main" val="10003"/>
+                  </a:ext>
+                </a:extLst>
+              </a:tr>
+            </a:tbl>
+          </a:graphicData>
+        </a:graphic>
+      </p:graphicFrame>
+    </p:spTree>
+  </p:cSld>
+  <p:clrMapOvr>
+    <a:masterClrMapping/>
+  </p:clrMapOvr>
+</p:sld>
+</file>
+
+<file path=ppt/slides/slide6.xml><?xml version="1.0" encoding="utf-8"?>
+<p:sld xmlns:a="http://schemas.openxmlformats.org/drawingml/2006/main" xmlns:r="http://schemas.openxmlformats.org/officeDocument/2006/relationships" xmlns:p="http://schemas.openxmlformats.org/presentationml/2006/main">
+  <p:cSld>
+    <p:spTree>
+      <p:nvGrpSpPr>
+        <p:cNvPr id="1" name=""/>
+        <p:cNvGrpSpPr/>
+        <p:nvPr/>
+      </p:nvGrpSpPr>
+      <p:grpSpPr>
+        <a:xfrm>
+          <a:off x="0" y="0"/>
+          <a:ext cx="0" cy="0"/>
+          <a:chOff x="0" y="0"/>
+          <a:chExt cx="0" cy="0"/>
+        </a:xfrm>
+      </p:grpSpPr>
+      <p:sp>
+        <p:nvSpPr>
+          <p:cNvPr id="2" name="Title 1"/>
+          <p:cNvSpPr>
+            <a:spLocks noGrp="1"/>
+          </p:cNvSpPr>
+          <p:nvPr>
+            <p:ph type="title"/>
+          </p:nvPr>
+        </p:nvSpPr>
+        <p:spPr/>
+        <p:txBody>
+          <a:bodyPr/>
+          <a:lstStyle/>
+          <a:p>
+            <a:pPr marL="0" lvl="0" indent="0">
+              <a:buNone/>
+            </a:pPr>
+            <a:r>
+              <a:rPr dirty="0"/>
+              <a:t>🚗 </a:t>
+            </a:r>
+            <a:r>
+              <a:rPr b="1" dirty="0" err="1"/>
+              <a:t>Mobilité</a:t>
+            </a:r>
+            <a:r>
+              <a:rPr b="1" dirty="0"/>
+              <a:t> &amp; transport</a:t>
+            </a:r>
+          </a:p>
+        </p:txBody>
+      </p:sp>
+      <p:graphicFrame>
+        <p:nvGraphicFramePr>
+          <p:cNvPr id="6" name="Content Placeholder 5"/>
+          <p:cNvGraphicFramePr>
+            <a:graphicFrameLocks noGrp="1"/>
+          </p:cNvGraphicFramePr>
+          <p:nvPr>
+            <p:ph idx="1"/>
+            <p:extLst>
+              <p:ext uri="{D42A27DB-BD31-4B8C-83A1-F6EECF244321}">
+                <p14:modId xmlns:p14="http://schemas.microsoft.com/office/powerpoint/2010/main" val="1970894309"/>
+              </p:ext>
+            </p:extLst>
+          </p:nvPr>
+        </p:nvGraphicFramePr>
+        <p:xfrm>
+          <a:off x="457200" y="1512454"/>
+          <a:ext cx="8242300" cy="1188720"/>
+        </p:xfrm>
+        <a:graphic>
+          <a:graphicData uri="http://schemas.openxmlformats.org/drawingml/2006/table">
+            <a:tbl>
+              <a:tblPr firstRow="1" bandRow="1">
+                <a:tableStyleId>{5C22544A-7EE6-4342-B048-85BDC9FD1C3A}</a:tableStyleId>
+              </a:tblPr>
+              <a:tblGrid>
+                <a:gridCol w="3162300">
+                  <a:extLst>
+                    <a:ext uri="{9D8B030D-6E8A-4147-A177-3AD203B41FA5}">
+                      <a16:colId xmlns:a16="http://schemas.microsoft.com/office/drawing/2014/main" val="20000"/>
+                    </a:ext>
+                  </a:extLst>
+                </a:gridCol>
+                <a:gridCol w="1917700">
+                  <a:extLst>
+                    <a:ext uri="{9D8B030D-6E8A-4147-A177-3AD203B41FA5}">
+                      <a16:colId xmlns:a16="http://schemas.microsoft.com/office/drawing/2014/main" val="20001"/>
+                    </a:ext>
+                  </a:extLst>
+                </a:gridCol>
+                <a:gridCol w="3162300">
+                  <a:extLst>
+                    <a:ext uri="{9D8B030D-6E8A-4147-A177-3AD203B41FA5}">
+                      <a16:colId xmlns:a16="http://schemas.microsoft.com/office/drawing/2014/main" val="20002"/>
+                    </a:ext>
+                  </a:extLst>
+                </a:gridCol>
+              </a:tblGrid>
+              <a:tr h="0">
+                <a:tc>
+                  <a:txBody>
+                    <a:bodyPr/>
+                    <a:lstStyle/>
+                    <a:p>
+                      <a:pPr marL="0" lvl="0" indent="0">
+                        <a:buNone/>
+                      </a:pPr>
+                      <a:r>
+                        <a:t>Domaine</a:t>
+                      </a:r>
+                    </a:p>
+                  </a:txBody>
+                  <a:tcPr/>
+                </a:tc>
+                <a:tc>
+                  <a:txBody>
+                    <a:bodyPr/>
+                    <a:lstStyle/>
+                    <a:p>
+                      <a:pPr marL="0" lvl="0" indent="0">
+                        <a:buNone/>
+                      </a:pPr>
+                      <a:r>
+                        <a:t>Volume typique</a:t>
+                      </a:r>
+                    </a:p>
+                  </a:txBody>
+                  <a:tcPr/>
+                </a:tc>
+                <a:tc>
+                  <a:txBody>
+                    <a:bodyPr/>
+                    <a:lstStyle/>
+                    <a:p>
+                      <a:pPr marL="0" lvl="0" indent="0">
+                        <a:buNone/>
+                      </a:pPr>
+                      <a:r>
+                        <a:t>Équivalence</a:t>
+                      </a:r>
+                    </a:p>
+                  </a:txBody>
+                  <a:tcPr/>
+                </a:tc>
+                <a:extLst>
+                  <a:ext uri="{0D108BD9-81ED-4DB2-BD59-A6C34878D82A}">
+                    <a16:rowId xmlns:a16="http://schemas.microsoft.com/office/drawing/2014/main" val="10000"/>
+                  </a:ext>
+                </a:extLst>
+              </a:tr>
+              <a:tr h="0">
+                <a:tc>
+                  <a:txBody>
+                    <a:bodyPr/>
+                    <a:lstStyle/>
+                    <a:p>
+                      <a:pPr marL="0" lvl="0" indent="0">
+                        <a:buNone/>
+                      </a:pPr>
+                      <a:r>
+                        <a:rPr dirty="0"/>
+                        <a:t>🚗 </a:t>
+                      </a:r>
+                      <a:r>
+                        <a:rPr dirty="0" err="1"/>
+                        <a:t>Trajets</a:t>
+                      </a:r>
+                      <a:r>
+                        <a:rPr dirty="0"/>
+                        <a:t> Uber monde</a:t>
+                      </a:r>
+                    </a:p>
+                  </a:txBody>
+                  <a:tcPr/>
+                </a:tc>
+                <a:tc>
+                  <a:txBody>
+                    <a:bodyPr/>
+                    <a:lstStyle/>
+                    <a:p>
+                      <a:pPr marL="0" lvl="0" indent="0">
+                        <a:buNone/>
+                      </a:pPr>
+                      <a:r>
+                        <a:t>~25 millions/jour</a:t>
+                      </a:r>
+                    </a:p>
+                  </a:txBody>
+                  <a:tcPr/>
+                </a:tc>
+                <a:tc>
+                  <a:txBody>
+                    <a:bodyPr/>
+                    <a:lstStyle/>
+                    <a:p>
+                      <a:pPr marL="0" lvl="0" indent="0">
+                        <a:buNone/>
+                      </a:pPr>
+                      <a:r>
+                        <a:t>≈ </a:t>
+                      </a:r>
+                      <a:r>
+                        <a:rPr b="1"/>
+                        <a:t>4 jours d’activité Uber</a:t>
+                      </a:r>
+                    </a:p>
+                  </a:txBody>
+                  <a:tcPr/>
+                </a:tc>
+                <a:extLst>
+                  <a:ext uri="{0D108BD9-81ED-4DB2-BD59-A6C34878D82A}">
+                    <a16:rowId xmlns:a16="http://schemas.microsoft.com/office/drawing/2014/main" val="10001"/>
+                  </a:ext>
+                </a:extLst>
+              </a:tr>
+              <a:tr h="0">
+                <a:tc>
+                  <a:txBody>
+                    <a:bodyPr/>
+                    <a:lstStyle/>
+                    <a:p>
+                      <a:pPr marL="0" lvl="0" indent="0">
+                        <a:buNone/>
+                      </a:pPr>
+                      <a:r>
+                        <a:t>🚆 Voyages SNCF (annuel ~1,7 milliard)</a:t>
+                      </a:r>
+                    </a:p>
+                  </a:txBody>
+                  <a:tcPr/>
+                </a:tc>
+                <a:tc>
+                  <a:txBody>
+                    <a:bodyPr/>
+                    <a:lstStyle/>
+                    <a:p>
+                      <a:pPr marL="0" lvl="0" indent="0">
+                        <a:buNone/>
+                      </a:pPr>
+                      <a:r>
+                        <a:t>~4,6 millions/jour</a:t>
+                      </a:r>
+                    </a:p>
+                  </a:txBody>
+                  <a:tcPr/>
+                </a:tc>
+                <a:tc>
+                  <a:txBody>
+                    <a:bodyPr/>
+                    <a:lstStyle/>
+                    <a:p>
+                      <a:pPr marL="0" lvl="0" indent="0">
+                        <a:buNone/>
+                      </a:pPr>
+                      <a:r>
+                        <a:t>≈ </a:t>
+                      </a:r>
+                      <a:r>
+                        <a:rPr b="1"/>
+                        <a:t>3 semaines de trajets SNCF</a:t>
+                      </a:r>
+                    </a:p>
+                  </a:txBody>
+                  <a:tcPr/>
+                </a:tc>
+                <a:extLst>
+                  <a:ext uri="{0D108BD9-81ED-4DB2-BD59-A6C34878D82A}">
+                    <a16:rowId xmlns:a16="http://schemas.microsoft.com/office/drawing/2014/main" val="10002"/>
+                  </a:ext>
+                </a:extLst>
+              </a:tr>
+              <a:tr h="0">
+                <a:tc>
+                  <a:txBody>
+                    <a:bodyPr/>
+                    <a:lstStyle/>
+                    <a:p>
+                      <a:pPr marL="0" lvl="0" indent="0">
+                        <a:buNone/>
+                      </a:pPr>
+                      <a:r>
+                        <a:t>✈️ Passagers aériens monde</a:t>
+                      </a:r>
+                    </a:p>
+                  </a:txBody>
+                  <a:tcPr/>
+                </a:tc>
+                <a:tc>
+                  <a:txBody>
+                    <a:bodyPr/>
+                    <a:lstStyle/>
+                    <a:p>
+                      <a:pPr marL="0" lvl="0" indent="0">
+                        <a:buNone/>
+                      </a:pPr>
+                      <a:r>
+                        <a:t>~12 millions/jour</a:t>
+                      </a:r>
+                    </a:p>
+                  </a:txBody>
+                  <a:tcPr/>
+                </a:tc>
+                <a:tc>
+                  <a:txBody>
+                    <a:bodyPr/>
+                    <a:lstStyle/>
+                    <a:p>
+                      <a:pPr marL="0" lvl="0" indent="0">
+                        <a:buNone/>
+                      </a:pPr>
+                      <a:r>
+                        <a:rPr dirty="0"/>
+                        <a:t>≈ </a:t>
+                      </a:r>
+                      <a:r>
+                        <a:rPr b="1" dirty="0"/>
+                        <a:t>8 </a:t>
+                      </a:r>
+                      <a:r>
+                        <a:rPr b="1" dirty="0" err="1"/>
+                        <a:t>jours</a:t>
+                      </a:r>
+                      <a:r>
+                        <a:rPr b="1" dirty="0"/>
+                        <a:t> de </a:t>
+                      </a:r>
+                      <a:r>
+                        <a:rPr b="1" dirty="0" err="1"/>
+                        <a:t>trafic</a:t>
+                      </a:r>
+                      <a:r>
+                        <a:rPr b="1" dirty="0"/>
+                        <a:t> </a:t>
+                      </a:r>
+                      <a:r>
+                        <a:rPr b="1" dirty="0" err="1"/>
+                        <a:t>aérien</a:t>
+                      </a:r>
+                      <a:r>
+                        <a:rPr b="1" dirty="0"/>
+                        <a:t> </a:t>
+                      </a:r>
+                      <a:r>
+                        <a:rPr b="1" dirty="0" err="1"/>
+                        <a:t>mondial</a:t>
+                      </a:r>
+                      <a:endParaRPr b="1" dirty="0"/>
+                    </a:p>
+                  </a:txBody>
+                  <a:tcPr/>
+                </a:tc>
+                <a:extLst>
+                  <a:ext uri="{0D108BD9-81ED-4DB2-BD59-A6C34878D82A}">
+                    <a16:rowId xmlns:a16="http://schemas.microsoft.com/office/drawing/2014/main" val="10003"/>
+                  </a:ext>
+                </a:extLst>
+              </a:tr>
+            </a:tbl>
+          </a:graphicData>
+        </a:graphic>
+      </p:graphicFrame>
+    </p:spTree>
+  </p:cSld>
+  <p:clrMapOvr>
+    <a:masterClrMapping/>
+  </p:clrMapOvr>
+</p:sld>
+</file>
+
+<file path=ppt/slides/slide7.xml><?xml version="1.0" encoding="utf-8"?>
+<p:sld xmlns:a="http://schemas.openxmlformats.org/drawingml/2006/main" xmlns:r="http://schemas.openxmlformats.org/officeDocument/2006/relationships" xmlns:p="http://schemas.openxmlformats.org/presentationml/2006/main">
+  <p:cSld>
+    <p:spTree>
+      <p:nvGrpSpPr>
+        <p:cNvPr id="1" name=""/>
+        <p:cNvGrpSpPr/>
+        <p:nvPr/>
+      </p:nvGrpSpPr>
+      <p:grpSpPr>
+        <a:xfrm>
+          <a:off x="0" y="0"/>
+          <a:ext cx="0" cy="0"/>
+          <a:chOff x="0" y="0"/>
+          <a:chExt cx="0" cy="0"/>
+        </a:xfrm>
+      </p:grpSpPr>
+      <p:sp>
+        <p:nvSpPr>
+          <p:cNvPr id="2" name="Title 1"/>
+          <p:cNvSpPr>
+            <a:spLocks noGrp="1"/>
+          </p:cNvSpPr>
+          <p:nvPr>
+            <p:ph type="ctrTitle"/>
+          </p:nvPr>
+        </p:nvSpPr>
+        <p:spPr>
+          <a:xfrm>
+            <a:off x="685800" y="2394456"/>
+            <a:ext cx="7772400" cy="1102519"/>
+          </a:xfrm>
+        </p:spPr>
+        <p:txBody>
+          <a:bodyPr/>
+          <a:lstStyle/>
+          <a:p>
+            <a:pPr marL="0" lvl="0" indent="0">
+              <a:buNone/>
+            </a:pPr>
+            <a:r>
+              <a:rPr dirty="0"/>
+              <a:t>Le jeu </a:t>
+            </a:r>
+            <a:br>
+              <a:rPr dirty="0"/>
+            </a:br>
+            <a:r>
+              <a:rPr dirty="0"/>
+              <a:t>de données</a:t>
+            </a:r>
+          </a:p>
+        </p:txBody>
+      </p:sp>
+      <p:sp>
+        <p:nvSpPr>
+          <p:cNvPr id="3" name="Subtitle 2"/>
+          <p:cNvSpPr>
+            <a:spLocks noGrp="1"/>
+          </p:cNvSpPr>
+          <p:nvPr>
+            <p:ph type="subTitle" idx="1"/>
+          </p:nvPr>
+        </p:nvSpPr>
+        <p:spPr>
+          <a:xfrm>
+            <a:off x="1371600" y="2914650"/>
+            <a:ext cx="6400800" cy="1314450"/>
+          </a:xfrm>
+        </p:spPr>
+        <p:txBody>
+          <a:bodyPr/>
+          <a:lstStyle/>
+          <a:p>
+            <a:pPr marL="0" lvl="0" indent="0">
+              <a:buNone/>
+            </a:pPr>
+            <a:br>
+              <a:rPr dirty="0"/>
+            </a:br>
+            <a:br>
+              <a:rPr dirty="0"/>
+            </a:br>
+            <a:endParaRPr dirty="0"/>
+          </a:p>
+        </p:txBody>
+      </p:sp>
+    </p:spTree>
+    <p:extLst>
+      <p:ext uri="{BB962C8B-B14F-4D97-AF65-F5344CB8AC3E}">
+        <p14:creationId xmlns:p14="http://schemas.microsoft.com/office/powerpoint/2010/main" val="1019779711"/>
+      </p:ext>
+    </p:extLst>
+  </p:cSld>
+  <p:clrMapOvr>
+    <a:masterClrMapping/>
+  </p:clrMapOvr>
+</p:sld>
+</file>
+
+<file path=ppt/slides/slide8.xml><?xml version="1.0" encoding="utf-8"?>
+<p:sld xmlns:a="http://schemas.openxmlformats.org/drawingml/2006/main" xmlns:r="http://schemas.openxmlformats.org/officeDocument/2006/relationships" xmlns:p="http://schemas.openxmlformats.org/presentationml/2006/main">
+  <p:cSld>
+    <p:spTree>
+      <p:nvGrpSpPr>
+        <p:cNvPr id="1" name=""/>
+        <p:cNvGrpSpPr/>
+        <p:nvPr/>
+      </p:nvGrpSpPr>
+      <p:grpSpPr>
+        <a:xfrm>
+          <a:off x="0" y="0"/>
+          <a:ext cx="0" cy="0"/>
+          <a:chOff x="0" y="0"/>
+          <a:chExt cx="0" cy="0"/>
+        </a:xfrm>
+      </p:grpSpPr>
+      <p:sp>
+        <p:nvSpPr>
+          <p:cNvPr id="2" name="Title 1"/>
+          <p:cNvSpPr>
+            <a:spLocks noGrp="1"/>
+          </p:cNvSpPr>
+          <p:nvPr>
+            <p:ph type="title"/>
+          </p:nvPr>
+        </p:nvSpPr>
+        <p:spPr/>
+        <p:txBody>
+          <a:bodyPr/>
+          <a:lstStyle/>
+          <a:p>
+            <a:pPr marL="0" lvl="0" indent="0">
+              <a:buNone/>
+            </a:pPr>
+            <a:r>
+              <a:rPr dirty="0"/>
+              <a:t>Structure du jeu de données</a:t>
+            </a:r>
+          </a:p>
+        </p:txBody>
+      </p:sp>
+      <p:graphicFrame>
+        <p:nvGraphicFramePr>
+          <p:cNvPr id="6" name="Content Placeholder 5"/>
+          <p:cNvGraphicFramePr>
+            <a:graphicFrameLocks noGrp="1"/>
+          </p:cNvGraphicFramePr>
+          <p:nvPr>
+            <p:ph idx="1"/>
+            <p:extLst>
+              <p:ext uri="{D42A27DB-BD31-4B8C-83A1-F6EECF244321}">
+                <p14:modId xmlns:p14="http://schemas.microsoft.com/office/powerpoint/2010/main" val="3523936077"/>
+              </p:ext>
+            </p:extLst>
+          </p:nvPr>
+        </p:nvGraphicFramePr>
+        <p:xfrm>
+          <a:off x="457200" y="1506028"/>
+          <a:ext cx="8229600" cy="2080260"/>
+        </p:xfrm>
+        <a:graphic>
+          <a:graphicData uri="http://schemas.openxmlformats.org/drawingml/2006/table">
+            <a:tbl>
+              <a:tblPr firstRow="1" bandRow="1">
+                <a:tableStyleId>{5C22544A-7EE6-4342-B048-85BDC9FD1C3A}</a:tableStyleId>
+              </a:tblPr>
+              <a:tblGrid>
+                <a:gridCol w="4114800">
+                  <a:extLst>
+                    <a:ext uri="{9D8B030D-6E8A-4147-A177-3AD203B41FA5}">
+                      <a16:colId xmlns:a16="http://schemas.microsoft.com/office/drawing/2014/main" val="20000"/>
+                    </a:ext>
+                  </a:extLst>
+                </a:gridCol>
+                <a:gridCol w="4114800">
+                  <a:extLst>
+                    <a:ext uri="{9D8B030D-6E8A-4147-A177-3AD203B41FA5}">
+                      <a16:colId xmlns:a16="http://schemas.microsoft.com/office/drawing/2014/main" val="20001"/>
+                    </a:ext>
+                  </a:extLst>
+                </a:gridCol>
+              </a:tblGrid>
+              <a:tr h="0">
+                <a:tc>
+                  <a:txBody>
+                    <a:bodyPr/>
+                    <a:lstStyle/>
+                    <a:p>
+                      <a:pPr marL="0" lvl="0" indent="0">
+                        <a:buNone/>
+                      </a:pPr>
+                      <a:r>
+                        <a:rPr dirty="0" err="1"/>
+                        <a:t>Colonne</a:t>
+                      </a:r>
+                      <a:endParaRPr dirty="0"/>
+                    </a:p>
+                  </a:txBody>
+                  <a:tcPr/>
+                </a:tc>
+                <a:tc>
+                  <a:txBody>
+                    <a:bodyPr/>
+                    <a:lstStyle/>
+                    <a:p>
+                      <a:pPr marL="0" lvl="0" indent="0">
+                        <a:buNone/>
+                      </a:pPr>
+                      <a:r>
+                        <a:t>Description</a:t>
+                      </a:r>
+                    </a:p>
+                  </a:txBody>
+                  <a:tcPr/>
+                </a:tc>
+                <a:extLst>
+                  <a:ext uri="{0D108BD9-81ED-4DB2-BD59-A6C34878D82A}">
+                    <a16:rowId xmlns:a16="http://schemas.microsoft.com/office/drawing/2014/main" val="10000"/>
+                  </a:ext>
+                </a:extLst>
+              </a:tr>
+              <a:tr h="0">
+                <a:tc>
+                  <a:txBody>
+                    <a:bodyPr/>
+                    <a:lstStyle/>
+                    <a:p>
+                      <a:pPr marL="0" lvl="0" indent="0">
+                        <a:buNone/>
+                      </a:pPr>
+                      <a:r>
+                        <a:rPr dirty="0" err="1">
+                          <a:latin typeface="Courier"/>
+                        </a:rPr>
+                        <a:t>prenom</a:t>
+                      </a:r>
+                      <a:endParaRPr dirty="0">
+                        <a:latin typeface="Courier"/>
+                      </a:endParaRPr>
+                    </a:p>
+                  </a:txBody>
+                  <a:tcPr/>
+                </a:tc>
+                <a:tc>
+                  <a:txBody>
+                    <a:bodyPr/>
+                    <a:lstStyle/>
+                    <a:p>
+                      <a:pPr marL="0" lvl="0" indent="0">
+                        <a:buNone/>
+                      </a:pPr>
+                      <a:r>
+                        <a:t>Prénom simulé selon le sexe</a:t>
+                      </a:r>
+                    </a:p>
+                  </a:txBody>
+                  <a:tcPr/>
+                </a:tc>
+                <a:extLst>
+                  <a:ext uri="{0D108BD9-81ED-4DB2-BD59-A6C34878D82A}">
+                    <a16:rowId xmlns:a16="http://schemas.microsoft.com/office/drawing/2014/main" val="10001"/>
+                  </a:ext>
+                </a:extLst>
+              </a:tr>
+              <a:tr h="0">
+                <a:tc>
+                  <a:txBody>
+                    <a:bodyPr/>
+                    <a:lstStyle/>
+                    <a:p>
+                      <a:pPr marL="0" lvl="0" indent="0">
+                        <a:buNone/>
+                      </a:pPr>
+                      <a:r>
+                        <a:rPr>
+                          <a:latin typeface="Courier"/>
+                        </a:rPr>
+                        <a:t>age</a:t>
+                      </a:r>
+                    </a:p>
+                  </a:txBody>
+                  <a:tcPr/>
+                </a:tc>
+                <a:tc>
+                  <a:txBody>
+                    <a:bodyPr/>
+                    <a:lstStyle/>
+                    <a:p>
+                      <a:pPr marL="0" lvl="0" indent="0">
+                        <a:buNone/>
+                      </a:pPr>
+                      <a:r>
+                        <a:t>Âge recalculé à partir de la date de naissance</a:t>
+                      </a:r>
+                    </a:p>
+                  </a:txBody>
+                  <a:tcPr/>
+                </a:tc>
+                <a:extLst>
+                  <a:ext uri="{0D108BD9-81ED-4DB2-BD59-A6C34878D82A}">
+                    <a16:rowId xmlns:a16="http://schemas.microsoft.com/office/drawing/2014/main" val="10002"/>
+                  </a:ext>
+                </a:extLst>
+              </a:tr>
+              <a:tr h="0">
+                <a:tc>
+                  <a:txBody>
+                    <a:bodyPr/>
+                    <a:lstStyle/>
+                    <a:p>
+                      <a:pPr marL="0" lvl="0" indent="0">
+                        <a:buNone/>
+                      </a:pPr>
+                      <a:r>
+                        <a:rPr>
+                          <a:latin typeface="Courier"/>
+                        </a:rPr>
+                        <a:t>date_naissance</a:t>
+                      </a:r>
+                    </a:p>
+                  </a:txBody>
+                  <a:tcPr/>
+                </a:tc>
+                <a:tc>
+                  <a:txBody>
+                    <a:bodyPr/>
+                    <a:lstStyle/>
+                    <a:p>
+                      <a:pPr marL="0" lvl="0" indent="0">
+                        <a:buNone/>
+                      </a:pPr>
+                      <a:r>
+                        <a:t>Date de naissance cohérente avec l’âge</a:t>
+                      </a:r>
+                    </a:p>
+                  </a:txBody>
+                  <a:tcPr/>
+                </a:tc>
+                <a:extLst>
+                  <a:ext uri="{0D108BD9-81ED-4DB2-BD59-A6C34878D82A}">
+                    <a16:rowId xmlns:a16="http://schemas.microsoft.com/office/drawing/2014/main" val="10003"/>
+                  </a:ext>
+                </a:extLst>
+              </a:tr>
+              <a:tr h="0">
+                <a:tc>
+                  <a:txBody>
+                    <a:bodyPr/>
+                    <a:lstStyle/>
+                    <a:p>
+                      <a:pPr marL="0" lvl="0" indent="0">
+                        <a:buNone/>
+                      </a:pPr>
+                      <a:r>
+                        <a:rPr>
+                          <a:latin typeface="Courier"/>
+                        </a:rPr>
+                        <a:t>sexe</a:t>
+                      </a:r>
+                    </a:p>
+                  </a:txBody>
+                  <a:tcPr/>
+                </a:tc>
+                <a:tc>
+                  <a:txBody>
+                    <a:bodyPr/>
+                    <a:lstStyle/>
+                    <a:p>
+                      <a:pPr marL="0" lvl="0" indent="0">
+                        <a:buNone/>
+                      </a:pPr>
+                      <a:r>
+                        <a:t>Sexe biologique simulé (“Homme” / “Femme”)</a:t>
+                      </a:r>
+                    </a:p>
+                  </a:txBody>
+                  <a:tcPr/>
+                </a:tc>
+                <a:extLst>
+                  <a:ext uri="{0D108BD9-81ED-4DB2-BD59-A6C34878D82A}">
+                    <a16:rowId xmlns:a16="http://schemas.microsoft.com/office/drawing/2014/main" val="10004"/>
+                  </a:ext>
+                </a:extLst>
+              </a:tr>
+              <a:tr h="0">
+                <a:tc>
+                  <a:txBody>
+                    <a:bodyPr/>
+                    <a:lstStyle/>
+                    <a:p>
+                      <a:pPr marL="0" lvl="0" indent="0">
+                        <a:buNone/>
+                      </a:pPr>
+                      <a:r>
+                        <a:rPr>
+                          <a:latin typeface="Courier"/>
+                        </a:rPr>
+                        <a:t>taille</a:t>
+                      </a:r>
+                    </a:p>
+                  </a:txBody>
+                  <a:tcPr/>
+                </a:tc>
+                <a:tc>
+                  <a:txBody>
+                    <a:bodyPr/>
+                    <a:lstStyle/>
+                    <a:p>
+                      <a:pPr marL="0" lvl="0" indent="0">
+                        <a:buNone/>
+                      </a:pPr>
+                      <a:r>
+                        <a:t>Taille en cm, distribuée selon le sexe</a:t>
+                      </a:r>
+                    </a:p>
+                  </a:txBody>
+                  <a:tcPr/>
+                </a:tc>
+                <a:extLst>
+                  <a:ext uri="{0D108BD9-81ED-4DB2-BD59-A6C34878D82A}">
+                    <a16:rowId xmlns:a16="http://schemas.microsoft.com/office/drawing/2014/main" val="10005"/>
+                  </a:ext>
+                </a:extLst>
+              </a:tr>
+              <a:tr h="0">
+                <a:tc>
+                  <a:txBody>
+                    <a:bodyPr/>
+                    <a:lstStyle/>
+                    <a:p>
+                      <a:pPr marL="0" lvl="0" indent="0">
+                        <a:buNone/>
+                      </a:pPr>
+                      <a:r>
+                        <a:rPr>
+                          <a:latin typeface="Courier"/>
+                        </a:rPr>
+                        <a:t>niveau_etudes</a:t>
+                      </a:r>
+                    </a:p>
+                  </a:txBody>
+                  <a:tcPr/>
+                </a:tc>
+                <a:tc>
+                  <a:txBody>
+                    <a:bodyPr/>
+                    <a:lstStyle/>
+                    <a:p>
+                      <a:pPr marL="0" lvl="0" indent="0">
+                        <a:buNone/>
+                      </a:pPr>
+                      <a:r>
+                        <a:rPr dirty="0" err="1"/>
+                        <a:t>Niveau</a:t>
+                      </a:r>
+                      <a:r>
+                        <a:rPr dirty="0"/>
+                        <a:t> </a:t>
+                      </a:r>
+                      <a:r>
+                        <a:rPr dirty="0" err="1"/>
+                        <a:t>d’études</a:t>
+                      </a:r>
+                      <a:r>
+                        <a:rPr dirty="0"/>
+                        <a:t> </a:t>
+                      </a:r>
+                      <a:r>
+                        <a:rPr dirty="0" err="1"/>
+                        <a:t>selon</a:t>
+                      </a:r>
+                      <a:r>
+                        <a:rPr dirty="0"/>
+                        <a:t> </a:t>
+                      </a:r>
+                      <a:r>
+                        <a:rPr dirty="0" err="1"/>
+                        <a:t>l’âge</a:t>
+                      </a:r>
+                      <a:endParaRPr dirty="0"/>
+                    </a:p>
+                  </a:txBody>
+                  <a:tcPr/>
+                </a:tc>
+                <a:extLst>
+                  <a:ext uri="{0D108BD9-81ED-4DB2-BD59-A6C34878D82A}">
+                    <a16:rowId xmlns:a16="http://schemas.microsoft.com/office/drawing/2014/main" val="10006"/>
+                  </a:ext>
+                </a:extLst>
+              </a:tr>
+            </a:tbl>
+          </a:graphicData>
+        </a:graphic>
+      </p:graphicFrame>
+    </p:spTree>
+  </p:cSld>
+  <p:clrMapOvr>
+    <a:masterClrMapping/>
+  </p:clrMapOvr>
+</p:sld>
+</file>
+
+<file path=ppt/slides/slide9.xml><?xml version="1.0" encoding="utf-8"?>
+<p:sld xmlns:a="http://schemas.openxmlformats.org/drawingml/2006/main" xmlns:r="http://schemas.openxmlformats.org/officeDocument/2006/relationships" xmlns:p="http://schemas.openxmlformats.org/presentationml/2006/main">
+  <p:cSld>
+    <p:spTree>
+      <p:nvGrpSpPr>
+        <p:cNvPr id="1" name=""/>
+        <p:cNvGrpSpPr/>
+        <p:nvPr/>
+      </p:nvGrpSpPr>
+      <p:grpSpPr>
+        <a:xfrm>
+          <a:off x="0" y="0"/>
+          <a:ext cx="0" cy="0"/>
+          <a:chOff x="0" y="0"/>
+          <a:chExt cx="0" cy="0"/>
+        </a:xfrm>
+      </p:grpSpPr>
+      <p:sp>
+        <p:nvSpPr>
+          <p:cNvPr id="2" name="Title 1"/>
+          <p:cNvSpPr>
+            <a:spLocks noGrp="1"/>
+          </p:cNvSpPr>
+          <p:nvPr>
+            <p:ph type="title"/>
+          </p:nvPr>
+        </p:nvSpPr>
+        <p:spPr/>
+        <p:txBody>
+          <a:bodyPr/>
+          <a:lstStyle/>
+          <a:p>
+            <a:pPr marL="0" lvl="0" indent="0">
+              <a:buNone/>
+            </a:pPr>
+            <a:r>
+              <a:t>Aperçu des données</a:t>
+            </a:r>
+          </a:p>
+        </p:txBody>
+      </p:sp>
+      <p:graphicFrame>
+        <p:nvGraphicFramePr>
+          <p:cNvPr id="6" name="Content Placeholder 5"/>
+          <p:cNvGraphicFramePr>
+            <a:graphicFrameLocks noGrp="1"/>
+          </p:cNvGraphicFramePr>
+          <p:nvPr>
+            <p:ph idx="1"/>
+            <p:extLst>
+              <p:ext uri="{D42A27DB-BD31-4B8C-83A1-F6EECF244321}">
+                <p14:modId xmlns:p14="http://schemas.microsoft.com/office/powerpoint/2010/main" val="1215154136"/>
+              </p:ext>
+            </p:extLst>
+          </p:nvPr>
+        </p:nvGraphicFramePr>
+        <p:xfrm>
+          <a:off x="457200" y="1533737"/>
+          <a:ext cx="8229600" cy="2080260"/>
+        </p:xfrm>
+        <a:graphic>
+          <a:graphicData uri="http://schemas.openxmlformats.org/drawingml/2006/table">
+            <a:tbl>
+              <a:tblPr firstRow="1" bandRow="1">
+                <a:tableStyleId>{5C22544A-7EE6-4342-B048-85BDC9FD1C3A}</a:tableStyleId>
+              </a:tblPr>
+              <a:tblGrid>
+                <a:gridCol w="1371600">
+                  <a:extLst>
+                    <a:ext uri="{9D8B030D-6E8A-4147-A177-3AD203B41FA5}">
+                      <a16:colId xmlns:a16="http://schemas.microsoft.com/office/drawing/2014/main" val="20000"/>
+                    </a:ext>
+                  </a:extLst>
+                </a:gridCol>
+                <a:gridCol w="1371600">
+                  <a:extLst>
+                    <a:ext uri="{9D8B030D-6E8A-4147-A177-3AD203B41FA5}">
+                      <a16:colId xmlns:a16="http://schemas.microsoft.com/office/drawing/2014/main" val="20001"/>
+                    </a:ext>
+                  </a:extLst>
+                </a:gridCol>
+                <a:gridCol w="1371600">
+                  <a:extLst>
+                    <a:ext uri="{9D8B030D-6E8A-4147-A177-3AD203B41FA5}">
+                      <a16:colId xmlns:a16="http://schemas.microsoft.com/office/drawing/2014/main" val="20002"/>
+                    </a:ext>
+                  </a:extLst>
+                </a:gridCol>
+                <a:gridCol w="1371600">
+                  <a:extLst>
+                    <a:ext uri="{9D8B030D-6E8A-4147-A177-3AD203B41FA5}">
+                      <a16:colId xmlns:a16="http://schemas.microsoft.com/office/drawing/2014/main" val="20003"/>
+                    </a:ext>
+                  </a:extLst>
+                </a:gridCol>
+                <a:gridCol w="1371600">
+                  <a:extLst>
+                    <a:ext uri="{9D8B030D-6E8A-4147-A177-3AD203B41FA5}">
+                      <a16:colId xmlns:a16="http://schemas.microsoft.com/office/drawing/2014/main" val="20004"/>
+                    </a:ext>
+                  </a:extLst>
+                </a:gridCol>
+                <a:gridCol w="1371600">
+                  <a:extLst>
+                    <a:ext uri="{9D8B030D-6E8A-4147-A177-3AD203B41FA5}">
+                      <a16:colId xmlns:a16="http://schemas.microsoft.com/office/drawing/2014/main" val="20005"/>
+                    </a:ext>
+                  </a:extLst>
+                </a:gridCol>
+              </a:tblGrid>
+              <a:tr h="0">
+                <a:tc>
+                  <a:txBody>
+                    <a:bodyPr/>
+                    <a:lstStyle/>
+                    <a:p>
+                      <a:pPr marL="0" lvl="0" indent="0">
+                        <a:buNone/>
+                      </a:pPr>
+                      <a:r>
+                        <a:rPr dirty="0" err="1"/>
+                        <a:t>prenom</a:t>
+                      </a:r>
+                      <a:endParaRPr dirty="0"/>
+                    </a:p>
+                  </a:txBody>
+                  <a:tcPr/>
+                </a:tc>
+                <a:tc>
+                  <a:txBody>
+                    <a:bodyPr/>
+                    <a:lstStyle/>
+                    <a:p>
+                      <a:pPr marL="0" lvl="0" indent="0">
+                        <a:buNone/>
+                      </a:pPr>
+                      <a:r>
+                        <a:t>age</a:t>
+                      </a:r>
+                    </a:p>
+                  </a:txBody>
+                  <a:tcPr/>
+                </a:tc>
+                <a:tc>
+                  <a:txBody>
+                    <a:bodyPr/>
+                    <a:lstStyle/>
+                    <a:p>
+                      <a:pPr marL="0" lvl="0" indent="0">
+                        <a:buNone/>
+                      </a:pPr>
+                      <a:r>
+                        <a:t>date_naissance</a:t>
+                      </a:r>
+                    </a:p>
+                  </a:txBody>
+                  <a:tcPr/>
+                </a:tc>
+                <a:tc>
+                  <a:txBody>
+                    <a:bodyPr/>
+                    <a:lstStyle/>
+                    <a:p>
+                      <a:pPr marL="0" lvl="0" indent="0">
+                        <a:buNone/>
+                      </a:pPr>
+                      <a:r>
+                        <a:t>sexe</a:t>
+                      </a:r>
+                    </a:p>
+                  </a:txBody>
+                  <a:tcPr/>
+                </a:tc>
+                <a:tc>
+                  <a:txBody>
+                    <a:bodyPr/>
+                    <a:lstStyle/>
+                    <a:p>
+                      <a:pPr marL="0" lvl="0" indent="0">
+                        <a:buNone/>
+                      </a:pPr>
+                      <a:r>
+                        <a:t>taille</a:t>
+                      </a:r>
+                    </a:p>
+                  </a:txBody>
+                  <a:tcPr/>
+                </a:tc>
+                <a:tc>
+                  <a:txBody>
+                    <a:bodyPr/>
+                    <a:lstStyle/>
+                    <a:p>
+                      <a:pPr marL="0" lvl="0" indent="0">
+                        <a:buNone/>
+                      </a:pPr>
+                      <a:r>
+                        <a:t>niveau_etudes</a:t>
+                      </a:r>
+                    </a:p>
+                  </a:txBody>
+                  <a:tcPr/>
+                </a:tc>
+                <a:extLst>
+                  <a:ext uri="{0D108BD9-81ED-4DB2-BD59-A6C34878D82A}">
+                    <a16:rowId xmlns:a16="http://schemas.microsoft.com/office/drawing/2014/main" val="10000"/>
+                  </a:ext>
+                </a:extLst>
+              </a:tr>
+              <a:tr h="0">
+                <a:tc>
+                  <a:txBody>
+                    <a:bodyPr/>
+                    <a:lstStyle/>
+                    <a:p>
+                      <a:pPr marL="0" lvl="0" indent="0">
+                        <a:buNone/>
+                      </a:pPr>
+                      <a:r>
+                        <a:t>Sacha</a:t>
+                      </a:r>
+                    </a:p>
+                  </a:txBody>
+                  <a:tcPr/>
+                </a:tc>
+                <a:tc>
+                  <a:txBody>
+                    <a:bodyPr/>
+                    <a:lstStyle/>
+                    <a:p>
+                      <a:pPr marL="0" lvl="0" indent="0">
+                        <a:buNone/>
+                      </a:pPr>
+                      <a:r>
+                        <a:t>23</a:t>
+                      </a:r>
+                    </a:p>
+                  </a:txBody>
+                  <a:tcPr/>
+                </a:tc>
+                <a:tc>
+                  <a:txBody>
+                    <a:bodyPr/>
+                    <a:lstStyle/>
+                    <a:p>
+                      <a:pPr marL="0" lvl="0" indent="0">
+                        <a:buNone/>
+                      </a:pPr>
+                      <a:r>
+                        <a:t>2002-05-27</a:t>
+                      </a:r>
+                    </a:p>
+                  </a:txBody>
+                  <a:tcPr/>
+                </a:tc>
+                <a:tc>
+                  <a:txBody>
+                    <a:bodyPr/>
+                    <a:lstStyle/>
+                    <a:p>
+                      <a:pPr marL="0" lvl="0" indent="0">
+                        <a:buNone/>
+                      </a:pPr>
+                      <a:r>
+                        <a:t>Homme</a:t>
+                      </a:r>
+                    </a:p>
+                  </a:txBody>
+                  <a:tcPr/>
+                </a:tc>
+                <a:tc>
+                  <a:txBody>
+                    <a:bodyPr/>
+                    <a:lstStyle/>
+                    <a:p>
+                      <a:pPr marL="0" lvl="0" indent="0">
+                        <a:buNone/>
+                      </a:pPr>
+                      <a:r>
+                        <a:t>186.3</a:t>
+                      </a:r>
+                    </a:p>
+                  </a:txBody>
+                  <a:tcPr/>
+                </a:tc>
+                <a:tc>
+                  <a:txBody>
+                    <a:bodyPr/>
+                    <a:lstStyle/>
+                    <a:p>
+                      <a:pPr marL="0" lvl="0" indent="0">
+                        <a:buNone/>
+                      </a:pPr>
+                      <a:r>
+                        <a:t>Bac</a:t>
+                      </a:r>
+                    </a:p>
+                  </a:txBody>
+                  <a:tcPr/>
+                </a:tc>
+                <a:extLst>
+                  <a:ext uri="{0D108BD9-81ED-4DB2-BD59-A6C34878D82A}">
+                    <a16:rowId xmlns:a16="http://schemas.microsoft.com/office/drawing/2014/main" val="10001"/>
+                  </a:ext>
+                </a:extLst>
+              </a:tr>
+              <a:tr h="0">
+                <a:tc>
+                  <a:txBody>
+                    <a:bodyPr/>
+                    <a:lstStyle/>
+                    <a:p>
+                      <a:pPr marL="0" lvl="0" indent="0">
+                        <a:buNone/>
+                      </a:pPr>
+                      <a:r>
+                        <a:t>Simon</a:t>
+                      </a:r>
+                    </a:p>
+                  </a:txBody>
+                  <a:tcPr/>
+                </a:tc>
+                <a:tc>
+                  <a:txBody>
+                    <a:bodyPr/>
+                    <a:lstStyle/>
+                    <a:p>
+                      <a:pPr marL="0" lvl="0" indent="0">
+                        <a:buNone/>
+                      </a:pPr>
+                      <a:r>
+                        <a:t>28</a:t>
+                      </a:r>
+                    </a:p>
+                  </a:txBody>
+                  <a:tcPr/>
+                </a:tc>
+                <a:tc>
+                  <a:txBody>
+                    <a:bodyPr/>
+                    <a:lstStyle/>
+                    <a:p>
+                      <a:pPr marL="0" lvl="0" indent="0">
+                        <a:buNone/>
+                      </a:pPr>
+                      <a:r>
+                        <a:t>1997-05-24</a:t>
+                      </a:r>
+                    </a:p>
+                  </a:txBody>
+                  <a:tcPr/>
+                </a:tc>
+                <a:tc>
+                  <a:txBody>
+                    <a:bodyPr/>
+                    <a:lstStyle/>
+                    <a:p>
+                      <a:pPr marL="0" lvl="0" indent="0">
+                        <a:buNone/>
+                      </a:pPr>
+                      <a:r>
+                        <a:t>Homme</a:t>
+                      </a:r>
+                    </a:p>
+                  </a:txBody>
+                  <a:tcPr/>
+                </a:tc>
+                <a:tc>
+                  <a:txBody>
+                    <a:bodyPr/>
+                    <a:lstStyle/>
+                    <a:p>
+                      <a:pPr marL="0" lvl="0" indent="0">
+                        <a:buNone/>
+                      </a:pPr>
+                      <a:r>
+                        <a:t>183.1</a:t>
+                      </a:r>
+                    </a:p>
+                  </a:txBody>
+                  <a:tcPr/>
+                </a:tc>
+                <a:tc>
+                  <a:txBody>
+                    <a:bodyPr/>
+                    <a:lstStyle/>
+                    <a:p>
+                      <a:pPr marL="0" lvl="0" indent="0">
+                        <a:buNone/>
+                      </a:pPr>
+                      <a:r>
+                        <a:t>CAP/BEP</a:t>
+                      </a:r>
+                    </a:p>
+                  </a:txBody>
+                  <a:tcPr/>
+                </a:tc>
+                <a:extLst>
+                  <a:ext uri="{0D108BD9-81ED-4DB2-BD59-A6C34878D82A}">
+                    <a16:rowId xmlns:a16="http://schemas.microsoft.com/office/drawing/2014/main" val="10002"/>
+                  </a:ext>
+                </a:extLst>
+              </a:tr>
+              <a:tr h="0">
+                <a:tc>
+                  <a:txBody>
+                    <a:bodyPr/>
+                    <a:lstStyle/>
+                    <a:p>
+                      <a:pPr marL="0" lvl="0" indent="0">
+                        <a:buNone/>
+                      </a:pPr>
+                      <a:r>
+                        <a:t>Louna</a:t>
+                      </a:r>
+                    </a:p>
+                  </a:txBody>
+                  <a:tcPr/>
+                </a:tc>
+                <a:tc>
+                  <a:txBody>
+                    <a:bodyPr/>
+                    <a:lstStyle/>
+                    <a:p>
+                      <a:pPr marL="0" lvl="0" indent="0">
+                        <a:buNone/>
+                      </a:pPr>
+                      <a:r>
+                        <a:t>30</a:t>
+                      </a:r>
+                    </a:p>
+                  </a:txBody>
+                  <a:tcPr/>
+                </a:tc>
+                <a:tc>
+                  <a:txBody>
+                    <a:bodyPr/>
+                    <a:lstStyle/>
+                    <a:p>
+                      <a:pPr marL="0" lvl="0" indent="0">
+                        <a:buNone/>
+                      </a:pPr>
+                      <a:r>
+                        <a:t>1995-07-05</a:t>
+                      </a:r>
+                    </a:p>
+                  </a:txBody>
+                  <a:tcPr/>
+                </a:tc>
+                <a:tc>
+                  <a:txBody>
+                    <a:bodyPr/>
+                    <a:lstStyle/>
+                    <a:p>
+                      <a:pPr marL="0" lvl="0" indent="0">
+                        <a:buNone/>
+                      </a:pPr>
+                      <a:r>
+                        <a:t>Femme</a:t>
+                      </a:r>
+                    </a:p>
+                  </a:txBody>
+                  <a:tcPr/>
+                </a:tc>
+                <a:tc>
+                  <a:txBody>
+                    <a:bodyPr/>
+                    <a:lstStyle/>
+                    <a:p>
+                      <a:pPr marL="0" lvl="0" indent="0">
+                        <a:buNone/>
+                      </a:pPr>
+                      <a:r>
+                        <a:t>164.4</a:t>
+                      </a:r>
+                    </a:p>
+                  </a:txBody>
+                  <a:tcPr/>
+                </a:tc>
+                <a:tc>
+                  <a:txBody>
+                    <a:bodyPr/>
+                    <a:lstStyle/>
+                    <a:p>
+                      <a:pPr marL="0" lvl="0" indent="0">
+                        <a:buNone/>
+                      </a:pPr>
+                      <a:r>
+                        <a:t>Master</a:t>
+                      </a:r>
+                    </a:p>
+                  </a:txBody>
+                  <a:tcPr/>
+                </a:tc>
+                <a:extLst>
+                  <a:ext uri="{0D108BD9-81ED-4DB2-BD59-A6C34878D82A}">
+                    <a16:rowId xmlns:a16="http://schemas.microsoft.com/office/drawing/2014/main" val="10003"/>
+                  </a:ext>
+                </a:extLst>
+              </a:tr>
+              <a:tr h="0">
+                <a:tc>
+                  <a:txBody>
+                    <a:bodyPr/>
+                    <a:lstStyle/>
+                    <a:p>
+                      <a:pPr marL="0" lvl="0" indent="0">
+                        <a:buNone/>
+                      </a:pPr>
+                      <a:r>
+                        <a:t>Charles</a:t>
+                      </a:r>
+                    </a:p>
+                  </a:txBody>
+                  <a:tcPr/>
+                </a:tc>
+                <a:tc>
+                  <a:txBody>
+                    <a:bodyPr/>
+                    <a:lstStyle/>
+                    <a:p>
+                      <a:pPr marL="0" lvl="0" indent="0">
+                        <a:buNone/>
+                      </a:pPr>
+                      <a:r>
+                        <a:t>27</a:t>
+                      </a:r>
+                    </a:p>
+                  </a:txBody>
+                  <a:tcPr/>
+                </a:tc>
+                <a:tc>
+                  <a:txBody>
+                    <a:bodyPr/>
+                    <a:lstStyle/>
+                    <a:p>
+                      <a:pPr marL="0" lvl="0" indent="0">
+                        <a:buNone/>
+                      </a:pPr>
+                      <a:r>
+                        <a:t>1998-10-09</a:t>
+                      </a:r>
+                    </a:p>
+                  </a:txBody>
+                  <a:tcPr/>
+                </a:tc>
+                <a:tc>
+                  <a:txBody>
+                    <a:bodyPr/>
+                    <a:lstStyle/>
+                    <a:p>
+                      <a:pPr marL="0" lvl="0" indent="0">
+                        <a:buNone/>
+                      </a:pPr>
+                      <a:r>
+                        <a:t>Homme</a:t>
+                      </a:r>
+                    </a:p>
+                  </a:txBody>
+                  <a:tcPr/>
+                </a:tc>
+                <a:tc>
+                  <a:txBody>
+                    <a:bodyPr/>
+                    <a:lstStyle/>
+                    <a:p>
+                      <a:pPr marL="0" lvl="0" indent="0">
+                        <a:buNone/>
+                      </a:pPr>
+                      <a:r>
+                        <a:t>166.0</a:t>
+                      </a:r>
+                    </a:p>
+                  </a:txBody>
+                  <a:tcPr/>
+                </a:tc>
+                <a:tc>
+                  <a:txBody>
+                    <a:bodyPr/>
+                    <a:lstStyle/>
+                    <a:p>
+                      <a:pPr marL="0" lvl="0" indent="0">
+                        <a:buNone/>
+                      </a:pPr>
+                      <a:r>
+                        <a:t>CAP/BEP</a:t>
+                      </a:r>
+                    </a:p>
+                  </a:txBody>
+                  <a:tcPr/>
+                </a:tc>
+                <a:extLst>
+                  <a:ext uri="{0D108BD9-81ED-4DB2-BD59-A6C34878D82A}">
+                    <a16:rowId xmlns:a16="http://schemas.microsoft.com/office/drawing/2014/main" val="10004"/>
+                  </a:ext>
+                </a:extLst>
+              </a:tr>
+              <a:tr h="0">
+                <a:tc>
+                  <a:txBody>
+                    <a:bodyPr/>
+                    <a:lstStyle/>
+                    <a:p>
+                      <a:pPr marL="0" lvl="0" indent="0">
+                        <a:buNone/>
+                      </a:pPr>
+                      <a:r>
+                        <a:t>Simon</a:t>
+                      </a:r>
+                    </a:p>
+                  </a:txBody>
+                  <a:tcPr/>
+                </a:tc>
+                <a:tc>
+                  <a:txBody>
+                    <a:bodyPr/>
+                    <a:lstStyle/>
+                    <a:p>
+                      <a:pPr marL="0" lvl="0" indent="0">
+                        <a:buNone/>
+                      </a:pPr>
+                      <a:r>
+                        <a:t>52</a:t>
+                      </a:r>
+                    </a:p>
+                  </a:txBody>
+                  <a:tcPr/>
+                </a:tc>
+                <a:tc>
+                  <a:txBody>
+                    <a:bodyPr/>
+                    <a:lstStyle/>
+                    <a:p>
+                      <a:pPr marL="0" lvl="0" indent="0">
+                        <a:buNone/>
+                      </a:pPr>
+                      <a:r>
+                        <a:t>1973-06-17</a:t>
+                      </a:r>
+                    </a:p>
+                  </a:txBody>
+                  <a:tcPr/>
+                </a:tc>
+                <a:tc>
+                  <a:txBody>
+                    <a:bodyPr/>
+                    <a:lstStyle/>
+                    <a:p>
+                      <a:pPr marL="0" lvl="0" indent="0">
+                        <a:buNone/>
+                      </a:pPr>
+                      <a:r>
+                        <a:t>Homme</a:t>
+                      </a:r>
+                    </a:p>
+                  </a:txBody>
+                  <a:tcPr/>
+                </a:tc>
+                <a:tc>
+                  <a:txBody>
+                    <a:bodyPr/>
+                    <a:lstStyle/>
+                    <a:p>
+                      <a:pPr marL="0" lvl="0" indent="0">
+                        <a:buNone/>
+                      </a:pPr>
+                      <a:r>
+                        <a:t>177.8</a:t>
+                      </a:r>
+                    </a:p>
+                  </a:txBody>
+                  <a:tcPr/>
+                </a:tc>
+                <a:tc>
+                  <a:txBody>
+                    <a:bodyPr/>
+                    <a:lstStyle/>
+                    <a:p>
+                      <a:pPr marL="0" lvl="0" indent="0">
+                        <a:buNone/>
+                      </a:pPr>
+                      <a:r>
+                        <a:t>Licence</a:t>
+                      </a:r>
+                    </a:p>
+                  </a:txBody>
+                  <a:tcPr/>
+                </a:tc>
+                <a:extLst>
+                  <a:ext uri="{0D108BD9-81ED-4DB2-BD59-A6C34878D82A}">
+                    <a16:rowId xmlns:a16="http://schemas.microsoft.com/office/drawing/2014/main" val="10005"/>
+                  </a:ext>
+                </a:extLst>
+              </a:tr>
+              <a:tr h="0">
+                <a:tc>
+                  <a:txBody>
+                    <a:bodyPr/>
+                    <a:lstStyle/>
+                    <a:p>
+                      <a:pPr marL="0" lvl="0" indent="0">
+                        <a:buNone/>
+                      </a:pPr>
+                      <a:r>
+                        <a:t>Robin</a:t>
+                      </a:r>
+                    </a:p>
+                  </a:txBody>
+                  <a:tcPr/>
+                </a:tc>
+                <a:tc>
+                  <a:txBody>
+                    <a:bodyPr/>
+                    <a:lstStyle/>
+                    <a:p>
+                      <a:pPr marL="0" lvl="0" indent="0">
+                        <a:buNone/>
+                      </a:pPr>
+                      <a:r>
+                        <a:t>77</a:t>
+                      </a:r>
+                    </a:p>
+                  </a:txBody>
+                  <a:tcPr/>
+                </a:tc>
+                <a:tc>
+                  <a:txBody>
+                    <a:bodyPr/>
+                    <a:lstStyle/>
+                    <a:p>
+                      <a:pPr marL="0" lvl="0" indent="0">
+                        <a:buNone/>
+                      </a:pPr>
+                      <a:r>
+                        <a:t>1948-05-29</a:t>
+                      </a:r>
+                    </a:p>
+                  </a:txBody>
+                  <a:tcPr/>
+                </a:tc>
+                <a:tc>
+                  <a:txBody>
+                    <a:bodyPr/>
+                    <a:lstStyle/>
+                    <a:p>
+                      <a:pPr marL="0" lvl="0" indent="0">
+                        <a:buNone/>
+                      </a:pPr>
+                      <a:r>
+                        <a:t>Homme</a:t>
+                      </a:r>
+                    </a:p>
+                  </a:txBody>
+                  <a:tcPr/>
+                </a:tc>
+                <a:tc>
+                  <a:txBody>
+                    <a:bodyPr/>
+                    <a:lstStyle/>
+                    <a:p>
+                      <a:pPr marL="0" lvl="0" indent="0">
+                        <a:buNone/>
+                      </a:pPr>
+                      <a:r>
+                        <a:t>178.6</a:t>
+                      </a:r>
+                    </a:p>
+                  </a:txBody>
+                  <a:tcPr/>
+                </a:tc>
+                <a:tc>
+                  <a:txBody>
+                    <a:bodyPr/>
+                    <a:lstStyle/>
+                    <a:p>
+                      <a:pPr marL="0" lvl="0" indent="0">
+                        <a:buNone/>
+                      </a:pPr>
+                      <a:r>
+                        <a:rPr dirty="0"/>
+                        <a:t>Collège</a:t>
+                      </a:r>
+                    </a:p>
+                  </a:txBody>
+                  <a:tcPr/>
+                </a:tc>
+                <a:extLst>
+                  <a:ext uri="{0D108BD9-81ED-4DB2-BD59-A6C34878D82A}">
+                    <a16:rowId xmlns:a16="http://schemas.microsoft.com/office/drawing/2014/main" val="10006"/>
+                  </a:ext>
+                </a:extLst>
+              </a:tr>
+            </a:tbl>
+          </a:graphicData>
+        </a:graphic>
+      </p:graphicFrame>
     </p:spTree>
   </p:cSld>
   <p:clrMapOvr>
